--- a/project/posterpp/realposter.pptx
+++ b/project/posterpp/realposter.pptx
@@ -6,7 +6,9 @@
   </p:sldMasterIdLst>
   <p:sldIdLst>
     <p:sldId id="256" r:id="rId2"/>
-    <p:sldId id="257" r:id="rId3"/>
+    <p:sldId id="259" r:id="rId3"/>
+    <p:sldId id="258" r:id="rId4"/>
+    <p:sldId id="257" r:id="rId5"/>
   </p:sldIdLst>
   <p:sldSz cx="32918400" cy="43891200"/>
   <p:notesSz cx="6858000" cy="9144000"/>
@@ -105,10 +107,1509 @@
       </a:defRPr>
     </a:lvl9pPr>
   </p:defaultTextStyle>
+  <p:extLst>
+    <p:ext uri="{EFAFB233-063F-42B5-8137-9DF3F51BA10A}">
+      <p15:sldGuideLst xmlns:p15="http://schemas.microsoft.com/office/powerpoint/2012/main"/>
+    </p:ext>
+  </p:extLst>
 </p:presentation>
 </file>
 
 <file path=ppt/diagrams/colors1.xml><?xml version="1.0" encoding="utf-8"?>
+<dgm:colorsDef xmlns:dgm="http://schemas.openxmlformats.org/drawingml/2006/diagram" xmlns:a="http://schemas.openxmlformats.org/drawingml/2006/main" uniqueId="urn:microsoft.com/office/officeart/2005/8/colors/accent1_2">
+  <dgm:title val=""/>
+  <dgm:desc val=""/>
+  <dgm:catLst>
+    <dgm:cat type="accent1" pri="11200"/>
+  </dgm:catLst>
+  <dgm:styleLbl name="node0">
+    <dgm:fillClrLst meth="repeat">
+      <a:schemeClr val="accent1"/>
+    </dgm:fillClrLst>
+    <dgm:linClrLst meth="repeat">
+      <a:schemeClr val="lt1"/>
+    </dgm:linClrLst>
+    <dgm:effectClrLst/>
+    <dgm:txLinClrLst/>
+    <dgm:txFillClrLst/>
+    <dgm:txEffectClrLst/>
+  </dgm:styleLbl>
+  <dgm:styleLbl name="alignNode1">
+    <dgm:fillClrLst meth="repeat">
+      <a:schemeClr val="accent1"/>
+    </dgm:fillClrLst>
+    <dgm:linClrLst meth="repeat">
+      <a:schemeClr val="accent1"/>
+    </dgm:linClrLst>
+    <dgm:effectClrLst/>
+    <dgm:txLinClrLst/>
+    <dgm:txFillClrLst/>
+    <dgm:txEffectClrLst/>
+  </dgm:styleLbl>
+  <dgm:styleLbl name="node1">
+    <dgm:fillClrLst meth="repeat">
+      <a:schemeClr val="accent1"/>
+    </dgm:fillClrLst>
+    <dgm:linClrLst meth="repeat">
+      <a:schemeClr val="lt1"/>
+    </dgm:linClrLst>
+    <dgm:effectClrLst/>
+    <dgm:txLinClrLst/>
+    <dgm:txFillClrLst/>
+    <dgm:txEffectClrLst/>
+  </dgm:styleLbl>
+  <dgm:styleLbl name="lnNode1">
+    <dgm:fillClrLst meth="repeat">
+      <a:schemeClr val="accent1"/>
+    </dgm:fillClrLst>
+    <dgm:linClrLst meth="repeat">
+      <a:schemeClr val="lt1"/>
+    </dgm:linClrLst>
+    <dgm:effectClrLst/>
+    <dgm:txLinClrLst/>
+    <dgm:txFillClrLst/>
+    <dgm:txEffectClrLst/>
+  </dgm:styleLbl>
+  <dgm:styleLbl name="vennNode1">
+    <dgm:fillClrLst meth="repeat">
+      <a:schemeClr val="accent1">
+        <a:alpha val="50000"/>
+      </a:schemeClr>
+    </dgm:fillClrLst>
+    <dgm:linClrLst meth="repeat">
+      <a:schemeClr val="lt1"/>
+    </dgm:linClrLst>
+    <dgm:effectClrLst/>
+    <dgm:txLinClrLst/>
+    <dgm:txFillClrLst/>
+    <dgm:txEffectClrLst/>
+  </dgm:styleLbl>
+  <dgm:styleLbl name="node2">
+    <dgm:fillClrLst meth="repeat">
+      <a:schemeClr val="accent1"/>
+    </dgm:fillClrLst>
+    <dgm:linClrLst meth="repeat">
+      <a:schemeClr val="lt1"/>
+    </dgm:linClrLst>
+    <dgm:effectClrLst/>
+    <dgm:txLinClrLst/>
+    <dgm:txFillClrLst/>
+    <dgm:txEffectClrLst/>
+  </dgm:styleLbl>
+  <dgm:styleLbl name="node3">
+    <dgm:fillClrLst meth="repeat">
+      <a:schemeClr val="accent1"/>
+    </dgm:fillClrLst>
+    <dgm:linClrLst meth="repeat">
+      <a:schemeClr val="lt1"/>
+    </dgm:linClrLst>
+    <dgm:effectClrLst/>
+    <dgm:txLinClrLst/>
+    <dgm:txFillClrLst/>
+    <dgm:txEffectClrLst/>
+  </dgm:styleLbl>
+  <dgm:styleLbl name="node4">
+    <dgm:fillClrLst meth="repeat">
+      <a:schemeClr val="accent1"/>
+    </dgm:fillClrLst>
+    <dgm:linClrLst meth="repeat">
+      <a:schemeClr val="lt1"/>
+    </dgm:linClrLst>
+    <dgm:effectClrLst/>
+    <dgm:txLinClrLst/>
+    <dgm:txFillClrLst/>
+    <dgm:txEffectClrLst/>
+  </dgm:styleLbl>
+  <dgm:styleLbl name="fgImgPlace1">
+    <dgm:fillClrLst meth="repeat">
+      <a:schemeClr val="accent1">
+        <a:tint val="50000"/>
+      </a:schemeClr>
+    </dgm:fillClrLst>
+    <dgm:linClrLst meth="repeat">
+      <a:schemeClr val="lt1"/>
+    </dgm:linClrLst>
+    <dgm:effectClrLst/>
+    <dgm:txLinClrLst/>
+    <dgm:txFillClrLst meth="repeat">
+      <a:schemeClr val="lt1"/>
+    </dgm:txFillClrLst>
+    <dgm:txEffectClrLst/>
+  </dgm:styleLbl>
+  <dgm:styleLbl name="alignImgPlace1">
+    <dgm:fillClrLst meth="repeat">
+      <a:schemeClr val="accent1">
+        <a:tint val="50000"/>
+      </a:schemeClr>
+    </dgm:fillClrLst>
+    <dgm:linClrLst meth="repeat">
+      <a:schemeClr val="lt1"/>
+    </dgm:linClrLst>
+    <dgm:effectClrLst/>
+    <dgm:txLinClrLst/>
+    <dgm:txFillClrLst meth="repeat">
+      <a:schemeClr val="lt1"/>
+    </dgm:txFillClrLst>
+    <dgm:txEffectClrLst/>
+  </dgm:styleLbl>
+  <dgm:styleLbl name="bgImgPlace1">
+    <dgm:fillClrLst meth="repeat">
+      <a:schemeClr val="accent1">
+        <a:tint val="50000"/>
+      </a:schemeClr>
+    </dgm:fillClrLst>
+    <dgm:linClrLst meth="repeat">
+      <a:schemeClr val="lt1"/>
+    </dgm:linClrLst>
+    <dgm:effectClrLst/>
+    <dgm:txLinClrLst/>
+    <dgm:txFillClrLst meth="repeat">
+      <a:schemeClr val="lt1"/>
+    </dgm:txFillClrLst>
+    <dgm:txEffectClrLst/>
+  </dgm:styleLbl>
+  <dgm:styleLbl name="sibTrans2D1">
+    <dgm:fillClrLst meth="repeat">
+      <a:schemeClr val="accent1">
+        <a:tint val="60000"/>
+      </a:schemeClr>
+    </dgm:fillClrLst>
+    <dgm:linClrLst meth="repeat">
+      <a:schemeClr val="accent1">
+        <a:tint val="60000"/>
+      </a:schemeClr>
+    </dgm:linClrLst>
+    <dgm:effectClrLst/>
+    <dgm:txLinClrLst/>
+    <dgm:txFillClrLst/>
+    <dgm:txEffectClrLst/>
+  </dgm:styleLbl>
+  <dgm:styleLbl name="fgSibTrans2D1">
+    <dgm:fillClrLst meth="repeat">
+      <a:schemeClr val="accent1">
+        <a:tint val="60000"/>
+      </a:schemeClr>
+    </dgm:fillClrLst>
+    <dgm:linClrLst meth="repeat">
+      <a:schemeClr val="accent1">
+        <a:tint val="60000"/>
+      </a:schemeClr>
+    </dgm:linClrLst>
+    <dgm:effectClrLst/>
+    <dgm:txLinClrLst/>
+    <dgm:txFillClrLst/>
+    <dgm:txEffectClrLst/>
+  </dgm:styleLbl>
+  <dgm:styleLbl name="bgSibTrans2D1">
+    <dgm:fillClrLst meth="repeat">
+      <a:schemeClr val="accent1">
+        <a:tint val="60000"/>
+      </a:schemeClr>
+    </dgm:fillClrLst>
+    <dgm:linClrLst meth="repeat">
+      <a:schemeClr val="accent1">
+        <a:tint val="60000"/>
+      </a:schemeClr>
+    </dgm:linClrLst>
+    <dgm:effectClrLst/>
+    <dgm:txLinClrLst/>
+    <dgm:txFillClrLst/>
+    <dgm:txEffectClrLst/>
+  </dgm:styleLbl>
+  <dgm:styleLbl name="sibTrans1D1">
+    <dgm:fillClrLst meth="repeat">
+      <a:schemeClr val="accent1"/>
+    </dgm:fillClrLst>
+    <dgm:linClrLst meth="repeat">
+      <a:schemeClr val="accent1"/>
+    </dgm:linClrLst>
+    <dgm:effectClrLst/>
+    <dgm:txLinClrLst/>
+    <dgm:txFillClrLst meth="repeat">
+      <a:schemeClr val="tx1"/>
+    </dgm:txFillClrLst>
+    <dgm:txEffectClrLst/>
+  </dgm:styleLbl>
+  <dgm:styleLbl name="callout">
+    <dgm:fillClrLst meth="repeat">
+      <a:schemeClr val="accent1"/>
+    </dgm:fillClrLst>
+    <dgm:linClrLst meth="repeat">
+      <a:schemeClr val="accent1">
+        <a:tint val="50000"/>
+      </a:schemeClr>
+    </dgm:linClrLst>
+    <dgm:effectClrLst/>
+    <dgm:txLinClrLst/>
+    <dgm:txFillClrLst meth="repeat">
+      <a:schemeClr val="tx1"/>
+    </dgm:txFillClrLst>
+    <dgm:txEffectClrLst/>
+  </dgm:styleLbl>
+  <dgm:styleLbl name="asst0">
+    <dgm:fillClrLst meth="repeat">
+      <a:schemeClr val="accent1"/>
+    </dgm:fillClrLst>
+    <dgm:linClrLst meth="repeat">
+      <a:schemeClr val="lt1"/>
+    </dgm:linClrLst>
+    <dgm:effectClrLst/>
+    <dgm:txLinClrLst/>
+    <dgm:txFillClrLst/>
+    <dgm:txEffectClrLst/>
+  </dgm:styleLbl>
+  <dgm:styleLbl name="asst1">
+    <dgm:fillClrLst meth="repeat">
+      <a:schemeClr val="accent1"/>
+    </dgm:fillClrLst>
+    <dgm:linClrLst meth="repeat">
+      <a:schemeClr val="lt1"/>
+    </dgm:linClrLst>
+    <dgm:effectClrLst/>
+    <dgm:txLinClrLst/>
+    <dgm:txFillClrLst/>
+    <dgm:txEffectClrLst/>
+  </dgm:styleLbl>
+  <dgm:styleLbl name="asst2">
+    <dgm:fillClrLst meth="repeat">
+      <a:schemeClr val="accent1"/>
+    </dgm:fillClrLst>
+    <dgm:linClrLst meth="repeat">
+      <a:schemeClr val="lt1"/>
+    </dgm:linClrLst>
+    <dgm:effectClrLst/>
+    <dgm:txLinClrLst/>
+    <dgm:txFillClrLst/>
+    <dgm:txEffectClrLst/>
+  </dgm:styleLbl>
+  <dgm:styleLbl name="asst3">
+    <dgm:fillClrLst meth="repeat">
+      <a:schemeClr val="accent1"/>
+    </dgm:fillClrLst>
+    <dgm:linClrLst meth="repeat">
+      <a:schemeClr val="lt1"/>
+    </dgm:linClrLst>
+    <dgm:effectClrLst/>
+    <dgm:txLinClrLst/>
+    <dgm:txFillClrLst/>
+    <dgm:txEffectClrLst/>
+  </dgm:styleLbl>
+  <dgm:styleLbl name="asst4">
+    <dgm:fillClrLst meth="repeat">
+      <a:schemeClr val="accent1"/>
+    </dgm:fillClrLst>
+    <dgm:linClrLst meth="repeat">
+      <a:schemeClr val="lt1"/>
+    </dgm:linClrLst>
+    <dgm:effectClrLst/>
+    <dgm:txLinClrLst/>
+    <dgm:txFillClrLst/>
+    <dgm:txEffectClrLst/>
+  </dgm:styleLbl>
+  <dgm:styleLbl name="parChTrans2D1">
+    <dgm:fillClrLst meth="repeat">
+      <a:schemeClr val="accent1">
+        <a:tint val="60000"/>
+      </a:schemeClr>
+    </dgm:fillClrLst>
+    <dgm:linClrLst meth="repeat">
+      <a:schemeClr val="accent1">
+        <a:tint val="60000"/>
+      </a:schemeClr>
+    </dgm:linClrLst>
+    <dgm:effectClrLst/>
+    <dgm:txLinClrLst/>
+    <dgm:txFillClrLst meth="repeat">
+      <a:schemeClr val="lt1"/>
+    </dgm:txFillClrLst>
+    <dgm:txEffectClrLst/>
+  </dgm:styleLbl>
+  <dgm:styleLbl name="parChTrans2D2">
+    <dgm:fillClrLst meth="repeat">
+      <a:schemeClr val="accent1"/>
+    </dgm:fillClrLst>
+    <dgm:linClrLst meth="repeat">
+      <a:schemeClr val="accent1"/>
+    </dgm:linClrLst>
+    <dgm:effectClrLst/>
+    <dgm:txLinClrLst/>
+    <dgm:txFillClrLst meth="repeat">
+      <a:schemeClr val="lt1"/>
+    </dgm:txFillClrLst>
+    <dgm:txEffectClrLst/>
+  </dgm:styleLbl>
+  <dgm:styleLbl name="parChTrans2D3">
+    <dgm:fillClrLst meth="repeat">
+      <a:schemeClr val="accent1"/>
+    </dgm:fillClrLst>
+    <dgm:linClrLst meth="repeat">
+      <a:schemeClr val="accent1"/>
+    </dgm:linClrLst>
+    <dgm:effectClrLst/>
+    <dgm:txLinClrLst/>
+    <dgm:txFillClrLst meth="repeat">
+      <a:schemeClr val="lt1"/>
+    </dgm:txFillClrLst>
+    <dgm:txEffectClrLst/>
+  </dgm:styleLbl>
+  <dgm:styleLbl name="parChTrans2D4">
+    <dgm:fillClrLst meth="repeat">
+      <a:schemeClr val="accent1"/>
+    </dgm:fillClrLst>
+    <dgm:linClrLst meth="repeat">
+      <a:schemeClr val="accent1"/>
+    </dgm:linClrLst>
+    <dgm:effectClrLst/>
+    <dgm:txLinClrLst/>
+    <dgm:txFillClrLst meth="repeat">
+      <a:schemeClr val="lt1"/>
+    </dgm:txFillClrLst>
+    <dgm:txEffectClrLst/>
+  </dgm:styleLbl>
+  <dgm:styleLbl name="parChTrans1D1">
+    <dgm:fillClrLst meth="repeat">
+      <a:schemeClr val="accent1"/>
+    </dgm:fillClrLst>
+    <dgm:linClrLst meth="repeat">
+      <a:schemeClr val="accent1">
+        <a:shade val="60000"/>
+      </a:schemeClr>
+    </dgm:linClrLst>
+    <dgm:effectClrLst/>
+    <dgm:txLinClrLst/>
+    <dgm:txFillClrLst meth="repeat">
+      <a:schemeClr val="tx1"/>
+    </dgm:txFillClrLst>
+    <dgm:txEffectClrLst/>
+  </dgm:styleLbl>
+  <dgm:styleLbl name="parChTrans1D2">
+    <dgm:fillClrLst meth="repeat">
+      <a:schemeClr val="accent1"/>
+    </dgm:fillClrLst>
+    <dgm:linClrLst meth="repeat">
+      <a:schemeClr val="accent1">
+        <a:shade val="60000"/>
+      </a:schemeClr>
+    </dgm:linClrLst>
+    <dgm:effectClrLst/>
+    <dgm:txLinClrLst/>
+    <dgm:txFillClrLst meth="repeat">
+      <a:schemeClr val="tx1"/>
+    </dgm:txFillClrLst>
+    <dgm:txEffectClrLst/>
+  </dgm:styleLbl>
+  <dgm:styleLbl name="parChTrans1D3">
+    <dgm:fillClrLst meth="repeat">
+      <a:schemeClr val="accent1"/>
+    </dgm:fillClrLst>
+    <dgm:linClrLst meth="repeat">
+      <a:schemeClr val="accent1">
+        <a:shade val="80000"/>
+      </a:schemeClr>
+    </dgm:linClrLst>
+    <dgm:effectClrLst/>
+    <dgm:txLinClrLst/>
+    <dgm:txFillClrLst meth="repeat">
+      <a:schemeClr val="tx1"/>
+    </dgm:txFillClrLst>
+    <dgm:txEffectClrLst/>
+  </dgm:styleLbl>
+  <dgm:styleLbl name="parChTrans1D4">
+    <dgm:fillClrLst meth="repeat">
+      <a:schemeClr val="accent1"/>
+    </dgm:fillClrLst>
+    <dgm:linClrLst meth="repeat">
+      <a:schemeClr val="accent1">
+        <a:shade val="80000"/>
+      </a:schemeClr>
+    </dgm:linClrLst>
+    <dgm:effectClrLst/>
+    <dgm:txLinClrLst/>
+    <dgm:txFillClrLst meth="repeat">
+      <a:schemeClr val="tx1"/>
+    </dgm:txFillClrLst>
+    <dgm:txEffectClrLst/>
+  </dgm:styleLbl>
+  <dgm:styleLbl name="fgAcc1">
+    <dgm:fillClrLst meth="repeat">
+      <a:schemeClr val="lt1">
+        <a:alpha val="90000"/>
+      </a:schemeClr>
+    </dgm:fillClrLst>
+    <dgm:linClrLst meth="repeat">
+      <a:schemeClr val="accent1"/>
+    </dgm:linClrLst>
+    <dgm:effectClrLst/>
+    <dgm:txLinClrLst/>
+    <dgm:txFillClrLst meth="repeat">
+      <a:schemeClr val="dk1"/>
+    </dgm:txFillClrLst>
+    <dgm:txEffectClrLst/>
+  </dgm:styleLbl>
+  <dgm:styleLbl name="conFgAcc1">
+    <dgm:fillClrLst meth="repeat">
+      <a:schemeClr val="lt1">
+        <a:alpha val="90000"/>
+      </a:schemeClr>
+    </dgm:fillClrLst>
+    <dgm:linClrLst meth="repeat">
+      <a:schemeClr val="accent1"/>
+    </dgm:linClrLst>
+    <dgm:effectClrLst/>
+    <dgm:txLinClrLst/>
+    <dgm:txFillClrLst meth="repeat">
+      <a:schemeClr val="dk1"/>
+    </dgm:txFillClrLst>
+    <dgm:txEffectClrLst/>
+  </dgm:styleLbl>
+  <dgm:styleLbl name="alignAcc1">
+    <dgm:fillClrLst meth="repeat">
+      <a:schemeClr val="lt1">
+        <a:alpha val="90000"/>
+      </a:schemeClr>
+    </dgm:fillClrLst>
+    <dgm:linClrLst meth="repeat">
+      <a:schemeClr val="accent1"/>
+    </dgm:linClrLst>
+    <dgm:effectClrLst/>
+    <dgm:txLinClrLst/>
+    <dgm:txFillClrLst meth="repeat">
+      <a:schemeClr val="dk1"/>
+    </dgm:txFillClrLst>
+    <dgm:txEffectClrLst/>
+  </dgm:styleLbl>
+  <dgm:styleLbl name="trAlignAcc1">
+    <dgm:fillClrLst meth="repeat">
+      <a:schemeClr val="lt1">
+        <a:alpha val="40000"/>
+      </a:schemeClr>
+    </dgm:fillClrLst>
+    <dgm:linClrLst meth="repeat">
+      <a:schemeClr val="accent1"/>
+    </dgm:linClrLst>
+    <dgm:effectClrLst/>
+    <dgm:txLinClrLst/>
+    <dgm:txFillClrLst meth="repeat">
+      <a:schemeClr val="dk1"/>
+    </dgm:txFillClrLst>
+    <dgm:txEffectClrLst/>
+  </dgm:styleLbl>
+  <dgm:styleLbl name="bgAcc1">
+    <dgm:fillClrLst meth="repeat">
+      <a:schemeClr val="lt1">
+        <a:alpha val="90000"/>
+      </a:schemeClr>
+    </dgm:fillClrLst>
+    <dgm:linClrLst meth="repeat">
+      <a:schemeClr val="accent1"/>
+    </dgm:linClrLst>
+    <dgm:effectClrLst/>
+    <dgm:txLinClrLst/>
+    <dgm:txFillClrLst meth="repeat">
+      <a:schemeClr val="dk1"/>
+    </dgm:txFillClrLst>
+    <dgm:txEffectClrLst/>
+  </dgm:styleLbl>
+  <dgm:styleLbl name="solidFgAcc1">
+    <dgm:fillClrLst meth="repeat">
+      <a:schemeClr val="lt1"/>
+    </dgm:fillClrLst>
+    <dgm:linClrLst meth="repeat">
+      <a:schemeClr val="accent1"/>
+    </dgm:linClrLst>
+    <dgm:effectClrLst/>
+    <dgm:txLinClrLst/>
+    <dgm:txFillClrLst meth="repeat">
+      <a:schemeClr val="dk1"/>
+    </dgm:txFillClrLst>
+    <dgm:txEffectClrLst/>
+  </dgm:styleLbl>
+  <dgm:styleLbl name="solidAlignAcc1">
+    <dgm:fillClrLst meth="repeat">
+      <a:schemeClr val="lt1"/>
+    </dgm:fillClrLst>
+    <dgm:linClrLst meth="repeat">
+      <a:schemeClr val="accent1"/>
+    </dgm:linClrLst>
+    <dgm:effectClrLst/>
+    <dgm:txLinClrLst/>
+    <dgm:txFillClrLst meth="repeat">
+      <a:schemeClr val="dk1"/>
+    </dgm:txFillClrLst>
+    <dgm:txEffectClrLst/>
+  </dgm:styleLbl>
+  <dgm:styleLbl name="solidBgAcc1">
+    <dgm:fillClrLst meth="repeat">
+      <a:schemeClr val="lt1"/>
+    </dgm:fillClrLst>
+    <dgm:linClrLst meth="repeat">
+      <a:schemeClr val="accent1"/>
+    </dgm:linClrLst>
+    <dgm:effectClrLst/>
+    <dgm:txLinClrLst/>
+    <dgm:txFillClrLst meth="repeat">
+      <a:schemeClr val="dk1"/>
+    </dgm:txFillClrLst>
+    <dgm:txEffectClrLst/>
+  </dgm:styleLbl>
+  <dgm:styleLbl name="fgAccFollowNode1">
+    <dgm:fillClrLst meth="repeat">
+      <a:schemeClr val="accent1">
+        <a:alpha val="90000"/>
+        <a:tint val="40000"/>
+      </a:schemeClr>
+    </dgm:fillClrLst>
+    <dgm:linClrLst meth="repeat">
+      <a:schemeClr val="accent1">
+        <a:alpha val="90000"/>
+        <a:tint val="40000"/>
+      </a:schemeClr>
+    </dgm:linClrLst>
+    <dgm:effectClrLst/>
+    <dgm:txLinClrLst/>
+    <dgm:txFillClrLst meth="repeat">
+      <a:schemeClr val="dk1"/>
+    </dgm:txFillClrLst>
+    <dgm:txEffectClrLst/>
+  </dgm:styleLbl>
+  <dgm:styleLbl name="alignAccFollowNode1">
+    <dgm:fillClrLst meth="repeat">
+      <a:schemeClr val="accent1">
+        <a:alpha val="90000"/>
+        <a:tint val="40000"/>
+      </a:schemeClr>
+    </dgm:fillClrLst>
+    <dgm:linClrLst meth="repeat">
+      <a:schemeClr val="accent1">
+        <a:alpha val="90000"/>
+        <a:tint val="40000"/>
+      </a:schemeClr>
+    </dgm:linClrLst>
+    <dgm:effectClrLst/>
+    <dgm:txLinClrLst/>
+    <dgm:txFillClrLst meth="repeat">
+      <a:schemeClr val="dk1"/>
+    </dgm:txFillClrLst>
+    <dgm:txEffectClrLst/>
+  </dgm:styleLbl>
+  <dgm:styleLbl name="bgAccFollowNode1">
+    <dgm:fillClrLst meth="repeat">
+      <a:schemeClr val="accent1">
+        <a:alpha val="90000"/>
+        <a:tint val="40000"/>
+      </a:schemeClr>
+    </dgm:fillClrLst>
+    <dgm:linClrLst meth="repeat">
+      <a:schemeClr val="accent1">
+        <a:alpha val="90000"/>
+        <a:tint val="40000"/>
+      </a:schemeClr>
+    </dgm:linClrLst>
+    <dgm:effectClrLst/>
+    <dgm:txLinClrLst/>
+    <dgm:txFillClrLst meth="repeat">
+      <a:schemeClr val="dk1"/>
+    </dgm:txFillClrLst>
+    <dgm:txEffectClrLst/>
+  </dgm:styleLbl>
+  <dgm:styleLbl name="fgAcc0">
+    <dgm:fillClrLst meth="repeat">
+      <a:schemeClr val="lt1">
+        <a:alpha val="90000"/>
+      </a:schemeClr>
+    </dgm:fillClrLst>
+    <dgm:linClrLst meth="repeat">
+      <a:schemeClr val="accent1"/>
+    </dgm:linClrLst>
+    <dgm:effectClrLst/>
+    <dgm:txLinClrLst/>
+    <dgm:txFillClrLst meth="repeat">
+      <a:schemeClr val="dk1"/>
+    </dgm:txFillClrLst>
+    <dgm:txEffectClrLst/>
+  </dgm:styleLbl>
+  <dgm:styleLbl name="fgAcc2">
+    <dgm:fillClrLst meth="repeat">
+      <a:schemeClr val="lt1">
+        <a:alpha val="90000"/>
+      </a:schemeClr>
+    </dgm:fillClrLst>
+    <dgm:linClrLst meth="repeat">
+      <a:schemeClr val="accent1"/>
+    </dgm:linClrLst>
+    <dgm:effectClrLst/>
+    <dgm:txLinClrLst/>
+    <dgm:txFillClrLst meth="repeat">
+      <a:schemeClr val="dk1"/>
+    </dgm:txFillClrLst>
+    <dgm:txEffectClrLst/>
+  </dgm:styleLbl>
+  <dgm:styleLbl name="fgAcc3">
+    <dgm:fillClrLst meth="repeat">
+      <a:schemeClr val="lt1">
+        <a:alpha val="90000"/>
+      </a:schemeClr>
+    </dgm:fillClrLst>
+    <dgm:linClrLst meth="repeat">
+      <a:schemeClr val="accent1"/>
+    </dgm:linClrLst>
+    <dgm:effectClrLst/>
+    <dgm:txLinClrLst/>
+    <dgm:txFillClrLst meth="repeat">
+      <a:schemeClr val="dk1"/>
+    </dgm:txFillClrLst>
+    <dgm:txEffectClrLst/>
+  </dgm:styleLbl>
+  <dgm:styleLbl name="fgAcc4">
+    <dgm:fillClrLst meth="repeat">
+      <a:schemeClr val="lt1">
+        <a:alpha val="90000"/>
+      </a:schemeClr>
+    </dgm:fillClrLst>
+    <dgm:linClrLst meth="repeat">
+      <a:schemeClr val="accent1"/>
+    </dgm:linClrLst>
+    <dgm:effectClrLst/>
+    <dgm:txLinClrLst/>
+    <dgm:txFillClrLst meth="repeat">
+      <a:schemeClr val="dk1"/>
+    </dgm:txFillClrLst>
+    <dgm:txEffectClrLst/>
+  </dgm:styleLbl>
+  <dgm:styleLbl name="bgShp">
+    <dgm:fillClrLst meth="repeat">
+      <a:schemeClr val="accent1">
+        <a:tint val="40000"/>
+      </a:schemeClr>
+    </dgm:fillClrLst>
+    <dgm:linClrLst meth="repeat">
+      <a:schemeClr val="accent1"/>
+    </dgm:linClrLst>
+    <dgm:effectClrLst/>
+    <dgm:txLinClrLst/>
+    <dgm:txFillClrLst meth="repeat">
+      <a:schemeClr val="dk1"/>
+    </dgm:txFillClrLst>
+    <dgm:txEffectClrLst/>
+  </dgm:styleLbl>
+  <dgm:styleLbl name="dkBgShp">
+    <dgm:fillClrLst meth="repeat">
+      <a:schemeClr val="accent1">
+        <a:shade val="80000"/>
+      </a:schemeClr>
+    </dgm:fillClrLst>
+    <dgm:linClrLst meth="repeat">
+      <a:schemeClr val="accent1"/>
+    </dgm:linClrLst>
+    <dgm:effectClrLst/>
+    <dgm:txLinClrLst/>
+    <dgm:txFillClrLst meth="repeat">
+      <a:schemeClr val="lt1"/>
+    </dgm:txFillClrLst>
+    <dgm:txEffectClrLst/>
+  </dgm:styleLbl>
+  <dgm:styleLbl name="trBgShp">
+    <dgm:fillClrLst meth="repeat">
+      <a:schemeClr val="accent1">
+        <a:tint val="50000"/>
+        <a:alpha val="40000"/>
+      </a:schemeClr>
+    </dgm:fillClrLst>
+    <dgm:linClrLst meth="repeat">
+      <a:schemeClr val="accent1"/>
+    </dgm:linClrLst>
+    <dgm:effectClrLst/>
+    <dgm:txLinClrLst/>
+    <dgm:txFillClrLst meth="repeat">
+      <a:schemeClr val="lt1"/>
+    </dgm:txFillClrLst>
+    <dgm:txEffectClrLst/>
+  </dgm:styleLbl>
+  <dgm:styleLbl name="fgShp">
+    <dgm:fillClrLst meth="repeat">
+      <a:schemeClr val="accent1">
+        <a:tint val="60000"/>
+      </a:schemeClr>
+    </dgm:fillClrLst>
+    <dgm:linClrLst meth="repeat">
+      <a:schemeClr val="lt1"/>
+    </dgm:linClrLst>
+    <dgm:effectClrLst/>
+    <dgm:txLinClrLst/>
+    <dgm:txFillClrLst meth="repeat">
+      <a:schemeClr val="dk1"/>
+    </dgm:txFillClrLst>
+    <dgm:txEffectClrLst/>
+  </dgm:styleLbl>
+  <dgm:styleLbl name="revTx">
+    <dgm:fillClrLst meth="repeat">
+      <a:schemeClr val="lt1">
+        <a:alpha val="0"/>
+      </a:schemeClr>
+    </dgm:fillClrLst>
+    <dgm:linClrLst meth="repeat">
+      <a:schemeClr val="dk1">
+        <a:alpha val="0"/>
+      </a:schemeClr>
+    </dgm:linClrLst>
+    <dgm:effectClrLst/>
+    <dgm:txLinClrLst/>
+    <dgm:txFillClrLst meth="repeat">
+      <a:schemeClr val="tx1"/>
+    </dgm:txFillClrLst>
+    <dgm:txEffectClrLst/>
+  </dgm:styleLbl>
+</dgm:colorsDef>
+</file>
+
+<file path=ppt/diagrams/colors2.xml><?xml version="1.0" encoding="utf-8"?>
+<dgm:colorsDef xmlns:dgm="http://schemas.openxmlformats.org/drawingml/2006/diagram" xmlns:a="http://schemas.openxmlformats.org/drawingml/2006/main" uniqueId="urn:microsoft.com/office/officeart/2005/8/colors/accent1_2">
+  <dgm:title val=""/>
+  <dgm:desc val=""/>
+  <dgm:catLst>
+    <dgm:cat type="accent1" pri="11200"/>
+  </dgm:catLst>
+  <dgm:styleLbl name="node0">
+    <dgm:fillClrLst meth="repeat">
+      <a:schemeClr val="accent1"/>
+    </dgm:fillClrLst>
+    <dgm:linClrLst meth="repeat">
+      <a:schemeClr val="lt1"/>
+    </dgm:linClrLst>
+    <dgm:effectClrLst/>
+    <dgm:txLinClrLst/>
+    <dgm:txFillClrLst/>
+    <dgm:txEffectClrLst/>
+  </dgm:styleLbl>
+  <dgm:styleLbl name="alignNode1">
+    <dgm:fillClrLst meth="repeat">
+      <a:schemeClr val="accent1"/>
+    </dgm:fillClrLst>
+    <dgm:linClrLst meth="repeat">
+      <a:schemeClr val="accent1"/>
+    </dgm:linClrLst>
+    <dgm:effectClrLst/>
+    <dgm:txLinClrLst/>
+    <dgm:txFillClrLst/>
+    <dgm:txEffectClrLst/>
+  </dgm:styleLbl>
+  <dgm:styleLbl name="node1">
+    <dgm:fillClrLst meth="repeat">
+      <a:schemeClr val="accent1"/>
+    </dgm:fillClrLst>
+    <dgm:linClrLst meth="repeat">
+      <a:schemeClr val="lt1"/>
+    </dgm:linClrLst>
+    <dgm:effectClrLst/>
+    <dgm:txLinClrLst/>
+    <dgm:txFillClrLst/>
+    <dgm:txEffectClrLst/>
+  </dgm:styleLbl>
+  <dgm:styleLbl name="lnNode1">
+    <dgm:fillClrLst meth="repeat">
+      <a:schemeClr val="accent1"/>
+    </dgm:fillClrLst>
+    <dgm:linClrLst meth="repeat">
+      <a:schemeClr val="lt1"/>
+    </dgm:linClrLst>
+    <dgm:effectClrLst/>
+    <dgm:txLinClrLst/>
+    <dgm:txFillClrLst/>
+    <dgm:txEffectClrLst/>
+  </dgm:styleLbl>
+  <dgm:styleLbl name="vennNode1">
+    <dgm:fillClrLst meth="repeat">
+      <a:schemeClr val="accent1">
+        <a:alpha val="50000"/>
+      </a:schemeClr>
+    </dgm:fillClrLst>
+    <dgm:linClrLst meth="repeat">
+      <a:schemeClr val="lt1"/>
+    </dgm:linClrLst>
+    <dgm:effectClrLst/>
+    <dgm:txLinClrLst/>
+    <dgm:txFillClrLst/>
+    <dgm:txEffectClrLst/>
+  </dgm:styleLbl>
+  <dgm:styleLbl name="node2">
+    <dgm:fillClrLst meth="repeat">
+      <a:schemeClr val="accent1"/>
+    </dgm:fillClrLst>
+    <dgm:linClrLst meth="repeat">
+      <a:schemeClr val="lt1"/>
+    </dgm:linClrLst>
+    <dgm:effectClrLst/>
+    <dgm:txLinClrLst/>
+    <dgm:txFillClrLst/>
+    <dgm:txEffectClrLst/>
+  </dgm:styleLbl>
+  <dgm:styleLbl name="node3">
+    <dgm:fillClrLst meth="repeat">
+      <a:schemeClr val="accent1"/>
+    </dgm:fillClrLst>
+    <dgm:linClrLst meth="repeat">
+      <a:schemeClr val="lt1"/>
+    </dgm:linClrLst>
+    <dgm:effectClrLst/>
+    <dgm:txLinClrLst/>
+    <dgm:txFillClrLst/>
+    <dgm:txEffectClrLst/>
+  </dgm:styleLbl>
+  <dgm:styleLbl name="node4">
+    <dgm:fillClrLst meth="repeat">
+      <a:schemeClr val="accent1"/>
+    </dgm:fillClrLst>
+    <dgm:linClrLst meth="repeat">
+      <a:schemeClr val="lt1"/>
+    </dgm:linClrLst>
+    <dgm:effectClrLst/>
+    <dgm:txLinClrLst/>
+    <dgm:txFillClrLst/>
+    <dgm:txEffectClrLst/>
+  </dgm:styleLbl>
+  <dgm:styleLbl name="fgImgPlace1">
+    <dgm:fillClrLst meth="repeat">
+      <a:schemeClr val="accent1">
+        <a:tint val="50000"/>
+      </a:schemeClr>
+    </dgm:fillClrLst>
+    <dgm:linClrLst meth="repeat">
+      <a:schemeClr val="lt1"/>
+    </dgm:linClrLst>
+    <dgm:effectClrLst/>
+    <dgm:txLinClrLst/>
+    <dgm:txFillClrLst meth="repeat">
+      <a:schemeClr val="lt1"/>
+    </dgm:txFillClrLst>
+    <dgm:txEffectClrLst/>
+  </dgm:styleLbl>
+  <dgm:styleLbl name="alignImgPlace1">
+    <dgm:fillClrLst meth="repeat">
+      <a:schemeClr val="accent1">
+        <a:tint val="50000"/>
+      </a:schemeClr>
+    </dgm:fillClrLst>
+    <dgm:linClrLst meth="repeat">
+      <a:schemeClr val="lt1"/>
+    </dgm:linClrLst>
+    <dgm:effectClrLst/>
+    <dgm:txLinClrLst/>
+    <dgm:txFillClrLst meth="repeat">
+      <a:schemeClr val="lt1"/>
+    </dgm:txFillClrLst>
+    <dgm:txEffectClrLst/>
+  </dgm:styleLbl>
+  <dgm:styleLbl name="bgImgPlace1">
+    <dgm:fillClrLst meth="repeat">
+      <a:schemeClr val="accent1">
+        <a:tint val="50000"/>
+      </a:schemeClr>
+    </dgm:fillClrLst>
+    <dgm:linClrLst meth="repeat">
+      <a:schemeClr val="lt1"/>
+    </dgm:linClrLst>
+    <dgm:effectClrLst/>
+    <dgm:txLinClrLst/>
+    <dgm:txFillClrLst meth="repeat">
+      <a:schemeClr val="lt1"/>
+    </dgm:txFillClrLst>
+    <dgm:txEffectClrLst/>
+  </dgm:styleLbl>
+  <dgm:styleLbl name="sibTrans2D1">
+    <dgm:fillClrLst meth="repeat">
+      <a:schemeClr val="accent1">
+        <a:tint val="60000"/>
+      </a:schemeClr>
+    </dgm:fillClrLst>
+    <dgm:linClrLst meth="repeat">
+      <a:schemeClr val="accent1">
+        <a:tint val="60000"/>
+      </a:schemeClr>
+    </dgm:linClrLst>
+    <dgm:effectClrLst/>
+    <dgm:txLinClrLst/>
+    <dgm:txFillClrLst/>
+    <dgm:txEffectClrLst/>
+  </dgm:styleLbl>
+  <dgm:styleLbl name="fgSibTrans2D1">
+    <dgm:fillClrLst meth="repeat">
+      <a:schemeClr val="accent1">
+        <a:tint val="60000"/>
+      </a:schemeClr>
+    </dgm:fillClrLst>
+    <dgm:linClrLst meth="repeat">
+      <a:schemeClr val="accent1">
+        <a:tint val="60000"/>
+      </a:schemeClr>
+    </dgm:linClrLst>
+    <dgm:effectClrLst/>
+    <dgm:txLinClrLst/>
+    <dgm:txFillClrLst/>
+    <dgm:txEffectClrLst/>
+  </dgm:styleLbl>
+  <dgm:styleLbl name="bgSibTrans2D1">
+    <dgm:fillClrLst meth="repeat">
+      <a:schemeClr val="accent1">
+        <a:tint val="60000"/>
+      </a:schemeClr>
+    </dgm:fillClrLst>
+    <dgm:linClrLst meth="repeat">
+      <a:schemeClr val="accent1">
+        <a:tint val="60000"/>
+      </a:schemeClr>
+    </dgm:linClrLst>
+    <dgm:effectClrLst/>
+    <dgm:txLinClrLst/>
+    <dgm:txFillClrLst/>
+    <dgm:txEffectClrLst/>
+  </dgm:styleLbl>
+  <dgm:styleLbl name="sibTrans1D1">
+    <dgm:fillClrLst meth="repeat">
+      <a:schemeClr val="accent1"/>
+    </dgm:fillClrLst>
+    <dgm:linClrLst meth="repeat">
+      <a:schemeClr val="accent1"/>
+    </dgm:linClrLst>
+    <dgm:effectClrLst/>
+    <dgm:txLinClrLst/>
+    <dgm:txFillClrLst meth="repeat">
+      <a:schemeClr val="tx1"/>
+    </dgm:txFillClrLst>
+    <dgm:txEffectClrLst/>
+  </dgm:styleLbl>
+  <dgm:styleLbl name="callout">
+    <dgm:fillClrLst meth="repeat">
+      <a:schemeClr val="accent1"/>
+    </dgm:fillClrLst>
+    <dgm:linClrLst meth="repeat">
+      <a:schemeClr val="accent1">
+        <a:tint val="50000"/>
+      </a:schemeClr>
+    </dgm:linClrLst>
+    <dgm:effectClrLst/>
+    <dgm:txLinClrLst/>
+    <dgm:txFillClrLst meth="repeat">
+      <a:schemeClr val="tx1"/>
+    </dgm:txFillClrLst>
+    <dgm:txEffectClrLst/>
+  </dgm:styleLbl>
+  <dgm:styleLbl name="asst0">
+    <dgm:fillClrLst meth="repeat">
+      <a:schemeClr val="accent1"/>
+    </dgm:fillClrLst>
+    <dgm:linClrLst meth="repeat">
+      <a:schemeClr val="lt1"/>
+    </dgm:linClrLst>
+    <dgm:effectClrLst/>
+    <dgm:txLinClrLst/>
+    <dgm:txFillClrLst/>
+    <dgm:txEffectClrLst/>
+  </dgm:styleLbl>
+  <dgm:styleLbl name="asst1">
+    <dgm:fillClrLst meth="repeat">
+      <a:schemeClr val="accent1"/>
+    </dgm:fillClrLst>
+    <dgm:linClrLst meth="repeat">
+      <a:schemeClr val="lt1"/>
+    </dgm:linClrLst>
+    <dgm:effectClrLst/>
+    <dgm:txLinClrLst/>
+    <dgm:txFillClrLst/>
+    <dgm:txEffectClrLst/>
+  </dgm:styleLbl>
+  <dgm:styleLbl name="asst2">
+    <dgm:fillClrLst meth="repeat">
+      <a:schemeClr val="accent1"/>
+    </dgm:fillClrLst>
+    <dgm:linClrLst meth="repeat">
+      <a:schemeClr val="lt1"/>
+    </dgm:linClrLst>
+    <dgm:effectClrLst/>
+    <dgm:txLinClrLst/>
+    <dgm:txFillClrLst/>
+    <dgm:txEffectClrLst/>
+  </dgm:styleLbl>
+  <dgm:styleLbl name="asst3">
+    <dgm:fillClrLst meth="repeat">
+      <a:schemeClr val="accent1"/>
+    </dgm:fillClrLst>
+    <dgm:linClrLst meth="repeat">
+      <a:schemeClr val="lt1"/>
+    </dgm:linClrLst>
+    <dgm:effectClrLst/>
+    <dgm:txLinClrLst/>
+    <dgm:txFillClrLst/>
+    <dgm:txEffectClrLst/>
+  </dgm:styleLbl>
+  <dgm:styleLbl name="asst4">
+    <dgm:fillClrLst meth="repeat">
+      <a:schemeClr val="accent1"/>
+    </dgm:fillClrLst>
+    <dgm:linClrLst meth="repeat">
+      <a:schemeClr val="lt1"/>
+    </dgm:linClrLst>
+    <dgm:effectClrLst/>
+    <dgm:txLinClrLst/>
+    <dgm:txFillClrLst/>
+    <dgm:txEffectClrLst/>
+  </dgm:styleLbl>
+  <dgm:styleLbl name="parChTrans2D1">
+    <dgm:fillClrLst meth="repeat">
+      <a:schemeClr val="accent1">
+        <a:tint val="60000"/>
+      </a:schemeClr>
+    </dgm:fillClrLst>
+    <dgm:linClrLst meth="repeat">
+      <a:schemeClr val="accent1">
+        <a:tint val="60000"/>
+      </a:schemeClr>
+    </dgm:linClrLst>
+    <dgm:effectClrLst/>
+    <dgm:txLinClrLst/>
+    <dgm:txFillClrLst meth="repeat">
+      <a:schemeClr val="lt1"/>
+    </dgm:txFillClrLst>
+    <dgm:txEffectClrLst/>
+  </dgm:styleLbl>
+  <dgm:styleLbl name="parChTrans2D2">
+    <dgm:fillClrLst meth="repeat">
+      <a:schemeClr val="accent1"/>
+    </dgm:fillClrLst>
+    <dgm:linClrLst meth="repeat">
+      <a:schemeClr val="accent1"/>
+    </dgm:linClrLst>
+    <dgm:effectClrLst/>
+    <dgm:txLinClrLst/>
+    <dgm:txFillClrLst meth="repeat">
+      <a:schemeClr val="lt1"/>
+    </dgm:txFillClrLst>
+    <dgm:txEffectClrLst/>
+  </dgm:styleLbl>
+  <dgm:styleLbl name="parChTrans2D3">
+    <dgm:fillClrLst meth="repeat">
+      <a:schemeClr val="accent1"/>
+    </dgm:fillClrLst>
+    <dgm:linClrLst meth="repeat">
+      <a:schemeClr val="accent1"/>
+    </dgm:linClrLst>
+    <dgm:effectClrLst/>
+    <dgm:txLinClrLst/>
+    <dgm:txFillClrLst meth="repeat">
+      <a:schemeClr val="lt1"/>
+    </dgm:txFillClrLst>
+    <dgm:txEffectClrLst/>
+  </dgm:styleLbl>
+  <dgm:styleLbl name="parChTrans2D4">
+    <dgm:fillClrLst meth="repeat">
+      <a:schemeClr val="accent1"/>
+    </dgm:fillClrLst>
+    <dgm:linClrLst meth="repeat">
+      <a:schemeClr val="accent1"/>
+    </dgm:linClrLst>
+    <dgm:effectClrLst/>
+    <dgm:txLinClrLst/>
+    <dgm:txFillClrLst meth="repeat">
+      <a:schemeClr val="lt1"/>
+    </dgm:txFillClrLst>
+    <dgm:txEffectClrLst/>
+  </dgm:styleLbl>
+  <dgm:styleLbl name="parChTrans1D1">
+    <dgm:fillClrLst meth="repeat">
+      <a:schemeClr val="accent1"/>
+    </dgm:fillClrLst>
+    <dgm:linClrLst meth="repeat">
+      <a:schemeClr val="accent1">
+        <a:shade val="60000"/>
+      </a:schemeClr>
+    </dgm:linClrLst>
+    <dgm:effectClrLst/>
+    <dgm:txLinClrLst/>
+    <dgm:txFillClrLst meth="repeat">
+      <a:schemeClr val="tx1"/>
+    </dgm:txFillClrLst>
+    <dgm:txEffectClrLst/>
+  </dgm:styleLbl>
+  <dgm:styleLbl name="parChTrans1D2">
+    <dgm:fillClrLst meth="repeat">
+      <a:schemeClr val="accent1"/>
+    </dgm:fillClrLst>
+    <dgm:linClrLst meth="repeat">
+      <a:schemeClr val="accent1">
+        <a:shade val="60000"/>
+      </a:schemeClr>
+    </dgm:linClrLst>
+    <dgm:effectClrLst/>
+    <dgm:txLinClrLst/>
+    <dgm:txFillClrLst meth="repeat">
+      <a:schemeClr val="tx1"/>
+    </dgm:txFillClrLst>
+    <dgm:txEffectClrLst/>
+  </dgm:styleLbl>
+  <dgm:styleLbl name="parChTrans1D3">
+    <dgm:fillClrLst meth="repeat">
+      <a:schemeClr val="accent1"/>
+    </dgm:fillClrLst>
+    <dgm:linClrLst meth="repeat">
+      <a:schemeClr val="accent1">
+        <a:shade val="80000"/>
+      </a:schemeClr>
+    </dgm:linClrLst>
+    <dgm:effectClrLst/>
+    <dgm:txLinClrLst/>
+    <dgm:txFillClrLst meth="repeat">
+      <a:schemeClr val="tx1"/>
+    </dgm:txFillClrLst>
+    <dgm:txEffectClrLst/>
+  </dgm:styleLbl>
+  <dgm:styleLbl name="parChTrans1D4">
+    <dgm:fillClrLst meth="repeat">
+      <a:schemeClr val="accent1"/>
+    </dgm:fillClrLst>
+    <dgm:linClrLst meth="repeat">
+      <a:schemeClr val="accent1">
+        <a:shade val="80000"/>
+      </a:schemeClr>
+    </dgm:linClrLst>
+    <dgm:effectClrLst/>
+    <dgm:txLinClrLst/>
+    <dgm:txFillClrLst meth="repeat">
+      <a:schemeClr val="tx1"/>
+    </dgm:txFillClrLst>
+    <dgm:txEffectClrLst/>
+  </dgm:styleLbl>
+  <dgm:styleLbl name="fgAcc1">
+    <dgm:fillClrLst meth="repeat">
+      <a:schemeClr val="lt1">
+        <a:alpha val="90000"/>
+      </a:schemeClr>
+    </dgm:fillClrLst>
+    <dgm:linClrLst meth="repeat">
+      <a:schemeClr val="accent1"/>
+    </dgm:linClrLst>
+    <dgm:effectClrLst/>
+    <dgm:txLinClrLst/>
+    <dgm:txFillClrLst meth="repeat">
+      <a:schemeClr val="dk1"/>
+    </dgm:txFillClrLst>
+    <dgm:txEffectClrLst/>
+  </dgm:styleLbl>
+  <dgm:styleLbl name="conFgAcc1">
+    <dgm:fillClrLst meth="repeat">
+      <a:schemeClr val="lt1">
+        <a:alpha val="90000"/>
+      </a:schemeClr>
+    </dgm:fillClrLst>
+    <dgm:linClrLst meth="repeat">
+      <a:schemeClr val="accent1"/>
+    </dgm:linClrLst>
+    <dgm:effectClrLst/>
+    <dgm:txLinClrLst/>
+    <dgm:txFillClrLst meth="repeat">
+      <a:schemeClr val="dk1"/>
+    </dgm:txFillClrLst>
+    <dgm:txEffectClrLst/>
+  </dgm:styleLbl>
+  <dgm:styleLbl name="alignAcc1">
+    <dgm:fillClrLst meth="repeat">
+      <a:schemeClr val="lt1">
+        <a:alpha val="90000"/>
+      </a:schemeClr>
+    </dgm:fillClrLst>
+    <dgm:linClrLst meth="repeat">
+      <a:schemeClr val="accent1"/>
+    </dgm:linClrLst>
+    <dgm:effectClrLst/>
+    <dgm:txLinClrLst/>
+    <dgm:txFillClrLst meth="repeat">
+      <a:schemeClr val="dk1"/>
+    </dgm:txFillClrLst>
+    <dgm:txEffectClrLst/>
+  </dgm:styleLbl>
+  <dgm:styleLbl name="trAlignAcc1">
+    <dgm:fillClrLst meth="repeat">
+      <a:schemeClr val="lt1">
+        <a:alpha val="40000"/>
+      </a:schemeClr>
+    </dgm:fillClrLst>
+    <dgm:linClrLst meth="repeat">
+      <a:schemeClr val="accent1"/>
+    </dgm:linClrLst>
+    <dgm:effectClrLst/>
+    <dgm:txLinClrLst/>
+    <dgm:txFillClrLst meth="repeat">
+      <a:schemeClr val="dk1"/>
+    </dgm:txFillClrLst>
+    <dgm:txEffectClrLst/>
+  </dgm:styleLbl>
+  <dgm:styleLbl name="bgAcc1">
+    <dgm:fillClrLst meth="repeat">
+      <a:schemeClr val="lt1">
+        <a:alpha val="90000"/>
+      </a:schemeClr>
+    </dgm:fillClrLst>
+    <dgm:linClrLst meth="repeat">
+      <a:schemeClr val="accent1"/>
+    </dgm:linClrLst>
+    <dgm:effectClrLst/>
+    <dgm:txLinClrLst/>
+    <dgm:txFillClrLst meth="repeat">
+      <a:schemeClr val="dk1"/>
+    </dgm:txFillClrLst>
+    <dgm:txEffectClrLst/>
+  </dgm:styleLbl>
+  <dgm:styleLbl name="solidFgAcc1">
+    <dgm:fillClrLst meth="repeat">
+      <a:schemeClr val="lt1"/>
+    </dgm:fillClrLst>
+    <dgm:linClrLst meth="repeat">
+      <a:schemeClr val="accent1"/>
+    </dgm:linClrLst>
+    <dgm:effectClrLst/>
+    <dgm:txLinClrLst/>
+    <dgm:txFillClrLst meth="repeat">
+      <a:schemeClr val="dk1"/>
+    </dgm:txFillClrLst>
+    <dgm:txEffectClrLst/>
+  </dgm:styleLbl>
+  <dgm:styleLbl name="solidAlignAcc1">
+    <dgm:fillClrLst meth="repeat">
+      <a:schemeClr val="lt1"/>
+    </dgm:fillClrLst>
+    <dgm:linClrLst meth="repeat">
+      <a:schemeClr val="accent1"/>
+    </dgm:linClrLst>
+    <dgm:effectClrLst/>
+    <dgm:txLinClrLst/>
+    <dgm:txFillClrLst meth="repeat">
+      <a:schemeClr val="dk1"/>
+    </dgm:txFillClrLst>
+    <dgm:txEffectClrLst/>
+  </dgm:styleLbl>
+  <dgm:styleLbl name="solidBgAcc1">
+    <dgm:fillClrLst meth="repeat">
+      <a:schemeClr val="lt1"/>
+    </dgm:fillClrLst>
+    <dgm:linClrLst meth="repeat">
+      <a:schemeClr val="accent1"/>
+    </dgm:linClrLst>
+    <dgm:effectClrLst/>
+    <dgm:txLinClrLst/>
+    <dgm:txFillClrLst meth="repeat">
+      <a:schemeClr val="dk1"/>
+    </dgm:txFillClrLst>
+    <dgm:txEffectClrLst/>
+  </dgm:styleLbl>
+  <dgm:styleLbl name="fgAccFollowNode1">
+    <dgm:fillClrLst meth="repeat">
+      <a:schemeClr val="accent1">
+        <a:alpha val="90000"/>
+        <a:tint val="40000"/>
+      </a:schemeClr>
+    </dgm:fillClrLst>
+    <dgm:linClrLst meth="repeat">
+      <a:schemeClr val="accent1">
+        <a:alpha val="90000"/>
+        <a:tint val="40000"/>
+      </a:schemeClr>
+    </dgm:linClrLst>
+    <dgm:effectClrLst/>
+    <dgm:txLinClrLst/>
+    <dgm:txFillClrLst meth="repeat">
+      <a:schemeClr val="dk1"/>
+    </dgm:txFillClrLst>
+    <dgm:txEffectClrLst/>
+  </dgm:styleLbl>
+  <dgm:styleLbl name="alignAccFollowNode1">
+    <dgm:fillClrLst meth="repeat">
+      <a:schemeClr val="accent1">
+        <a:alpha val="90000"/>
+        <a:tint val="40000"/>
+      </a:schemeClr>
+    </dgm:fillClrLst>
+    <dgm:linClrLst meth="repeat">
+      <a:schemeClr val="accent1">
+        <a:alpha val="90000"/>
+        <a:tint val="40000"/>
+      </a:schemeClr>
+    </dgm:linClrLst>
+    <dgm:effectClrLst/>
+    <dgm:txLinClrLst/>
+    <dgm:txFillClrLst meth="repeat">
+      <a:schemeClr val="dk1"/>
+    </dgm:txFillClrLst>
+    <dgm:txEffectClrLst/>
+  </dgm:styleLbl>
+  <dgm:styleLbl name="bgAccFollowNode1">
+    <dgm:fillClrLst meth="repeat">
+      <a:schemeClr val="accent1">
+        <a:alpha val="90000"/>
+        <a:tint val="40000"/>
+      </a:schemeClr>
+    </dgm:fillClrLst>
+    <dgm:linClrLst meth="repeat">
+      <a:schemeClr val="accent1">
+        <a:alpha val="90000"/>
+        <a:tint val="40000"/>
+      </a:schemeClr>
+    </dgm:linClrLst>
+    <dgm:effectClrLst/>
+    <dgm:txLinClrLst/>
+    <dgm:txFillClrLst meth="repeat">
+      <a:schemeClr val="dk1"/>
+    </dgm:txFillClrLst>
+    <dgm:txEffectClrLst/>
+  </dgm:styleLbl>
+  <dgm:styleLbl name="fgAcc0">
+    <dgm:fillClrLst meth="repeat">
+      <a:schemeClr val="lt1">
+        <a:alpha val="90000"/>
+      </a:schemeClr>
+    </dgm:fillClrLst>
+    <dgm:linClrLst meth="repeat">
+      <a:schemeClr val="accent1"/>
+    </dgm:linClrLst>
+    <dgm:effectClrLst/>
+    <dgm:txLinClrLst/>
+    <dgm:txFillClrLst meth="repeat">
+      <a:schemeClr val="dk1"/>
+    </dgm:txFillClrLst>
+    <dgm:txEffectClrLst/>
+  </dgm:styleLbl>
+  <dgm:styleLbl name="fgAcc2">
+    <dgm:fillClrLst meth="repeat">
+      <a:schemeClr val="lt1">
+        <a:alpha val="90000"/>
+      </a:schemeClr>
+    </dgm:fillClrLst>
+    <dgm:linClrLst meth="repeat">
+      <a:schemeClr val="accent1"/>
+    </dgm:linClrLst>
+    <dgm:effectClrLst/>
+    <dgm:txLinClrLst/>
+    <dgm:txFillClrLst meth="repeat">
+      <a:schemeClr val="dk1"/>
+    </dgm:txFillClrLst>
+    <dgm:txEffectClrLst/>
+  </dgm:styleLbl>
+  <dgm:styleLbl name="fgAcc3">
+    <dgm:fillClrLst meth="repeat">
+      <a:schemeClr val="lt1">
+        <a:alpha val="90000"/>
+      </a:schemeClr>
+    </dgm:fillClrLst>
+    <dgm:linClrLst meth="repeat">
+      <a:schemeClr val="accent1"/>
+    </dgm:linClrLst>
+    <dgm:effectClrLst/>
+    <dgm:txLinClrLst/>
+    <dgm:txFillClrLst meth="repeat">
+      <a:schemeClr val="dk1"/>
+    </dgm:txFillClrLst>
+    <dgm:txEffectClrLst/>
+  </dgm:styleLbl>
+  <dgm:styleLbl name="fgAcc4">
+    <dgm:fillClrLst meth="repeat">
+      <a:schemeClr val="lt1">
+        <a:alpha val="90000"/>
+      </a:schemeClr>
+    </dgm:fillClrLst>
+    <dgm:linClrLst meth="repeat">
+      <a:schemeClr val="accent1"/>
+    </dgm:linClrLst>
+    <dgm:effectClrLst/>
+    <dgm:txLinClrLst/>
+    <dgm:txFillClrLst meth="repeat">
+      <a:schemeClr val="dk1"/>
+    </dgm:txFillClrLst>
+    <dgm:txEffectClrLst/>
+  </dgm:styleLbl>
+  <dgm:styleLbl name="bgShp">
+    <dgm:fillClrLst meth="repeat">
+      <a:schemeClr val="accent1">
+        <a:tint val="40000"/>
+      </a:schemeClr>
+    </dgm:fillClrLst>
+    <dgm:linClrLst meth="repeat">
+      <a:schemeClr val="accent1"/>
+    </dgm:linClrLst>
+    <dgm:effectClrLst/>
+    <dgm:txLinClrLst/>
+    <dgm:txFillClrLst meth="repeat">
+      <a:schemeClr val="dk1"/>
+    </dgm:txFillClrLst>
+    <dgm:txEffectClrLst/>
+  </dgm:styleLbl>
+  <dgm:styleLbl name="dkBgShp">
+    <dgm:fillClrLst meth="repeat">
+      <a:schemeClr val="accent1">
+        <a:shade val="80000"/>
+      </a:schemeClr>
+    </dgm:fillClrLst>
+    <dgm:linClrLst meth="repeat">
+      <a:schemeClr val="accent1"/>
+    </dgm:linClrLst>
+    <dgm:effectClrLst/>
+    <dgm:txLinClrLst/>
+    <dgm:txFillClrLst meth="repeat">
+      <a:schemeClr val="lt1"/>
+    </dgm:txFillClrLst>
+    <dgm:txEffectClrLst/>
+  </dgm:styleLbl>
+  <dgm:styleLbl name="trBgShp">
+    <dgm:fillClrLst meth="repeat">
+      <a:schemeClr val="accent1">
+        <a:tint val="50000"/>
+        <a:alpha val="40000"/>
+      </a:schemeClr>
+    </dgm:fillClrLst>
+    <dgm:linClrLst meth="repeat">
+      <a:schemeClr val="accent1"/>
+    </dgm:linClrLst>
+    <dgm:effectClrLst/>
+    <dgm:txLinClrLst/>
+    <dgm:txFillClrLst meth="repeat">
+      <a:schemeClr val="lt1"/>
+    </dgm:txFillClrLst>
+    <dgm:txEffectClrLst/>
+  </dgm:styleLbl>
+  <dgm:styleLbl name="fgShp">
+    <dgm:fillClrLst meth="repeat">
+      <a:schemeClr val="accent1">
+        <a:tint val="60000"/>
+      </a:schemeClr>
+    </dgm:fillClrLst>
+    <dgm:linClrLst meth="repeat">
+      <a:schemeClr val="lt1"/>
+    </dgm:linClrLst>
+    <dgm:effectClrLst/>
+    <dgm:txLinClrLst/>
+    <dgm:txFillClrLst meth="repeat">
+      <a:schemeClr val="dk1"/>
+    </dgm:txFillClrLst>
+    <dgm:txEffectClrLst/>
+  </dgm:styleLbl>
+  <dgm:styleLbl name="revTx">
+    <dgm:fillClrLst meth="repeat">
+      <a:schemeClr val="lt1">
+        <a:alpha val="0"/>
+      </a:schemeClr>
+    </dgm:fillClrLst>
+    <dgm:linClrLst meth="repeat">
+      <a:schemeClr val="dk1">
+        <a:alpha val="0"/>
+      </a:schemeClr>
+    </dgm:linClrLst>
+    <dgm:effectClrLst/>
+    <dgm:txLinClrLst/>
+    <dgm:txFillClrLst meth="repeat">
+      <a:schemeClr val="tx1"/>
+    </dgm:txFillClrLst>
+    <dgm:txEffectClrLst/>
+  </dgm:styleLbl>
+</dgm:colorsDef>
+</file>
+
+<file path=ppt/diagrams/colors3.xml><?xml version="1.0" encoding="utf-8"?>
 <dgm:colorsDef xmlns:dgm="http://schemas.openxmlformats.org/drawingml/2006/diagram" xmlns:a="http://schemas.openxmlformats.org/drawingml/2006/main" uniqueId="urn:microsoft.com/office/officeart/2005/8/colors/accent1_2">
   <dgm:title val=""/>
   <dgm:desc val=""/>
@@ -1056,6 +2557,13 @@
         </dgm:presLayoutVars>
       </dgm:prSet>
       <dgm:spPr/>
+      <dgm:t>
+        <a:bodyPr/>
+        <a:lstStyle/>
+        <a:p>
+          <a:endParaRPr lang="en-US"/>
+        </a:p>
+      </dgm:t>
     </dgm:pt>
     <dgm:pt modelId="{8DA493F4-C877-5946-915E-D90EEF5E01FC}" type="pres">
       <dgm:prSet presAssocID="{AE0319DC-AB61-434C-B1BF-F0577449B34B}" presName="node" presStyleLbl="node1" presStyleIdx="0" presStyleCnt="3" custScaleX="614982" custScaleY="1542004" custLinFactX="23795" custLinFactY="-1011574" custLinFactNeighborX="100000" custLinFactNeighborY="-1100000">
@@ -1075,10 +2583,24 @@
     <dgm:pt modelId="{F54E6447-8521-E941-8F7A-9743BF21EA3D}" type="pres">
       <dgm:prSet presAssocID="{C8CA7C3B-3679-724C-9F0E-F4E7911F3C25}" presName="sibTrans" presStyleLbl="sibTrans2D1" presStyleIdx="0" presStyleCnt="2" custAng="106997" custScaleY="507848" custLinFactNeighborX="-23982" custLinFactNeighborY="-2905"/>
       <dgm:spPr/>
+      <dgm:t>
+        <a:bodyPr/>
+        <a:lstStyle/>
+        <a:p>
+          <a:endParaRPr lang="en-US"/>
+        </a:p>
+      </dgm:t>
     </dgm:pt>
     <dgm:pt modelId="{70B7AD2B-B06C-554A-9456-1E76ABD3B2C8}" type="pres">
       <dgm:prSet presAssocID="{C8CA7C3B-3679-724C-9F0E-F4E7911F3C25}" presName="connectorText" presStyleLbl="sibTrans2D1" presStyleIdx="0" presStyleCnt="2"/>
       <dgm:spPr/>
+      <dgm:t>
+        <a:bodyPr/>
+        <a:lstStyle/>
+        <a:p>
+          <a:endParaRPr lang="en-US"/>
+        </a:p>
+      </dgm:t>
     </dgm:pt>
     <dgm:pt modelId="{AEAF7DE6-8EEC-CE48-8E94-8AE1EBBB2AED}" type="pres">
       <dgm:prSet presAssocID="{C2802123-B7F5-C747-AE7A-8970728C09BD}" presName="node" presStyleLbl="node1" presStyleIdx="1" presStyleCnt="3" custScaleX="1749023" custScaleY="2000000" custLinFactX="289661" custLinFactY="-701166" custLinFactNeighborX="300000" custLinFactNeighborY="-800000">
@@ -1098,10 +2620,24 @@
     <dgm:pt modelId="{EB4B7F01-2ECD-5F4B-8FA7-E5A322597B0C}" type="pres">
       <dgm:prSet presAssocID="{F39D29D5-BFA1-CD49-AB37-5CBA7BC6B96B}" presName="sibTrans" presStyleLbl="sibTrans2D1" presStyleIdx="1" presStyleCnt="2" custAng="356189" custScaleY="774679" custLinFactNeighborX="15359" custLinFactNeighborY="29909"/>
       <dgm:spPr/>
+      <dgm:t>
+        <a:bodyPr/>
+        <a:lstStyle/>
+        <a:p>
+          <a:endParaRPr lang="en-US"/>
+        </a:p>
+      </dgm:t>
     </dgm:pt>
     <dgm:pt modelId="{958EC272-8228-464C-BE8C-2BE08EF8020C}" type="pres">
       <dgm:prSet presAssocID="{F39D29D5-BFA1-CD49-AB37-5CBA7BC6B96B}" presName="connectorText" presStyleLbl="sibTrans2D1" presStyleIdx="1" presStyleCnt="2"/>
       <dgm:spPr/>
+      <dgm:t>
+        <a:bodyPr/>
+        <a:lstStyle/>
+        <a:p>
+          <a:endParaRPr lang="en-US"/>
+        </a:p>
+      </dgm:t>
     </dgm:pt>
     <dgm:pt modelId="{05C41FFD-E163-1C4B-AE55-F0E05AF0A7C5}" type="pres">
       <dgm:prSet presAssocID="{73644F15-1895-2949-A81E-D7B224703F80}" presName="node" presStyleLbl="node1" presStyleIdx="2" presStyleCnt="3" custAng="0" custScaleX="649524" custScaleY="938343" custLinFactX="-464103" custLinFactY="502412" custLinFactNeighborX="-500000" custLinFactNeighborY="600000">
@@ -1120,16 +2656,16 @@
     </dgm:pt>
   </dgm:ptLst>
   <dgm:cxnLst>
+    <dgm:cxn modelId="{E8690AFE-1054-D14D-81EE-49765E1CB5A2}" type="presOf" srcId="{F39D29D5-BFA1-CD49-AB37-5CBA7BC6B96B}" destId="{EB4B7F01-2ECD-5F4B-8FA7-E5A322597B0C}" srcOrd="0" destOrd="0" presId="urn:microsoft.com/office/officeart/2005/8/layout/process1"/>
+    <dgm:cxn modelId="{D196A674-658A-9F47-A041-665F1FA38AA7}" type="presOf" srcId="{AE0319DC-AB61-434C-B1BF-F0577449B34B}" destId="{8DA493F4-C877-5946-915E-D90EEF5E01FC}" srcOrd="0" destOrd="0" presId="urn:microsoft.com/office/officeart/2005/8/layout/process1"/>
+    <dgm:cxn modelId="{33CBD84B-679C-FC4A-8222-DCEF92FB14EB}" type="presOf" srcId="{73644F15-1895-2949-A81E-D7B224703F80}" destId="{05C41FFD-E163-1C4B-AE55-F0E05AF0A7C5}" srcOrd="0" destOrd="0" presId="urn:microsoft.com/office/officeart/2005/8/layout/process1"/>
+    <dgm:cxn modelId="{A53A28E3-7466-6D44-A843-14EB1ACFEBF7}" type="presOf" srcId="{C8CA7C3B-3679-724C-9F0E-F4E7911F3C25}" destId="{70B7AD2B-B06C-554A-9456-1E76ABD3B2C8}" srcOrd="1" destOrd="0" presId="urn:microsoft.com/office/officeart/2005/8/layout/process1"/>
     <dgm:cxn modelId="{80788453-C353-0A48-95FB-3D73F657E110}" srcId="{1FF03F6B-543E-FE49-9D41-726366A3D7A2}" destId="{AE0319DC-AB61-434C-B1BF-F0577449B34B}" srcOrd="0" destOrd="0" parTransId="{A06435F0-E0FB-B447-90BD-CB07A8F4CD11}" sibTransId="{C8CA7C3B-3679-724C-9F0E-F4E7911F3C25}"/>
-    <dgm:cxn modelId="{C7A5D5BD-0CA6-DB49-9F8C-C19EA5A1F50D}" type="presOf" srcId="{C8CA7C3B-3679-724C-9F0E-F4E7911F3C25}" destId="{F54E6447-8521-E941-8F7A-9743BF21EA3D}" srcOrd="0" destOrd="0" presId="urn:microsoft.com/office/officeart/2005/8/layout/process1"/>
     <dgm:cxn modelId="{2160D5E9-9C0A-4145-B047-076527341CB1}" srcId="{1FF03F6B-543E-FE49-9D41-726366A3D7A2}" destId="{C2802123-B7F5-C747-AE7A-8970728C09BD}" srcOrd="1" destOrd="0" parTransId="{0CD62025-0D16-574B-856E-8B63CBC5ADBD}" sibTransId="{F39D29D5-BFA1-CD49-AB37-5CBA7BC6B96B}"/>
     <dgm:cxn modelId="{1DED2FD8-0057-BE44-BD0D-50BE80B7634F}" type="presOf" srcId="{C2802123-B7F5-C747-AE7A-8970728C09BD}" destId="{AEAF7DE6-8EEC-CE48-8E94-8AE1EBBB2AED}" srcOrd="0" destOrd="0" presId="urn:microsoft.com/office/officeart/2005/8/layout/process1"/>
-    <dgm:cxn modelId="{A53A28E3-7466-6D44-A843-14EB1ACFEBF7}" type="presOf" srcId="{C8CA7C3B-3679-724C-9F0E-F4E7911F3C25}" destId="{70B7AD2B-B06C-554A-9456-1E76ABD3B2C8}" srcOrd="1" destOrd="0" presId="urn:microsoft.com/office/officeart/2005/8/layout/process1"/>
+    <dgm:cxn modelId="{6085C30B-C5E0-454D-8293-4CD47424CBFF}" type="presOf" srcId="{F39D29D5-BFA1-CD49-AB37-5CBA7BC6B96B}" destId="{958EC272-8228-464C-BE8C-2BE08EF8020C}" srcOrd="1" destOrd="0" presId="urn:microsoft.com/office/officeart/2005/8/layout/process1"/>
+    <dgm:cxn modelId="{C7A5D5BD-0CA6-DB49-9F8C-C19EA5A1F50D}" type="presOf" srcId="{C8CA7C3B-3679-724C-9F0E-F4E7911F3C25}" destId="{F54E6447-8521-E941-8F7A-9743BF21EA3D}" srcOrd="0" destOrd="0" presId="urn:microsoft.com/office/officeart/2005/8/layout/process1"/>
     <dgm:cxn modelId="{75A6BAFB-6785-4E4B-9C33-FB6C4AE1B8E1}" type="presOf" srcId="{1FF03F6B-543E-FE49-9D41-726366A3D7A2}" destId="{EBC03D42-662A-2E42-88EB-49760D969A96}" srcOrd="0" destOrd="0" presId="urn:microsoft.com/office/officeart/2005/8/layout/process1"/>
-    <dgm:cxn modelId="{6085C30B-C5E0-454D-8293-4CD47424CBFF}" type="presOf" srcId="{F39D29D5-BFA1-CD49-AB37-5CBA7BC6B96B}" destId="{958EC272-8228-464C-BE8C-2BE08EF8020C}" srcOrd="1" destOrd="0" presId="urn:microsoft.com/office/officeart/2005/8/layout/process1"/>
-    <dgm:cxn modelId="{D196A674-658A-9F47-A041-665F1FA38AA7}" type="presOf" srcId="{AE0319DC-AB61-434C-B1BF-F0577449B34B}" destId="{8DA493F4-C877-5946-915E-D90EEF5E01FC}" srcOrd="0" destOrd="0" presId="urn:microsoft.com/office/officeart/2005/8/layout/process1"/>
-    <dgm:cxn modelId="{33CBD84B-679C-FC4A-8222-DCEF92FB14EB}" type="presOf" srcId="{73644F15-1895-2949-A81E-D7B224703F80}" destId="{05C41FFD-E163-1C4B-AE55-F0E05AF0A7C5}" srcOrd="0" destOrd="0" presId="urn:microsoft.com/office/officeart/2005/8/layout/process1"/>
-    <dgm:cxn modelId="{E8690AFE-1054-D14D-81EE-49765E1CB5A2}" type="presOf" srcId="{F39D29D5-BFA1-CD49-AB37-5CBA7BC6B96B}" destId="{EB4B7F01-2ECD-5F4B-8FA7-E5A322597B0C}" srcOrd="0" destOrd="0" presId="urn:microsoft.com/office/officeart/2005/8/layout/process1"/>
     <dgm:cxn modelId="{9C2E169E-EDC8-3443-A267-81622FFBBA7A}" srcId="{1FF03F6B-543E-FE49-9D41-726366A3D7A2}" destId="{73644F15-1895-2949-A81E-D7B224703F80}" srcOrd="2" destOrd="0" parTransId="{E593708A-573A-234E-92C9-50691838CAE8}" sibTransId="{F21CF019-BF69-C441-A419-015FDE4C04A6}"/>
     <dgm:cxn modelId="{99BF0AFB-17D1-D84E-A270-5450C42C8F07}" type="presParOf" srcId="{EBC03D42-662A-2E42-88EB-49760D969A96}" destId="{8DA493F4-C877-5946-915E-D90EEF5E01FC}" srcOrd="0" destOrd="0" presId="urn:microsoft.com/office/officeart/2005/8/layout/process1"/>
     <dgm:cxn modelId="{AE6324C8-25B8-504B-AFFF-F8F7BD05D2C4}" type="presParOf" srcId="{EBC03D42-662A-2E42-88EB-49760D969A96}" destId="{F54E6447-8521-E941-8F7A-9743BF21EA3D}" srcOrd="1" destOrd="0" presId="urn:microsoft.com/office/officeart/2005/8/layout/process1"/>
@@ -1138,6 +2674,664 @@
     <dgm:cxn modelId="{7CF1F10A-EE10-4842-AD31-2CC82CF57EC8}" type="presParOf" srcId="{EBC03D42-662A-2E42-88EB-49760D969A96}" destId="{EB4B7F01-2ECD-5F4B-8FA7-E5A322597B0C}" srcOrd="3" destOrd="0" presId="urn:microsoft.com/office/officeart/2005/8/layout/process1"/>
     <dgm:cxn modelId="{2891EB9A-10A5-6C42-B3DA-8B76393ADAA1}" type="presParOf" srcId="{EB4B7F01-2ECD-5F4B-8FA7-E5A322597B0C}" destId="{958EC272-8228-464C-BE8C-2BE08EF8020C}" srcOrd="0" destOrd="0" presId="urn:microsoft.com/office/officeart/2005/8/layout/process1"/>
     <dgm:cxn modelId="{173DE7F1-2DE3-1441-BDF2-DB1E86B8FD61}" type="presParOf" srcId="{EBC03D42-662A-2E42-88EB-49760D969A96}" destId="{05C41FFD-E163-1C4B-AE55-F0E05AF0A7C5}" srcOrd="4" destOrd="0" presId="urn:microsoft.com/office/officeart/2005/8/layout/process1"/>
+  </dgm:cxnLst>
+  <dgm:bg/>
+  <dgm:whole/>
+  <dgm:extLst>
+    <a:ext uri="http://schemas.microsoft.com/office/drawing/2008/diagram">
+      <dsp:dataModelExt xmlns:dsp="http://schemas.microsoft.com/office/drawing/2008/diagram" relId="rId7" minVer="http://schemas.openxmlformats.org/drawingml/2006/diagram"/>
+    </a:ext>
+  </dgm:extLst>
+</dgm:dataModel>
+</file>
+
+<file path=ppt/diagrams/data2.xml><?xml version="1.0" encoding="utf-8"?>
+<dgm:dataModel xmlns:dgm="http://schemas.openxmlformats.org/drawingml/2006/diagram" xmlns:a="http://schemas.openxmlformats.org/drawingml/2006/main">
+  <dgm:ptLst>
+    <dgm:pt modelId="{1FF03F6B-543E-FE49-9D41-726366A3D7A2}" type="doc">
+      <dgm:prSet loTypeId="urn:microsoft.com/office/officeart/2005/8/layout/process1" loCatId="process" qsTypeId="urn:microsoft.com/office/officeart/2005/8/quickstyle/simple4" qsCatId="simple" csTypeId="urn:microsoft.com/office/officeart/2005/8/colors/accent1_2" csCatId="accent1" phldr="1"/>
+      <dgm:spPr/>
+      <dgm:t>
+        <a:bodyPr/>
+        <a:lstStyle/>
+        <a:p>
+          <a:endParaRPr lang="en-US"/>
+        </a:p>
+      </dgm:t>
+    </dgm:pt>
+    <dgm:pt modelId="{AE0319DC-AB61-434C-B1BF-F0577449B34B}">
+      <dgm:prSet phldrT="[Text]"/>
+      <dgm:spPr>
+        <a:solidFill>
+          <a:schemeClr val="accent4"/>
+        </a:solidFill>
+      </dgm:spPr>
+      <dgm:t>
+        <a:bodyPr/>
+        <a:lstStyle/>
+        <a:p>
+          <a:endParaRPr lang="en-US" dirty="0">
+            <a:solidFill>
+              <a:schemeClr val="tx1"/>
+            </a:solidFill>
+          </a:endParaRPr>
+        </a:p>
+      </dgm:t>
+    </dgm:pt>
+    <dgm:pt modelId="{A06435F0-E0FB-B447-90BD-CB07A8F4CD11}" type="parTrans" cxnId="{80788453-C353-0A48-95FB-3D73F657E110}">
+      <dgm:prSet/>
+      <dgm:spPr/>
+      <dgm:t>
+        <a:bodyPr/>
+        <a:lstStyle/>
+        <a:p>
+          <a:endParaRPr lang="en-US"/>
+        </a:p>
+      </dgm:t>
+    </dgm:pt>
+    <dgm:pt modelId="{C8CA7C3B-3679-724C-9F0E-F4E7911F3C25}" type="sibTrans" cxnId="{80788453-C353-0A48-95FB-3D73F657E110}">
+      <dgm:prSet/>
+      <dgm:spPr/>
+      <dgm:t>
+        <a:bodyPr/>
+        <a:lstStyle/>
+        <a:p>
+          <a:endParaRPr lang="en-US"/>
+        </a:p>
+      </dgm:t>
+    </dgm:pt>
+    <dgm:pt modelId="{C2802123-B7F5-C747-AE7A-8970728C09BD}">
+      <dgm:prSet phldrT="[Text]"/>
+      <dgm:spPr>
+        <a:solidFill>
+          <a:schemeClr val="accent4"/>
+        </a:solidFill>
+      </dgm:spPr>
+      <dgm:t>
+        <a:bodyPr/>
+        <a:lstStyle/>
+        <a:p>
+          <a:endParaRPr lang="en-US" dirty="0" smtClean="0">
+            <a:solidFill>
+              <a:schemeClr val="tx1"/>
+            </a:solidFill>
+          </a:endParaRPr>
+        </a:p>
+        <a:p>
+          <a:endParaRPr lang="en-US" dirty="0" smtClean="0">
+            <a:solidFill>
+              <a:schemeClr val="tx1"/>
+            </a:solidFill>
+          </a:endParaRPr>
+        </a:p>
+        <a:p>
+          <a:endParaRPr lang="en-US" dirty="0" smtClean="0">
+            <a:solidFill>
+              <a:schemeClr val="tx1"/>
+            </a:solidFill>
+          </a:endParaRPr>
+        </a:p>
+        <a:p>
+          <a:endParaRPr lang="en-US" dirty="0" smtClean="0">
+            <a:solidFill>
+              <a:schemeClr val="tx1"/>
+            </a:solidFill>
+          </a:endParaRPr>
+        </a:p>
+        <a:p>
+          <a:endParaRPr lang="en-US" dirty="0" smtClean="0">
+            <a:solidFill>
+              <a:schemeClr val="tx1"/>
+            </a:solidFill>
+          </a:endParaRPr>
+        </a:p>
+        <a:p>
+          <a:endParaRPr lang="en-US" dirty="0" smtClean="0">
+            <a:solidFill>
+              <a:schemeClr val="tx1"/>
+            </a:solidFill>
+          </a:endParaRPr>
+        </a:p>
+        <a:p>
+          <a:endParaRPr lang="en-US" dirty="0" smtClean="0">
+            <a:solidFill>
+              <a:schemeClr val="tx1"/>
+            </a:solidFill>
+          </a:endParaRPr>
+        </a:p>
+        <a:p>
+          <a:endParaRPr lang="en-US" dirty="0" smtClean="0">
+            <a:solidFill>
+              <a:schemeClr val="tx1"/>
+            </a:solidFill>
+          </a:endParaRPr>
+        </a:p>
+        <a:p>
+          <a:endParaRPr lang="en-US" dirty="0">
+            <a:solidFill>
+              <a:schemeClr val="tx1"/>
+            </a:solidFill>
+          </a:endParaRPr>
+        </a:p>
+      </dgm:t>
+    </dgm:pt>
+    <dgm:pt modelId="{0CD62025-0D16-574B-856E-8B63CBC5ADBD}" type="parTrans" cxnId="{2160D5E9-9C0A-4145-B047-076527341CB1}">
+      <dgm:prSet/>
+      <dgm:spPr/>
+      <dgm:t>
+        <a:bodyPr/>
+        <a:lstStyle/>
+        <a:p>
+          <a:endParaRPr lang="en-US"/>
+        </a:p>
+      </dgm:t>
+    </dgm:pt>
+    <dgm:pt modelId="{F39D29D5-BFA1-CD49-AB37-5CBA7BC6B96B}" type="sibTrans" cxnId="{2160D5E9-9C0A-4145-B047-076527341CB1}">
+      <dgm:prSet/>
+      <dgm:spPr/>
+      <dgm:t>
+        <a:bodyPr/>
+        <a:lstStyle/>
+        <a:p>
+          <a:endParaRPr lang="en-US"/>
+        </a:p>
+      </dgm:t>
+    </dgm:pt>
+    <dgm:pt modelId="{73644F15-1895-2949-A81E-D7B224703F80}">
+      <dgm:prSet phldrT="[Text]"/>
+      <dgm:spPr>
+        <a:solidFill>
+          <a:schemeClr val="accent4"/>
+        </a:solidFill>
+      </dgm:spPr>
+      <dgm:t>
+        <a:bodyPr/>
+        <a:lstStyle/>
+        <a:p>
+          <a:endParaRPr lang="en-US" dirty="0" smtClean="0">
+            <a:solidFill>
+              <a:schemeClr val="tx1"/>
+            </a:solidFill>
+          </a:endParaRPr>
+        </a:p>
+      </dgm:t>
+    </dgm:pt>
+    <dgm:pt modelId="{E593708A-573A-234E-92C9-50691838CAE8}" type="parTrans" cxnId="{9C2E169E-EDC8-3443-A267-81622FFBBA7A}">
+      <dgm:prSet/>
+      <dgm:spPr/>
+      <dgm:t>
+        <a:bodyPr/>
+        <a:lstStyle/>
+        <a:p>
+          <a:endParaRPr lang="en-US"/>
+        </a:p>
+      </dgm:t>
+    </dgm:pt>
+    <dgm:pt modelId="{F21CF019-BF69-C441-A419-015FDE4C04A6}" type="sibTrans" cxnId="{9C2E169E-EDC8-3443-A267-81622FFBBA7A}">
+      <dgm:prSet/>
+      <dgm:spPr/>
+      <dgm:t>
+        <a:bodyPr/>
+        <a:lstStyle/>
+        <a:p>
+          <a:endParaRPr lang="en-US"/>
+        </a:p>
+      </dgm:t>
+    </dgm:pt>
+    <dgm:pt modelId="{EBC03D42-662A-2E42-88EB-49760D969A96}" type="pres">
+      <dgm:prSet presAssocID="{1FF03F6B-543E-FE49-9D41-726366A3D7A2}" presName="Name0" presStyleCnt="0">
+        <dgm:presLayoutVars>
+          <dgm:dir/>
+          <dgm:resizeHandles val="exact"/>
+        </dgm:presLayoutVars>
+      </dgm:prSet>
+      <dgm:spPr/>
+      <dgm:t>
+        <a:bodyPr/>
+        <a:lstStyle/>
+        <a:p>
+          <a:endParaRPr lang="en-US"/>
+        </a:p>
+      </dgm:t>
+    </dgm:pt>
+    <dgm:pt modelId="{8DA493F4-C877-5946-915E-D90EEF5E01FC}" type="pres">
+      <dgm:prSet presAssocID="{AE0319DC-AB61-434C-B1BF-F0577449B34B}" presName="node" presStyleLbl="node1" presStyleIdx="0" presStyleCnt="3" custScaleX="614982" custScaleY="1542004" custLinFactX="23795" custLinFactY="-1011574" custLinFactNeighborX="100000" custLinFactNeighborY="-1100000">
+        <dgm:presLayoutVars>
+          <dgm:bulletEnabled val="1"/>
+        </dgm:presLayoutVars>
+      </dgm:prSet>
+      <dgm:spPr/>
+      <dgm:t>
+        <a:bodyPr/>
+        <a:lstStyle/>
+        <a:p>
+          <a:endParaRPr lang="en-US"/>
+        </a:p>
+      </dgm:t>
+    </dgm:pt>
+    <dgm:pt modelId="{F54E6447-8521-E941-8F7A-9743BF21EA3D}" type="pres">
+      <dgm:prSet presAssocID="{C8CA7C3B-3679-724C-9F0E-F4E7911F3C25}" presName="sibTrans" presStyleLbl="sibTrans2D1" presStyleIdx="0" presStyleCnt="2" custAng="106997" custScaleY="507848" custLinFactNeighborX="-23982" custLinFactNeighborY="-2905"/>
+      <dgm:spPr/>
+      <dgm:t>
+        <a:bodyPr/>
+        <a:lstStyle/>
+        <a:p>
+          <a:endParaRPr lang="en-US"/>
+        </a:p>
+      </dgm:t>
+    </dgm:pt>
+    <dgm:pt modelId="{70B7AD2B-B06C-554A-9456-1E76ABD3B2C8}" type="pres">
+      <dgm:prSet presAssocID="{C8CA7C3B-3679-724C-9F0E-F4E7911F3C25}" presName="connectorText" presStyleLbl="sibTrans2D1" presStyleIdx="0" presStyleCnt="2"/>
+      <dgm:spPr/>
+      <dgm:t>
+        <a:bodyPr/>
+        <a:lstStyle/>
+        <a:p>
+          <a:endParaRPr lang="en-US"/>
+        </a:p>
+      </dgm:t>
+    </dgm:pt>
+    <dgm:pt modelId="{AEAF7DE6-8EEC-CE48-8E94-8AE1EBBB2AED}" type="pres">
+      <dgm:prSet presAssocID="{C2802123-B7F5-C747-AE7A-8970728C09BD}" presName="node" presStyleLbl="node1" presStyleIdx="1" presStyleCnt="3" custScaleX="1749023" custScaleY="2000000" custLinFactX="289661" custLinFactY="-701166" custLinFactNeighborX="300000" custLinFactNeighborY="-800000">
+        <dgm:presLayoutVars>
+          <dgm:bulletEnabled val="1"/>
+        </dgm:presLayoutVars>
+      </dgm:prSet>
+      <dgm:spPr/>
+      <dgm:t>
+        <a:bodyPr/>
+        <a:lstStyle/>
+        <a:p>
+          <a:endParaRPr lang="en-US"/>
+        </a:p>
+      </dgm:t>
+    </dgm:pt>
+    <dgm:pt modelId="{EB4B7F01-2ECD-5F4B-8FA7-E5A322597B0C}" type="pres">
+      <dgm:prSet presAssocID="{F39D29D5-BFA1-CD49-AB37-5CBA7BC6B96B}" presName="sibTrans" presStyleLbl="sibTrans2D1" presStyleIdx="1" presStyleCnt="2" custAng="356189" custScaleY="774679" custLinFactNeighborX="15359" custLinFactNeighborY="29909"/>
+      <dgm:spPr/>
+      <dgm:t>
+        <a:bodyPr/>
+        <a:lstStyle/>
+        <a:p>
+          <a:endParaRPr lang="en-US"/>
+        </a:p>
+      </dgm:t>
+    </dgm:pt>
+    <dgm:pt modelId="{958EC272-8228-464C-BE8C-2BE08EF8020C}" type="pres">
+      <dgm:prSet presAssocID="{F39D29D5-BFA1-CD49-AB37-5CBA7BC6B96B}" presName="connectorText" presStyleLbl="sibTrans2D1" presStyleIdx="1" presStyleCnt="2"/>
+      <dgm:spPr/>
+      <dgm:t>
+        <a:bodyPr/>
+        <a:lstStyle/>
+        <a:p>
+          <a:endParaRPr lang="en-US"/>
+        </a:p>
+      </dgm:t>
+    </dgm:pt>
+    <dgm:pt modelId="{05C41FFD-E163-1C4B-AE55-F0E05AF0A7C5}" type="pres">
+      <dgm:prSet presAssocID="{73644F15-1895-2949-A81E-D7B224703F80}" presName="node" presStyleLbl="node1" presStyleIdx="2" presStyleCnt="3" custAng="0" custScaleX="649524" custScaleY="938343" custLinFactX="-464103" custLinFactY="502412" custLinFactNeighborX="-500000" custLinFactNeighborY="600000">
+        <dgm:presLayoutVars>
+          <dgm:bulletEnabled val="1"/>
+        </dgm:presLayoutVars>
+      </dgm:prSet>
+      <dgm:spPr/>
+      <dgm:t>
+        <a:bodyPr/>
+        <a:lstStyle/>
+        <a:p>
+          <a:endParaRPr lang="en-US"/>
+        </a:p>
+      </dgm:t>
+    </dgm:pt>
+  </dgm:ptLst>
+  <dgm:cxnLst>
+    <dgm:cxn modelId="{F5A6B2EB-516D-904A-93D2-C628EB0AB32A}" type="presOf" srcId="{F39D29D5-BFA1-CD49-AB37-5CBA7BC6B96B}" destId="{958EC272-8228-464C-BE8C-2BE08EF8020C}" srcOrd="1" destOrd="0" presId="urn:microsoft.com/office/officeart/2005/8/layout/process1"/>
+    <dgm:cxn modelId="{BF602C49-2694-1143-9674-2A40EAED4082}" type="presOf" srcId="{73644F15-1895-2949-A81E-D7B224703F80}" destId="{05C41FFD-E163-1C4B-AE55-F0E05AF0A7C5}" srcOrd="0" destOrd="0" presId="urn:microsoft.com/office/officeart/2005/8/layout/process1"/>
+    <dgm:cxn modelId="{2D007FE8-B0DE-BF4E-B997-535187ED3A2A}" type="presOf" srcId="{C8CA7C3B-3679-724C-9F0E-F4E7911F3C25}" destId="{70B7AD2B-B06C-554A-9456-1E76ABD3B2C8}" srcOrd="1" destOrd="0" presId="urn:microsoft.com/office/officeart/2005/8/layout/process1"/>
+    <dgm:cxn modelId="{80788453-C353-0A48-95FB-3D73F657E110}" srcId="{1FF03F6B-543E-FE49-9D41-726366A3D7A2}" destId="{AE0319DC-AB61-434C-B1BF-F0577449B34B}" srcOrd="0" destOrd="0" parTransId="{A06435F0-E0FB-B447-90BD-CB07A8F4CD11}" sibTransId="{C8CA7C3B-3679-724C-9F0E-F4E7911F3C25}"/>
+    <dgm:cxn modelId="{96EE8532-364F-C94F-B7C1-36ABC1C114D3}" type="presOf" srcId="{AE0319DC-AB61-434C-B1BF-F0577449B34B}" destId="{8DA493F4-C877-5946-915E-D90EEF5E01FC}" srcOrd="0" destOrd="0" presId="urn:microsoft.com/office/officeart/2005/8/layout/process1"/>
+    <dgm:cxn modelId="{CCE67537-11D6-6641-871C-AC9F9C42A9D6}" type="presOf" srcId="{C2802123-B7F5-C747-AE7A-8970728C09BD}" destId="{AEAF7DE6-8EEC-CE48-8E94-8AE1EBBB2AED}" srcOrd="0" destOrd="0" presId="urn:microsoft.com/office/officeart/2005/8/layout/process1"/>
+    <dgm:cxn modelId="{2160D5E9-9C0A-4145-B047-076527341CB1}" srcId="{1FF03F6B-543E-FE49-9D41-726366A3D7A2}" destId="{C2802123-B7F5-C747-AE7A-8970728C09BD}" srcOrd="1" destOrd="0" parTransId="{0CD62025-0D16-574B-856E-8B63CBC5ADBD}" sibTransId="{F39D29D5-BFA1-CD49-AB37-5CBA7BC6B96B}"/>
+    <dgm:cxn modelId="{25608745-16F6-6747-B67B-841164F98979}" type="presOf" srcId="{1FF03F6B-543E-FE49-9D41-726366A3D7A2}" destId="{EBC03D42-662A-2E42-88EB-49760D969A96}" srcOrd="0" destOrd="0" presId="urn:microsoft.com/office/officeart/2005/8/layout/process1"/>
+    <dgm:cxn modelId="{60A9A031-3389-CA4F-9109-1B1D9DB6D472}" type="presOf" srcId="{F39D29D5-BFA1-CD49-AB37-5CBA7BC6B96B}" destId="{EB4B7F01-2ECD-5F4B-8FA7-E5A322597B0C}" srcOrd="0" destOrd="0" presId="urn:microsoft.com/office/officeart/2005/8/layout/process1"/>
+    <dgm:cxn modelId="{3992C0C8-6C18-D646-AD21-3CC195F92D94}" type="presOf" srcId="{C8CA7C3B-3679-724C-9F0E-F4E7911F3C25}" destId="{F54E6447-8521-E941-8F7A-9743BF21EA3D}" srcOrd="0" destOrd="0" presId="urn:microsoft.com/office/officeart/2005/8/layout/process1"/>
+    <dgm:cxn modelId="{9C2E169E-EDC8-3443-A267-81622FFBBA7A}" srcId="{1FF03F6B-543E-FE49-9D41-726366A3D7A2}" destId="{73644F15-1895-2949-A81E-D7B224703F80}" srcOrd="2" destOrd="0" parTransId="{E593708A-573A-234E-92C9-50691838CAE8}" sibTransId="{F21CF019-BF69-C441-A419-015FDE4C04A6}"/>
+    <dgm:cxn modelId="{7315EEC9-D14F-3C49-BE32-89C0BE04C6C5}" type="presParOf" srcId="{EBC03D42-662A-2E42-88EB-49760D969A96}" destId="{8DA493F4-C877-5946-915E-D90EEF5E01FC}" srcOrd="0" destOrd="0" presId="urn:microsoft.com/office/officeart/2005/8/layout/process1"/>
+    <dgm:cxn modelId="{0E012860-D16B-E743-AB54-B81EB8C8DD54}" type="presParOf" srcId="{EBC03D42-662A-2E42-88EB-49760D969A96}" destId="{F54E6447-8521-E941-8F7A-9743BF21EA3D}" srcOrd="1" destOrd="0" presId="urn:microsoft.com/office/officeart/2005/8/layout/process1"/>
+    <dgm:cxn modelId="{4C5DA5B7-25A9-3448-B6E4-14BBEEF96DF5}" type="presParOf" srcId="{F54E6447-8521-E941-8F7A-9743BF21EA3D}" destId="{70B7AD2B-B06C-554A-9456-1E76ABD3B2C8}" srcOrd="0" destOrd="0" presId="urn:microsoft.com/office/officeart/2005/8/layout/process1"/>
+    <dgm:cxn modelId="{2ED53352-02FC-C241-AF3A-8682F27320A5}" type="presParOf" srcId="{EBC03D42-662A-2E42-88EB-49760D969A96}" destId="{AEAF7DE6-8EEC-CE48-8E94-8AE1EBBB2AED}" srcOrd="2" destOrd="0" presId="urn:microsoft.com/office/officeart/2005/8/layout/process1"/>
+    <dgm:cxn modelId="{2E1E6EDA-AEAD-4249-994A-2F09ACB760D7}" type="presParOf" srcId="{EBC03D42-662A-2E42-88EB-49760D969A96}" destId="{EB4B7F01-2ECD-5F4B-8FA7-E5A322597B0C}" srcOrd="3" destOrd="0" presId="urn:microsoft.com/office/officeart/2005/8/layout/process1"/>
+    <dgm:cxn modelId="{46933571-5A1E-8646-B8D3-F24699DA2257}" type="presParOf" srcId="{EB4B7F01-2ECD-5F4B-8FA7-E5A322597B0C}" destId="{958EC272-8228-464C-BE8C-2BE08EF8020C}" srcOrd="0" destOrd="0" presId="urn:microsoft.com/office/officeart/2005/8/layout/process1"/>
+    <dgm:cxn modelId="{856F4630-3DEE-7D4C-A669-2585C57C4B06}" type="presParOf" srcId="{EBC03D42-662A-2E42-88EB-49760D969A96}" destId="{05C41FFD-E163-1C4B-AE55-F0E05AF0A7C5}" srcOrd="4" destOrd="0" presId="urn:microsoft.com/office/officeart/2005/8/layout/process1"/>
+  </dgm:cxnLst>
+  <dgm:bg/>
+  <dgm:whole/>
+  <dgm:extLst>
+    <a:ext uri="http://schemas.microsoft.com/office/drawing/2008/diagram">
+      <dsp:dataModelExt xmlns:dsp="http://schemas.microsoft.com/office/drawing/2008/diagram" relId="rId7" minVer="http://schemas.openxmlformats.org/drawingml/2006/diagram"/>
+    </a:ext>
+  </dgm:extLst>
+</dgm:dataModel>
+</file>
+
+<file path=ppt/diagrams/data3.xml><?xml version="1.0" encoding="utf-8"?>
+<dgm:dataModel xmlns:dgm="http://schemas.openxmlformats.org/drawingml/2006/diagram" xmlns:a="http://schemas.openxmlformats.org/drawingml/2006/main">
+  <dgm:ptLst>
+    <dgm:pt modelId="{1FF03F6B-543E-FE49-9D41-726366A3D7A2}" type="doc">
+      <dgm:prSet loTypeId="urn:microsoft.com/office/officeart/2005/8/layout/process1" loCatId="process" qsTypeId="urn:microsoft.com/office/officeart/2005/8/quickstyle/simple4" qsCatId="simple" csTypeId="urn:microsoft.com/office/officeart/2005/8/colors/accent1_2" csCatId="accent1" phldr="1"/>
+      <dgm:spPr/>
+      <dgm:t>
+        <a:bodyPr/>
+        <a:lstStyle/>
+        <a:p>
+          <a:endParaRPr lang="en-US"/>
+        </a:p>
+      </dgm:t>
+    </dgm:pt>
+    <dgm:pt modelId="{AE0319DC-AB61-434C-B1BF-F0577449B34B}">
+      <dgm:prSet phldrT="[Text]"/>
+      <dgm:spPr>
+        <a:solidFill>
+          <a:schemeClr val="accent4"/>
+        </a:solidFill>
+      </dgm:spPr>
+      <dgm:t>
+        <a:bodyPr/>
+        <a:lstStyle/>
+        <a:p>
+          <a:endParaRPr lang="en-US" dirty="0">
+            <a:solidFill>
+              <a:schemeClr val="tx1"/>
+            </a:solidFill>
+          </a:endParaRPr>
+        </a:p>
+      </dgm:t>
+    </dgm:pt>
+    <dgm:pt modelId="{A06435F0-E0FB-B447-90BD-CB07A8F4CD11}" type="parTrans" cxnId="{80788453-C353-0A48-95FB-3D73F657E110}">
+      <dgm:prSet/>
+      <dgm:spPr/>
+      <dgm:t>
+        <a:bodyPr/>
+        <a:lstStyle/>
+        <a:p>
+          <a:endParaRPr lang="en-US"/>
+        </a:p>
+      </dgm:t>
+    </dgm:pt>
+    <dgm:pt modelId="{C8CA7C3B-3679-724C-9F0E-F4E7911F3C25}" type="sibTrans" cxnId="{80788453-C353-0A48-95FB-3D73F657E110}">
+      <dgm:prSet/>
+      <dgm:spPr/>
+      <dgm:t>
+        <a:bodyPr/>
+        <a:lstStyle/>
+        <a:p>
+          <a:endParaRPr lang="en-US"/>
+        </a:p>
+      </dgm:t>
+    </dgm:pt>
+    <dgm:pt modelId="{C2802123-B7F5-C747-AE7A-8970728C09BD}">
+      <dgm:prSet phldrT="[Text]"/>
+      <dgm:spPr>
+        <a:solidFill>
+          <a:schemeClr val="accent4"/>
+        </a:solidFill>
+      </dgm:spPr>
+      <dgm:t>
+        <a:bodyPr/>
+        <a:lstStyle/>
+        <a:p>
+          <a:endParaRPr lang="en-US" dirty="0" smtClean="0">
+            <a:solidFill>
+              <a:schemeClr val="tx1"/>
+            </a:solidFill>
+          </a:endParaRPr>
+        </a:p>
+        <a:p>
+          <a:endParaRPr lang="en-US" dirty="0" smtClean="0">
+            <a:solidFill>
+              <a:schemeClr val="tx1"/>
+            </a:solidFill>
+          </a:endParaRPr>
+        </a:p>
+        <a:p>
+          <a:endParaRPr lang="en-US" dirty="0" smtClean="0">
+            <a:solidFill>
+              <a:schemeClr val="tx1"/>
+            </a:solidFill>
+          </a:endParaRPr>
+        </a:p>
+        <a:p>
+          <a:endParaRPr lang="en-US" dirty="0" smtClean="0">
+            <a:solidFill>
+              <a:schemeClr val="tx1"/>
+            </a:solidFill>
+          </a:endParaRPr>
+        </a:p>
+        <a:p>
+          <a:endParaRPr lang="en-US" dirty="0" smtClean="0">
+            <a:solidFill>
+              <a:schemeClr val="tx1"/>
+            </a:solidFill>
+          </a:endParaRPr>
+        </a:p>
+        <a:p>
+          <a:endParaRPr lang="en-US" dirty="0" smtClean="0">
+            <a:solidFill>
+              <a:schemeClr val="tx1"/>
+            </a:solidFill>
+          </a:endParaRPr>
+        </a:p>
+        <a:p>
+          <a:endParaRPr lang="en-US" dirty="0" smtClean="0">
+            <a:solidFill>
+              <a:schemeClr val="tx1"/>
+            </a:solidFill>
+          </a:endParaRPr>
+        </a:p>
+        <a:p>
+          <a:endParaRPr lang="en-US" dirty="0" smtClean="0">
+            <a:solidFill>
+              <a:schemeClr val="tx1"/>
+            </a:solidFill>
+          </a:endParaRPr>
+        </a:p>
+        <a:p>
+          <a:endParaRPr lang="en-US" dirty="0">
+            <a:solidFill>
+              <a:schemeClr val="tx1"/>
+            </a:solidFill>
+          </a:endParaRPr>
+        </a:p>
+      </dgm:t>
+    </dgm:pt>
+    <dgm:pt modelId="{0CD62025-0D16-574B-856E-8B63CBC5ADBD}" type="parTrans" cxnId="{2160D5E9-9C0A-4145-B047-076527341CB1}">
+      <dgm:prSet/>
+      <dgm:spPr/>
+      <dgm:t>
+        <a:bodyPr/>
+        <a:lstStyle/>
+        <a:p>
+          <a:endParaRPr lang="en-US"/>
+        </a:p>
+      </dgm:t>
+    </dgm:pt>
+    <dgm:pt modelId="{F39D29D5-BFA1-CD49-AB37-5CBA7BC6B96B}" type="sibTrans" cxnId="{2160D5E9-9C0A-4145-B047-076527341CB1}">
+      <dgm:prSet/>
+      <dgm:spPr/>
+      <dgm:t>
+        <a:bodyPr/>
+        <a:lstStyle/>
+        <a:p>
+          <a:endParaRPr lang="en-US"/>
+        </a:p>
+      </dgm:t>
+    </dgm:pt>
+    <dgm:pt modelId="{73644F15-1895-2949-A81E-D7B224703F80}">
+      <dgm:prSet phldrT="[Text]"/>
+      <dgm:spPr>
+        <a:solidFill>
+          <a:schemeClr val="accent4"/>
+        </a:solidFill>
+      </dgm:spPr>
+      <dgm:t>
+        <a:bodyPr/>
+        <a:lstStyle/>
+        <a:p>
+          <a:endParaRPr lang="en-US" dirty="0" smtClean="0">
+            <a:solidFill>
+              <a:schemeClr val="tx1"/>
+            </a:solidFill>
+          </a:endParaRPr>
+        </a:p>
+      </dgm:t>
+    </dgm:pt>
+    <dgm:pt modelId="{E593708A-573A-234E-92C9-50691838CAE8}" type="parTrans" cxnId="{9C2E169E-EDC8-3443-A267-81622FFBBA7A}">
+      <dgm:prSet/>
+      <dgm:spPr/>
+      <dgm:t>
+        <a:bodyPr/>
+        <a:lstStyle/>
+        <a:p>
+          <a:endParaRPr lang="en-US"/>
+        </a:p>
+      </dgm:t>
+    </dgm:pt>
+    <dgm:pt modelId="{F21CF019-BF69-C441-A419-015FDE4C04A6}" type="sibTrans" cxnId="{9C2E169E-EDC8-3443-A267-81622FFBBA7A}">
+      <dgm:prSet/>
+      <dgm:spPr/>
+      <dgm:t>
+        <a:bodyPr/>
+        <a:lstStyle/>
+        <a:p>
+          <a:endParaRPr lang="en-US"/>
+        </a:p>
+      </dgm:t>
+    </dgm:pt>
+    <dgm:pt modelId="{EBC03D42-662A-2E42-88EB-49760D969A96}" type="pres">
+      <dgm:prSet presAssocID="{1FF03F6B-543E-FE49-9D41-726366A3D7A2}" presName="Name0" presStyleCnt="0">
+        <dgm:presLayoutVars>
+          <dgm:dir/>
+          <dgm:resizeHandles val="exact"/>
+        </dgm:presLayoutVars>
+      </dgm:prSet>
+      <dgm:spPr/>
+      <dgm:t>
+        <a:bodyPr/>
+        <a:lstStyle/>
+        <a:p>
+          <a:endParaRPr lang="en-US"/>
+        </a:p>
+      </dgm:t>
+    </dgm:pt>
+    <dgm:pt modelId="{8DA493F4-C877-5946-915E-D90EEF5E01FC}" type="pres">
+      <dgm:prSet presAssocID="{AE0319DC-AB61-434C-B1BF-F0577449B34B}" presName="node" presStyleLbl="node1" presStyleIdx="0" presStyleCnt="3" custScaleX="614982" custScaleY="1542004" custLinFactX="62556" custLinFactY="-443885" custLinFactNeighborX="100000" custLinFactNeighborY="-500000">
+        <dgm:presLayoutVars>
+          <dgm:bulletEnabled val="1"/>
+        </dgm:presLayoutVars>
+      </dgm:prSet>
+      <dgm:spPr/>
+      <dgm:t>
+        <a:bodyPr/>
+        <a:lstStyle/>
+        <a:p>
+          <a:endParaRPr lang="en-US"/>
+        </a:p>
+      </dgm:t>
+    </dgm:pt>
+    <dgm:pt modelId="{F54E6447-8521-E941-8F7A-9743BF21EA3D}" type="pres">
+      <dgm:prSet presAssocID="{C8CA7C3B-3679-724C-9F0E-F4E7911F3C25}" presName="sibTrans" presStyleLbl="sibTrans2D1" presStyleIdx="0" presStyleCnt="2" custAng="106997" custScaleY="507848" custLinFactNeighborX="-23982" custLinFactNeighborY="-2905"/>
+      <dgm:spPr/>
+      <dgm:t>
+        <a:bodyPr/>
+        <a:lstStyle/>
+        <a:p>
+          <a:endParaRPr lang="en-US"/>
+        </a:p>
+      </dgm:t>
+    </dgm:pt>
+    <dgm:pt modelId="{70B7AD2B-B06C-554A-9456-1E76ABD3B2C8}" type="pres">
+      <dgm:prSet presAssocID="{C8CA7C3B-3679-724C-9F0E-F4E7911F3C25}" presName="connectorText" presStyleLbl="sibTrans2D1" presStyleIdx="0" presStyleCnt="2"/>
+      <dgm:spPr/>
+      <dgm:t>
+        <a:bodyPr/>
+        <a:lstStyle/>
+        <a:p>
+          <a:endParaRPr lang="en-US"/>
+        </a:p>
+      </dgm:t>
+    </dgm:pt>
+    <dgm:pt modelId="{AEAF7DE6-8EEC-CE48-8E94-8AE1EBBB2AED}" type="pres">
+      <dgm:prSet presAssocID="{C2802123-B7F5-C747-AE7A-8970728C09BD}" presName="node" presStyleLbl="node1" presStyleIdx="1" presStyleCnt="3" custScaleX="1749023" custScaleY="2000000" custLinFactX="400000" custLinFactY="-400000" custLinFactNeighborX="460894" custLinFactNeighborY="-450475">
+        <dgm:presLayoutVars>
+          <dgm:bulletEnabled val="1"/>
+        </dgm:presLayoutVars>
+      </dgm:prSet>
+      <dgm:spPr/>
+      <dgm:t>
+        <a:bodyPr/>
+        <a:lstStyle/>
+        <a:p>
+          <a:endParaRPr lang="en-US"/>
+        </a:p>
+      </dgm:t>
+    </dgm:pt>
+    <dgm:pt modelId="{EB4B7F01-2ECD-5F4B-8FA7-E5A322597B0C}" type="pres">
+      <dgm:prSet presAssocID="{F39D29D5-BFA1-CD49-AB37-5CBA7BC6B96B}" presName="sibTrans" presStyleLbl="sibTrans2D1" presStyleIdx="1" presStyleCnt="2" custAng="356189" custScaleY="774679" custLinFactNeighborX="15359" custLinFactNeighborY="29909"/>
+      <dgm:spPr/>
+      <dgm:t>
+        <a:bodyPr/>
+        <a:lstStyle/>
+        <a:p>
+          <a:endParaRPr lang="en-US"/>
+        </a:p>
+      </dgm:t>
+    </dgm:pt>
+    <dgm:pt modelId="{958EC272-8228-464C-BE8C-2BE08EF8020C}" type="pres">
+      <dgm:prSet presAssocID="{F39D29D5-BFA1-CD49-AB37-5CBA7BC6B96B}" presName="connectorText" presStyleLbl="sibTrans2D1" presStyleIdx="1" presStyleCnt="2"/>
+      <dgm:spPr/>
+      <dgm:t>
+        <a:bodyPr/>
+        <a:lstStyle/>
+        <a:p>
+          <a:endParaRPr lang="en-US"/>
+        </a:p>
+      </dgm:t>
+    </dgm:pt>
+    <dgm:pt modelId="{05C41FFD-E163-1C4B-AE55-F0E05AF0A7C5}" type="pres">
+      <dgm:prSet presAssocID="{73644F15-1895-2949-A81E-D7B224703F80}" presName="node" presStyleLbl="node1" presStyleIdx="2" presStyleCnt="3" custAng="0" custScaleX="649524" custScaleY="938343" custLinFactX="-1590730" custLinFactY="400000" custLinFactNeighborX="-1600000" custLinFactNeighborY="419921">
+        <dgm:presLayoutVars>
+          <dgm:bulletEnabled val="1"/>
+        </dgm:presLayoutVars>
+      </dgm:prSet>
+      <dgm:spPr/>
+      <dgm:t>
+        <a:bodyPr/>
+        <a:lstStyle/>
+        <a:p>
+          <a:endParaRPr lang="en-US"/>
+        </a:p>
+      </dgm:t>
+    </dgm:pt>
+  </dgm:ptLst>
+  <dgm:cxnLst>
+    <dgm:cxn modelId="{DAB8C012-7231-FF4E-862A-7A11C3C276FB}" type="presOf" srcId="{73644F15-1895-2949-A81E-D7B224703F80}" destId="{05C41FFD-E163-1C4B-AE55-F0E05AF0A7C5}" srcOrd="0" destOrd="0" presId="urn:microsoft.com/office/officeart/2005/8/layout/process1"/>
+    <dgm:cxn modelId="{80788453-C353-0A48-95FB-3D73F657E110}" srcId="{1FF03F6B-543E-FE49-9D41-726366A3D7A2}" destId="{AE0319DC-AB61-434C-B1BF-F0577449B34B}" srcOrd="0" destOrd="0" parTransId="{A06435F0-E0FB-B447-90BD-CB07A8F4CD11}" sibTransId="{C8CA7C3B-3679-724C-9F0E-F4E7911F3C25}"/>
+    <dgm:cxn modelId="{36696C97-FCAA-1547-B510-8D3EFC0F9DE0}" type="presOf" srcId="{F39D29D5-BFA1-CD49-AB37-5CBA7BC6B96B}" destId="{958EC272-8228-464C-BE8C-2BE08EF8020C}" srcOrd="1" destOrd="0" presId="urn:microsoft.com/office/officeart/2005/8/layout/process1"/>
+    <dgm:cxn modelId="{2160D5E9-9C0A-4145-B047-076527341CB1}" srcId="{1FF03F6B-543E-FE49-9D41-726366A3D7A2}" destId="{C2802123-B7F5-C747-AE7A-8970728C09BD}" srcOrd="1" destOrd="0" parTransId="{0CD62025-0D16-574B-856E-8B63CBC5ADBD}" sibTransId="{F39D29D5-BFA1-CD49-AB37-5CBA7BC6B96B}"/>
+    <dgm:cxn modelId="{53883397-BB50-3243-947E-9D14A802907D}" type="presOf" srcId="{1FF03F6B-543E-FE49-9D41-726366A3D7A2}" destId="{EBC03D42-662A-2E42-88EB-49760D969A96}" srcOrd="0" destOrd="0" presId="urn:microsoft.com/office/officeart/2005/8/layout/process1"/>
+    <dgm:cxn modelId="{A71A7290-B180-D842-ACFC-8D6B0C13C67F}" type="presOf" srcId="{C8CA7C3B-3679-724C-9F0E-F4E7911F3C25}" destId="{70B7AD2B-B06C-554A-9456-1E76ABD3B2C8}" srcOrd="1" destOrd="0" presId="urn:microsoft.com/office/officeart/2005/8/layout/process1"/>
+    <dgm:cxn modelId="{D65B5143-AA98-6E4D-B7C8-445585F601A9}" type="presOf" srcId="{F39D29D5-BFA1-CD49-AB37-5CBA7BC6B96B}" destId="{EB4B7F01-2ECD-5F4B-8FA7-E5A322597B0C}" srcOrd="0" destOrd="0" presId="urn:microsoft.com/office/officeart/2005/8/layout/process1"/>
+    <dgm:cxn modelId="{E72700D0-9114-8B46-97F5-571BD9694EBA}" type="presOf" srcId="{C2802123-B7F5-C747-AE7A-8970728C09BD}" destId="{AEAF7DE6-8EEC-CE48-8E94-8AE1EBBB2AED}" srcOrd="0" destOrd="0" presId="urn:microsoft.com/office/officeart/2005/8/layout/process1"/>
+    <dgm:cxn modelId="{4AB26567-5665-8B42-BFBD-F112A46A57DF}" type="presOf" srcId="{C8CA7C3B-3679-724C-9F0E-F4E7911F3C25}" destId="{F54E6447-8521-E941-8F7A-9743BF21EA3D}" srcOrd="0" destOrd="0" presId="urn:microsoft.com/office/officeart/2005/8/layout/process1"/>
+    <dgm:cxn modelId="{BE79E36A-29EC-E044-A13E-E598607FA3B0}" type="presOf" srcId="{AE0319DC-AB61-434C-B1BF-F0577449B34B}" destId="{8DA493F4-C877-5946-915E-D90EEF5E01FC}" srcOrd="0" destOrd="0" presId="urn:microsoft.com/office/officeart/2005/8/layout/process1"/>
+    <dgm:cxn modelId="{9C2E169E-EDC8-3443-A267-81622FFBBA7A}" srcId="{1FF03F6B-543E-FE49-9D41-726366A3D7A2}" destId="{73644F15-1895-2949-A81E-D7B224703F80}" srcOrd="2" destOrd="0" parTransId="{E593708A-573A-234E-92C9-50691838CAE8}" sibTransId="{F21CF019-BF69-C441-A419-015FDE4C04A6}"/>
+    <dgm:cxn modelId="{46D068E8-7FDC-9F40-886B-E84479A586DB}" type="presParOf" srcId="{EBC03D42-662A-2E42-88EB-49760D969A96}" destId="{8DA493F4-C877-5946-915E-D90EEF5E01FC}" srcOrd="0" destOrd="0" presId="urn:microsoft.com/office/officeart/2005/8/layout/process1"/>
+    <dgm:cxn modelId="{56F22A09-8CAB-164F-9C01-88F5EA7E8DDF}" type="presParOf" srcId="{EBC03D42-662A-2E42-88EB-49760D969A96}" destId="{F54E6447-8521-E941-8F7A-9743BF21EA3D}" srcOrd="1" destOrd="0" presId="urn:microsoft.com/office/officeart/2005/8/layout/process1"/>
+    <dgm:cxn modelId="{E4FAEC78-3471-6F4A-9269-B4F3162AEA28}" type="presParOf" srcId="{F54E6447-8521-E941-8F7A-9743BF21EA3D}" destId="{70B7AD2B-B06C-554A-9456-1E76ABD3B2C8}" srcOrd="0" destOrd="0" presId="urn:microsoft.com/office/officeart/2005/8/layout/process1"/>
+    <dgm:cxn modelId="{8AAC3522-7377-7A48-8D28-FDF32238E10D}" type="presParOf" srcId="{EBC03D42-662A-2E42-88EB-49760D969A96}" destId="{AEAF7DE6-8EEC-CE48-8E94-8AE1EBBB2AED}" srcOrd="2" destOrd="0" presId="urn:microsoft.com/office/officeart/2005/8/layout/process1"/>
+    <dgm:cxn modelId="{8D3A8E87-1585-AA41-91C5-BC39D43A4036}" type="presParOf" srcId="{EBC03D42-662A-2E42-88EB-49760D969A96}" destId="{EB4B7F01-2ECD-5F4B-8FA7-E5A322597B0C}" srcOrd="3" destOrd="0" presId="urn:microsoft.com/office/officeart/2005/8/layout/process1"/>
+    <dgm:cxn modelId="{FE0F26A9-4AEE-6046-A3AD-5E4164247346}" type="presParOf" srcId="{EB4B7F01-2ECD-5F4B-8FA7-E5A322597B0C}" destId="{958EC272-8228-464C-BE8C-2BE08EF8020C}" srcOrd="0" destOrd="0" presId="urn:microsoft.com/office/officeart/2005/8/layout/process1"/>
+    <dgm:cxn modelId="{FE03B86A-957C-6646-B03B-68E8A673ECCC}" type="presParOf" srcId="{EBC03D42-662A-2E42-88EB-49760D969A96}" destId="{05C41FFD-E163-1C4B-AE55-F0E05AF0A7C5}" srcOrd="4" destOrd="0" presId="urn:microsoft.com/office/officeart/2005/8/layout/process1"/>
   </dgm:cxnLst>
   <dgm:bg/>
   <dgm:whole/>
@@ -1164,8 +3358,8 @@
       </dsp:nvSpPr>
       <dsp:spPr>
         <a:xfrm>
-          <a:off x="319245" y="0"/>
-          <a:ext cx="2992256" cy="4501665"/>
+          <a:off x="321173" y="0"/>
+          <a:ext cx="3010326" cy="4528849"/>
         </a:xfrm>
         <a:prstGeom prst="roundRect">
           <a:avLst>
@@ -1219,8 +3413,8 @@
         </a:p>
       </dsp:txBody>
       <dsp:txXfrm>
-        <a:off x="406885" y="87640"/>
-        <a:ext cx="2816976" cy="4326385"/>
+        <a:off x="409342" y="88169"/>
+        <a:ext cx="2833988" cy="4352511"/>
       </dsp:txXfrm>
     </dsp:sp>
     <dsp:sp modelId="{F54E6447-8521-E941-8F7A-9743BF21EA3D}">
@@ -1229,9 +3423,9 @@
         <dsp:cNvSpPr/>
       </dsp:nvSpPr>
       <dsp:spPr>
-        <a:xfrm rot="435215">
-          <a:off x="3538866" y="2176798"/>
-          <a:ext cx="999611" cy="612804"/>
+        <a:xfrm rot="407493">
+          <a:off x="3560786" y="2169794"/>
+          <a:ext cx="1004904" cy="616504"/>
         </a:xfrm>
         <a:prstGeom prst="rightArrow">
           <a:avLst>
@@ -1320,8 +3514,8 @@
         </a:p>
       </dsp:txBody>
       <dsp:txXfrm>
-        <a:off x="3539602" y="2287753"/>
-        <a:ext cx="815770" cy="367682"/>
+        <a:off x="3561435" y="2282159"/>
+        <a:ext cx="819953" cy="369902"/>
       </dsp:txXfrm>
     </dsp:sp>
     <dsp:sp modelId="{AEAF7DE6-8EEC-CE48-8E94-8AE1EBBB2AED}">
@@ -1331,8 +3525,8 @@
       </dsp:nvSpPr>
       <dsp:spPr>
         <a:xfrm>
-          <a:off x="5188971" y="62033"/>
-          <a:ext cx="8510047" cy="5838720"/>
+          <a:off x="5220306" y="0"/>
+          <a:ext cx="8561437" cy="5873979"/>
         </a:xfrm>
         <a:prstGeom prst="roundRect">
           <a:avLst>
@@ -1530,8 +3724,8 @@
         </a:p>
       </dsp:txBody>
       <dsp:txXfrm>
-        <a:off x="5359981" y="233043"/>
-        <a:ext cx="8168027" cy="5496700"/>
+        <a:off x="5392349" y="172043"/>
+        <a:ext cx="8217351" cy="5529893"/>
       </dsp:txXfrm>
     </dsp:sp>
     <dsp:sp modelId="{EB4B7F01-2ECD-5F4B-8FA7-E5A322597B0C}">
@@ -1540,9 +3734,9 @@
         <dsp:cNvSpPr/>
       </dsp:nvSpPr>
       <dsp:spPr>
-        <a:xfrm rot="5393313">
-          <a:off x="9322574" y="7175000"/>
-          <a:ext cx="1765046" cy="934781"/>
+        <a:xfrm rot="5354864">
+          <a:off x="9522685" y="6775667"/>
+          <a:ext cx="1383913" cy="940425"/>
         </a:xfrm>
         <a:prstGeom prst="rightArrow">
           <a:avLst>
@@ -1631,8 +3825,8 @@
         </a:p>
       </dsp:txBody>
       <dsp:txXfrm>
-        <a:off x="9462518" y="7221739"/>
-        <a:ext cx="1484612" cy="560869"/>
+        <a:off x="9661896" y="6822701"/>
+        <a:ext cx="1101786" cy="564255"/>
       </dsp:txXfrm>
     </dsp:sp>
     <dsp:sp modelId="{05C41FFD-E163-1C4B-AE55-F0E05AF0A7C5}">
@@ -1642,8 +3836,8 @@
       </dsp:nvSpPr>
       <dsp:spPr>
         <a:xfrm>
-          <a:off x="8669136" y="9212495"/>
-          <a:ext cx="3160324" cy="2739361"/>
+          <a:off x="8721486" y="8467364"/>
+          <a:ext cx="3179408" cy="2755903"/>
         </a:xfrm>
         <a:prstGeom prst="roundRect">
           <a:avLst>
@@ -1697,8 +3891,1120 @@
         </a:p>
       </dsp:txBody>
       <dsp:txXfrm>
-        <a:off x="8749369" y="9292728"/>
-        <a:ext cx="2999858" cy="2578895"/>
+        <a:off x="8802204" y="8548082"/>
+        <a:ext cx="3017972" cy="2594467"/>
+      </dsp:txXfrm>
+    </dsp:sp>
+  </dsp:spTree>
+</dsp:drawing>
+</file>
+
+<file path=ppt/diagrams/drawing2.xml><?xml version="1.0" encoding="utf-8"?>
+<dsp:drawing xmlns:dgm="http://schemas.openxmlformats.org/drawingml/2006/diagram" xmlns:dsp="http://schemas.microsoft.com/office/drawing/2008/diagram" xmlns:a="http://schemas.openxmlformats.org/drawingml/2006/main">
+  <dsp:spTree>
+    <dsp:nvGrpSpPr>
+      <dsp:cNvPr id="0" name=""/>
+      <dsp:cNvGrpSpPr/>
+    </dsp:nvGrpSpPr>
+    <dsp:grpSpPr/>
+    <dsp:sp modelId="{8DA493F4-C877-5946-915E-D90EEF5E01FC}">
+      <dsp:nvSpPr>
+        <dsp:cNvPr id="0" name=""/>
+        <dsp:cNvSpPr/>
+      </dsp:nvSpPr>
+      <dsp:spPr>
+        <a:xfrm>
+          <a:off x="321173" y="0"/>
+          <a:ext cx="3010326" cy="4528849"/>
+        </a:xfrm>
+        <a:prstGeom prst="roundRect">
+          <a:avLst>
+            <a:gd name="adj" fmla="val 10000"/>
+          </a:avLst>
+        </a:prstGeom>
+        <a:solidFill>
+          <a:schemeClr val="accent4"/>
+        </a:solidFill>
+        <a:ln>
+          <a:noFill/>
+        </a:ln>
+        <a:effectLst/>
+      </dsp:spPr>
+      <dsp:style>
+        <a:lnRef idx="0">
+          <a:scrgbClr r="0" g="0" b="0"/>
+        </a:lnRef>
+        <a:fillRef idx="3">
+          <a:scrgbClr r="0" g="0" b="0"/>
+        </a:fillRef>
+        <a:effectRef idx="2">
+          <a:scrgbClr r="0" g="0" b="0"/>
+        </a:effectRef>
+        <a:fontRef idx="minor">
+          <a:schemeClr val="lt1"/>
+        </a:fontRef>
+      </dsp:style>
+      <dsp:txBody>
+        <a:bodyPr spcFirstLastPara="0" vert="horz" wrap="square" lIns="110490" tIns="110490" rIns="110490" bIns="110490" numCol="1" spcCol="1270" anchor="ctr" anchorCtr="0">
+          <a:noAutofit/>
+        </a:bodyPr>
+        <a:lstStyle/>
+        <a:p>
+          <a:pPr lvl="0" algn="ctr" defTabSz="1289050">
+            <a:lnSpc>
+              <a:spcPct val="90000"/>
+            </a:lnSpc>
+            <a:spcBef>
+              <a:spcPct val="0"/>
+            </a:spcBef>
+            <a:spcAft>
+              <a:spcPct val="35000"/>
+            </a:spcAft>
+          </a:pPr>
+          <a:endParaRPr lang="en-US" sz="2900" kern="1200" dirty="0">
+            <a:solidFill>
+              <a:schemeClr val="tx1"/>
+            </a:solidFill>
+          </a:endParaRPr>
+        </a:p>
+      </dsp:txBody>
+      <dsp:txXfrm>
+        <a:off x="409342" y="88169"/>
+        <a:ext cx="2833988" cy="4352511"/>
+      </dsp:txXfrm>
+    </dsp:sp>
+    <dsp:sp modelId="{F54E6447-8521-E941-8F7A-9743BF21EA3D}">
+      <dsp:nvSpPr>
+        <dsp:cNvPr id="0" name=""/>
+        <dsp:cNvSpPr/>
+      </dsp:nvSpPr>
+      <dsp:spPr>
+        <a:xfrm rot="407493">
+          <a:off x="3560786" y="2169794"/>
+          <a:ext cx="1004904" cy="616504"/>
+        </a:xfrm>
+        <a:prstGeom prst="rightArrow">
+          <a:avLst>
+            <a:gd name="adj1" fmla="val 60000"/>
+            <a:gd name="adj2" fmla="val 50000"/>
+          </a:avLst>
+        </a:prstGeom>
+        <a:gradFill rotWithShape="0">
+          <a:gsLst>
+            <a:gs pos="0">
+              <a:schemeClr val="accent1">
+                <a:tint val="60000"/>
+                <a:hueOff val="0"/>
+                <a:satOff val="0"/>
+                <a:lumOff val="0"/>
+                <a:alphaOff val="0"/>
+                <a:satMod val="103000"/>
+                <a:lumMod val="102000"/>
+                <a:tint val="94000"/>
+              </a:schemeClr>
+            </a:gs>
+            <a:gs pos="50000">
+              <a:schemeClr val="accent1">
+                <a:tint val="60000"/>
+                <a:hueOff val="0"/>
+                <a:satOff val="0"/>
+                <a:lumOff val="0"/>
+                <a:alphaOff val="0"/>
+                <a:satMod val="110000"/>
+                <a:lumMod val="100000"/>
+                <a:shade val="100000"/>
+              </a:schemeClr>
+            </a:gs>
+            <a:gs pos="100000">
+              <a:schemeClr val="accent1">
+                <a:tint val="60000"/>
+                <a:hueOff val="0"/>
+                <a:satOff val="0"/>
+                <a:lumOff val="0"/>
+                <a:alphaOff val="0"/>
+                <a:lumMod val="99000"/>
+                <a:satMod val="120000"/>
+                <a:shade val="78000"/>
+              </a:schemeClr>
+            </a:gs>
+          </a:gsLst>
+          <a:lin ang="5400000" scaled="0"/>
+        </a:gradFill>
+        <a:ln>
+          <a:noFill/>
+        </a:ln>
+        <a:effectLst/>
+      </dsp:spPr>
+      <dsp:style>
+        <a:lnRef idx="0">
+          <a:scrgbClr r="0" g="0" b="0"/>
+        </a:lnRef>
+        <a:fillRef idx="3">
+          <a:scrgbClr r="0" g="0" b="0"/>
+        </a:fillRef>
+        <a:effectRef idx="2">
+          <a:scrgbClr r="0" g="0" b="0"/>
+        </a:effectRef>
+        <a:fontRef idx="minor">
+          <a:schemeClr val="lt1"/>
+        </a:fontRef>
+      </dsp:style>
+      <dsp:txBody>
+        <a:bodyPr spcFirstLastPara="0" vert="horz" wrap="square" lIns="0" tIns="0" rIns="0" bIns="0" numCol="1" spcCol="1270" anchor="ctr" anchorCtr="0">
+          <a:noAutofit/>
+        </a:bodyPr>
+        <a:lstStyle/>
+        <a:p>
+          <a:pPr lvl="0" algn="ctr" defTabSz="1022350">
+            <a:lnSpc>
+              <a:spcPct val="90000"/>
+            </a:lnSpc>
+            <a:spcBef>
+              <a:spcPct val="0"/>
+            </a:spcBef>
+            <a:spcAft>
+              <a:spcPct val="35000"/>
+            </a:spcAft>
+          </a:pPr>
+          <a:endParaRPr lang="en-US" sz="2300" kern="1200"/>
+        </a:p>
+      </dsp:txBody>
+      <dsp:txXfrm>
+        <a:off x="3561435" y="2282159"/>
+        <a:ext cx="819953" cy="369902"/>
+      </dsp:txXfrm>
+    </dsp:sp>
+    <dsp:sp modelId="{AEAF7DE6-8EEC-CE48-8E94-8AE1EBBB2AED}">
+      <dsp:nvSpPr>
+        <dsp:cNvPr id="0" name=""/>
+        <dsp:cNvSpPr/>
+      </dsp:nvSpPr>
+      <dsp:spPr>
+        <a:xfrm>
+          <a:off x="5220306" y="0"/>
+          <a:ext cx="8561437" cy="5873979"/>
+        </a:xfrm>
+        <a:prstGeom prst="roundRect">
+          <a:avLst>
+            <a:gd name="adj" fmla="val 10000"/>
+          </a:avLst>
+        </a:prstGeom>
+        <a:solidFill>
+          <a:schemeClr val="accent4"/>
+        </a:solidFill>
+        <a:ln>
+          <a:noFill/>
+        </a:ln>
+        <a:effectLst/>
+      </dsp:spPr>
+      <dsp:style>
+        <a:lnRef idx="0">
+          <a:scrgbClr r="0" g="0" b="0"/>
+        </a:lnRef>
+        <a:fillRef idx="3">
+          <a:scrgbClr r="0" g="0" b="0"/>
+        </a:fillRef>
+        <a:effectRef idx="2">
+          <a:scrgbClr r="0" g="0" b="0"/>
+        </a:effectRef>
+        <a:fontRef idx="minor">
+          <a:schemeClr val="lt1"/>
+        </a:fontRef>
+      </dsp:style>
+      <dsp:txBody>
+        <a:bodyPr spcFirstLastPara="0" vert="horz" wrap="square" lIns="110490" tIns="110490" rIns="110490" bIns="110490" numCol="1" spcCol="1270" anchor="ctr" anchorCtr="0">
+          <a:noAutofit/>
+        </a:bodyPr>
+        <a:lstStyle/>
+        <a:p>
+          <a:pPr lvl="0" algn="ctr" defTabSz="1289050">
+            <a:lnSpc>
+              <a:spcPct val="90000"/>
+            </a:lnSpc>
+            <a:spcBef>
+              <a:spcPct val="0"/>
+            </a:spcBef>
+            <a:spcAft>
+              <a:spcPct val="35000"/>
+            </a:spcAft>
+          </a:pPr>
+          <a:endParaRPr lang="en-US" sz="2900" kern="1200" dirty="0" smtClean="0">
+            <a:solidFill>
+              <a:schemeClr val="tx1"/>
+            </a:solidFill>
+          </a:endParaRPr>
+        </a:p>
+        <a:p>
+          <a:pPr lvl="0" algn="ctr" defTabSz="1289050">
+            <a:lnSpc>
+              <a:spcPct val="90000"/>
+            </a:lnSpc>
+            <a:spcBef>
+              <a:spcPct val="0"/>
+            </a:spcBef>
+            <a:spcAft>
+              <a:spcPct val="35000"/>
+            </a:spcAft>
+          </a:pPr>
+          <a:endParaRPr lang="en-US" sz="2900" kern="1200" dirty="0" smtClean="0">
+            <a:solidFill>
+              <a:schemeClr val="tx1"/>
+            </a:solidFill>
+          </a:endParaRPr>
+        </a:p>
+        <a:p>
+          <a:pPr lvl="0" algn="ctr" defTabSz="1289050">
+            <a:lnSpc>
+              <a:spcPct val="90000"/>
+            </a:lnSpc>
+            <a:spcBef>
+              <a:spcPct val="0"/>
+            </a:spcBef>
+            <a:spcAft>
+              <a:spcPct val="35000"/>
+            </a:spcAft>
+          </a:pPr>
+          <a:endParaRPr lang="en-US" sz="2900" kern="1200" dirty="0" smtClean="0">
+            <a:solidFill>
+              <a:schemeClr val="tx1"/>
+            </a:solidFill>
+          </a:endParaRPr>
+        </a:p>
+        <a:p>
+          <a:pPr lvl="0" algn="ctr" defTabSz="1289050">
+            <a:lnSpc>
+              <a:spcPct val="90000"/>
+            </a:lnSpc>
+            <a:spcBef>
+              <a:spcPct val="0"/>
+            </a:spcBef>
+            <a:spcAft>
+              <a:spcPct val="35000"/>
+            </a:spcAft>
+          </a:pPr>
+          <a:endParaRPr lang="en-US" sz="2900" kern="1200" dirty="0" smtClean="0">
+            <a:solidFill>
+              <a:schemeClr val="tx1"/>
+            </a:solidFill>
+          </a:endParaRPr>
+        </a:p>
+        <a:p>
+          <a:pPr lvl="0" algn="ctr" defTabSz="1289050">
+            <a:lnSpc>
+              <a:spcPct val="90000"/>
+            </a:lnSpc>
+            <a:spcBef>
+              <a:spcPct val="0"/>
+            </a:spcBef>
+            <a:spcAft>
+              <a:spcPct val="35000"/>
+            </a:spcAft>
+          </a:pPr>
+          <a:endParaRPr lang="en-US" sz="2900" kern="1200" dirty="0" smtClean="0">
+            <a:solidFill>
+              <a:schemeClr val="tx1"/>
+            </a:solidFill>
+          </a:endParaRPr>
+        </a:p>
+        <a:p>
+          <a:pPr lvl="0" algn="ctr" defTabSz="1289050">
+            <a:lnSpc>
+              <a:spcPct val="90000"/>
+            </a:lnSpc>
+            <a:spcBef>
+              <a:spcPct val="0"/>
+            </a:spcBef>
+            <a:spcAft>
+              <a:spcPct val="35000"/>
+            </a:spcAft>
+          </a:pPr>
+          <a:endParaRPr lang="en-US" sz="2900" kern="1200" dirty="0" smtClean="0">
+            <a:solidFill>
+              <a:schemeClr val="tx1"/>
+            </a:solidFill>
+          </a:endParaRPr>
+        </a:p>
+        <a:p>
+          <a:pPr lvl="0" algn="ctr" defTabSz="1289050">
+            <a:lnSpc>
+              <a:spcPct val="90000"/>
+            </a:lnSpc>
+            <a:spcBef>
+              <a:spcPct val="0"/>
+            </a:spcBef>
+            <a:spcAft>
+              <a:spcPct val="35000"/>
+            </a:spcAft>
+          </a:pPr>
+          <a:endParaRPr lang="en-US" sz="2900" kern="1200" dirty="0" smtClean="0">
+            <a:solidFill>
+              <a:schemeClr val="tx1"/>
+            </a:solidFill>
+          </a:endParaRPr>
+        </a:p>
+        <a:p>
+          <a:pPr lvl="0" algn="ctr" defTabSz="1289050">
+            <a:lnSpc>
+              <a:spcPct val="90000"/>
+            </a:lnSpc>
+            <a:spcBef>
+              <a:spcPct val="0"/>
+            </a:spcBef>
+            <a:spcAft>
+              <a:spcPct val="35000"/>
+            </a:spcAft>
+          </a:pPr>
+          <a:endParaRPr lang="en-US" sz="2900" kern="1200" dirty="0" smtClean="0">
+            <a:solidFill>
+              <a:schemeClr val="tx1"/>
+            </a:solidFill>
+          </a:endParaRPr>
+        </a:p>
+        <a:p>
+          <a:pPr lvl="0" algn="ctr" defTabSz="1289050">
+            <a:lnSpc>
+              <a:spcPct val="90000"/>
+            </a:lnSpc>
+            <a:spcBef>
+              <a:spcPct val="0"/>
+            </a:spcBef>
+            <a:spcAft>
+              <a:spcPct val="35000"/>
+            </a:spcAft>
+          </a:pPr>
+          <a:endParaRPr lang="en-US" sz="2900" kern="1200" dirty="0">
+            <a:solidFill>
+              <a:schemeClr val="tx1"/>
+            </a:solidFill>
+          </a:endParaRPr>
+        </a:p>
+      </dsp:txBody>
+      <dsp:txXfrm>
+        <a:off x="5392349" y="172043"/>
+        <a:ext cx="8217351" cy="5529893"/>
+      </dsp:txXfrm>
+    </dsp:sp>
+    <dsp:sp modelId="{EB4B7F01-2ECD-5F4B-8FA7-E5A322597B0C}">
+      <dsp:nvSpPr>
+        <dsp:cNvPr id="0" name=""/>
+        <dsp:cNvSpPr/>
+      </dsp:nvSpPr>
+      <dsp:spPr>
+        <a:xfrm rot="5354864">
+          <a:off x="9522685" y="6775667"/>
+          <a:ext cx="1383913" cy="940425"/>
+        </a:xfrm>
+        <a:prstGeom prst="rightArrow">
+          <a:avLst>
+            <a:gd name="adj1" fmla="val 60000"/>
+            <a:gd name="adj2" fmla="val 50000"/>
+          </a:avLst>
+        </a:prstGeom>
+        <a:gradFill rotWithShape="0">
+          <a:gsLst>
+            <a:gs pos="0">
+              <a:schemeClr val="accent1">
+                <a:tint val="60000"/>
+                <a:hueOff val="0"/>
+                <a:satOff val="0"/>
+                <a:lumOff val="0"/>
+                <a:alphaOff val="0"/>
+                <a:satMod val="103000"/>
+                <a:lumMod val="102000"/>
+                <a:tint val="94000"/>
+              </a:schemeClr>
+            </a:gs>
+            <a:gs pos="50000">
+              <a:schemeClr val="accent1">
+                <a:tint val="60000"/>
+                <a:hueOff val="0"/>
+                <a:satOff val="0"/>
+                <a:lumOff val="0"/>
+                <a:alphaOff val="0"/>
+                <a:satMod val="110000"/>
+                <a:lumMod val="100000"/>
+                <a:shade val="100000"/>
+              </a:schemeClr>
+            </a:gs>
+            <a:gs pos="100000">
+              <a:schemeClr val="accent1">
+                <a:tint val="60000"/>
+                <a:hueOff val="0"/>
+                <a:satOff val="0"/>
+                <a:lumOff val="0"/>
+                <a:alphaOff val="0"/>
+                <a:lumMod val="99000"/>
+                <a:satMod val="120000"/>
+                <a:shade val="78000"/>
+              </a:schemeClr>
+            </a:gs>
+          </a:gsLst>
+          <a:lin ang="5400000" scaled="0"/>
+        </a:gradFill>
+        <a:ln>
+          <a:noFill/>
+        </a:ln>
+        <a:effectLst/>
+      </dsp:spPr>
+      <dsp:style>
+        <a:lnRef idx="0">
+          <a:scrgbClr r="0" g="0" b="0"/>
+        </a:lnRef>
+        <a:fillRef idx="3">
+          <a:scrgbClr r="0" g="0" b="0"/>
+        </a:fillRef>
+        <a:effectRef idx="2">
+          <a:scrgbClr r="0" g="0" b="0"/>
+        </a:effectRef>
+        <a:fontRef idx="minor">
+          <a:schemeClr val="lt1"/>
+        </a:fontRef>
+      </dsp:style>
+      <dsp:txBody>
+        <a:bodyPr spcFirstLastPara="0" vert="horz" wrap="square" lIns="0" tIns="0" rIns="0" bIns="0" numCol="1" spcCol="1270" anchor="ctr" anchorCtr="0">
+          <a:noAutofit/>
+        </a:bodyPr>
+        <a:lstStyle/>
+        <a:p>
+          <a:pPr lvl="0" algn="ctr" defTabSz="1022350">
+            <a:lnSpc>
+              <a:spcPct val="90000"/>
+            </a:lnSpc>
+            <a:spcBef>
+              <a:spcPct val="0"/>
+            </a:spcBef>
+            <a:spcAft>
+              <a:spcPct val="35000"/>
+            </a:spcAft>
+          </a:pPr>
+          <a:endParaRPr lang="en-US" sz="2300" kern="1200"/>
+        </a:p>
+      </dsp:txBody>
+      <dsp:txXfrm>
+        <a:off x="9661896" y="6822701"/>
+        <a:ext cx="1101786" cy="564255"/>
+      </dsp:txXfrm>
+    </dsp:sp>
+    <dsp:sp modelId="{05C41FFD-E163-1C4B-AE55-F0E05AF0A7C5}">
+      <dsp:nvSpPr>
+        <dsp:cNvPr id="0" name=""/>
+        <dsp:cNvSpPr/>
+      </dsp:nvSpPr>
+      <dsp:spPr>
+        <a:xfrm>
+          <a:off x="8721486" y="8467364"/>
+          <a:ext cx="3179408" cy="2755903"/>
+        </a:xfrm>
+        <a:prstGeom prst="roundRect">
+          <a:avLst>
+            <a:gd name="adj" fmla="val 10000"/>
+          </a:avLst>
+        </a:prstGeom>
+        <a:solidFill>
+          <a:schemeClr val="accent4"/>
+        </a:solidFill>
+        <a:ln>
+          <a:noFill/>
+        </a:ln>
+        <a:effectLst/>
+      </dsp:spPr>
+      <dsp:style>
+        <a:lnRef idx="0">
+          <a:scrgbClr r="0" g="0" b="0"/>
+        </a:lnRef>
+        <a:fillRef idx="3">
+          <a:scrgbClr r="0" g="0" b="0"/>
+        </a:fillRef>
+        <a:effectRef idx="2">
+          <a:scrgbClr r="0" g="0" b="0"/>
+        </a:effectRef>
+        <a:fontRef idx="minor">
+          <a:schemeClr val="lt1"/>
+        </a:fontRef>
+      </dsp:style>
+      <dsp:txBody>
+        <a:bodyPr spcFirstLastPara="0" vert="horz" wrap="square" lIns="110490" tIns="110490" rIns="110490" bIns="110490" numCol="1" spcCol="1270" anchor="ctr" anchorCtr="0">
+          <a:noAutofit/>
+        </a:bodyPr>
+        <a:lstStyle/>
+        <a:p>
+          <a:pPr lvl="0" algn="ctr" defTabSz="1289050">
+            <a:lnSpc>
+              <a:spcPct val="90000"/>
+            </a:lnSpc>
+            <a:spcBef>
+              <a:spcPct val="0"/>
+            </a:spcBef>
+            <a:spcAft>
+              <a:spcPct val="35000"/>
+            </a:spcAft>
+          </a:pPr>
+          <a:endParaRPr lang="en-US" sz="2900" kern="1200" dirty="0" smtClean="0">
+            <a:solidFill>
+              <a:schemeClr val="tx1"/>
+            </a:solidFill>
+          </a:endParaRPr>
+        </a:p>
+      </dsp:txBody>
+      <dsp:txXfrm>
+        <a:off x="8802204" y="8548082"/>
+        <a:ext cx="3017972" cy="2594467"/>
+      </dsp:txXfrm>
+    </dsp:sp>
+  </dsp:spTree>
+</dsp:drawing>
+</file>
+
+<file path=ppt/diagrams/drawing3.xml><?xml version="1.0" encoding="utf-8"?>
+<dsp:drawing xmlns:dgm="http://schemas.openxmlformats.org/drawingml/2006/diagram" xmlns:dsp="http://schemas.microsoft.com/office/drawing/2008/diagram" xmlns:a="http://schemas.openxmlformats.org/drawingml/2006/main">
+  <dsp:spTree>
+    <dsp:nvGrpSpPr>
+      <dsp:cNvPr id="0" name=""/>
+      <dsp:cNvGrpSpPr/>
+    </dsp:nvGrpSpPr>
+    <dsp:grpSpPr/>
+    <dsp:sp modelId="{8DA493F4-C877-5946-915E-D90EEF5E01FC}">
+      <dsp:nvSpPr>
+        <dsp:cNvPr id="0" name=""/>
+        <dsp:cNvSpPr/>
+      </dsp:nvSpPr>
+      <dsp:spPr>
+        <a:xfrm>
+          <a:off x="486712" y="0"/>
+          <a:ext cx="2867764" cy="4314373"/>
+        </a:xfrm>
+        <a:prstGeom prst="roundRect">
+          <a:avLst>
+            <a:gd name="adj" fmla="val 10000"/>
+          </a:avLst>
+        </a:prstGeom>
+        <a:solidFill>
+          <a:schemeClr val="accent4"/>
+        </a:solidFill>
+        <a:ln>
+          <a:noFill/>
+        </a:ln>
+        <a:effectLst/>
+      </dsp:spPr>
+      <dsp:style>
+        <a:lnRef idx="0">
+          <a:scrgbClr r="0" g="0" b="0"/>
+        </a:lnRef>
+        <a:fillRef idx="3">
+          <a:scrgbClr r="0" g="0" b="0"/>
+        </a:fillRef>
+        <a:effectRef idx="2">
+          <a:scrgbClr r="0" g="0" b="0"/>
+        </a:effectRef>
+        <a:fontRef idx="minor">
+          <a:schemeClr val="lt1"/>
+        </a:fontRef>
+      </dsp:style>
+      <dsp:txBody>
+        <a:bodyPr spcFirstLastPara="0" vert="horz" wrap="square" lIns="102870" tIns="102870" rIns="102870" bIns="102870" numCol="1" spcCol="1270" anchor="ctr" anchorCtr="0">
+          <a:noAutofit/>
+        </a:bodyPr>
+        <a:lstStyle/>
+        <a:p>
+          <a:pPr lvl="0" algn="ctr" defTabSz="1200150">
+            <a:lnSpc>
+              <a:spcPct val="90000"/>
+            </a:lnSpc>
+            <a:spcBef>
+              <a:spcPct val="0"/>
+            </a:spcBef>
+            <a:spcAft>
+              <a:spcPct val="35000"/>
+            </a:spcAft>
+          </a:pPr>
+          <a:endParaRPr lang="en-US" sz="2700" kern="1200" dirty="0">
+            <a:solidFill>
+              <a:schemeClr val="tx1"/>
+            </a:solidFill>
+          </a:endParaRPr>
+        </a:p>
+      </dsp:txBody>
+      <dsp:txXfrm>
+        <a:off x="570706" y="83994"/>
+        <a:ext cx="2699776" cy="4146385"/>
+      </dsp:txXfrm>
+    </dsp:sp>
+    <dsp:sp modelId="{F54E6447-8521-E941-8F7A-9743BF21EA3D}">
+      <dsp:nvSpPr>
+        <dsp:cNvPr id="0" name=""/>
+        <dsp:cNvSpPr/>
+      </dsp:nvSpPr>
+      <dsp:spPr>
+        <a:xfrm rot="383626">
+          <a:off x="3650414" y="2076859"/>
+          <a:ext cx="1293808" cy="587308"/>
+        </a:xfrm>
+        <a:prstGeom prst="rightArrow">
+          <a:avLst>
+            <a:gd name="adj1" fmla="val 60000"/>
+            <a:gd name="adj2" fmla="val 50000"/>
+          </a:avLst>
+        </a:prstGeom>
+        <a:gradFill rotWithShape="0">
+          <a:gsLst>
+            <a:gs pos="0">
+              <a:schemeClr val="accent1">
+                <a:tint val="60000"/>
+                <a:hueOff val="0"/>
+                <a:satOff val="0"/>
+                <a:lumOff val="0"/>
+                <a:alphaOff val="0"/>
+                <a:satMod val="103000"/>
+                <a:lumMod val="102000"/>
+                <a:tint val="94000"/>
+              </a:schemeClr>
+            </a:gs>
+            <a:gs pos="50000">
+              <a:schemeClr val="accent1">
+                <a:tint val="60000"/>
+                <a:hueOff val="0"/>
+                <a:satOff val="0"/>
+                <a:lumOff val="0"/>
+                <a:alphaOff val="0"/>
+                <a:satMod val="110000"/>
+                <a:lumMod val="100000"/>
+                <a:shade val="100000"/>
+              </a:schemeClr>
+            </a:gs>
+            <a:gs pos="100000">
+              <a:schemeClr val="accent1">
+                <a:tint val="60000"/>
+                <a:hueOff val="0"/>
+                <a:satOff val="0"/>
+                <a:lumOff val="0"/>
+                <a:alphaOff val="0"/>
+                <a:lumMod val="99000"/>
+                <a:satMod val="120000"/>
+                <a:shade val="78000"/>
+              </a:schemeClr>
+            </a:gs>
+          </a:gsLst>
+          <a:lin ang="5400000" scaled="0"/>
+        </a:gradFill>
+        <a:ln>
+          <a:noFill/>
+        </a:ln>
+        <a:effectLst/>
+      </dsp:spPr>
+      <dsp:style>
+        <a:lnRef idx="0">
+          <a:scrgbClr r="0" g="0" b="0"/>
+        </a:lnRef>
+        <a:fillRef idx="3">
+          <a:scrgbClr r="0" g="0" b="0"/>
+        </a:fillRef>
+        <a:effectRef idx="2">
+          <a:scrgbClr r="0" g="0" b="0"/>
+        </a:effectRef>
+        <a:fontRef idx="minor">
+          <a:schemeClr val="lt1"/>
+        </a:fontRef>
+      </dsp:style>
+      <dsp:txBody>
+        <a:bodyPr spcFirstLastPara="0" vert="horz" wrap="square" lIns="0" tIns="0" rIns="0" bIns="0" numCol="1" spcCol="1270" anchor="ctr" anchorCtr="0">
+          <a:noAutofit/>
+        </a:bodyPr>
+        <a:lstStyle/>
+        <a:p>
+          <a:pPr lvl="0" algn="ctr" defTabSz="977900">
+            <a:lnSpc>
+              <a:spcPct val="90000"/>
+            </a:lnSpc>
+            <a:spcBef>
+              <a:spcPct val="0"/>
+            </a:spcBef>
+            <a:spcAft>
+              <a:spcPct val="35000"/>
+            </a:spcAft>
+          </a:pPr>
+          <a:endParaRPr lang="en-US" sz="2200" kern="1200"/>
+        </a:p>
+      </dsp:txBody>
+      <dsp:txXfrm>
+        <a:off x="3650962" y="2184511"/>
+        <a:ext cx="1117616" cy="352384"/>
+      </dsp:txXfrm>
+    </dsp:sp>
+    <dsp:sp modelId="{AEAF7DE6-8EEC-CE48-8E94-8AE1EBBB2AED}">
+      <dsp:nvSpPr>
+        <dsp:cNvPr id="0" name=""/>
+        <dsp:cNvSpPr/>
+      </dsp:nvSpPr>
+      <dsp:spPr>
+        <a:xfrm>
+          <a:off x="5787724" y="0"/>
+          <a:ext cx="8155987" cy="5595801"/>
+        </a:xfrm>
+        <a:prstGeom prst="roundRect">
+          <a:avLst>
+            <a:gd name="adj" fmla="val 10000"/>
+          </a:avLst>
+        </a:prstGeom>
+        <a:solidFill>
+          <a:schemeClr val="accent4"/>
+        </a:solidFill>
+        <a:ln>
+          <a:noFill/>
+        </a:ln>
+        <a:effectLst/>
+      </dsp:spPr>
+      <dsp:style>
+        <a:lnRef idx="0">
+          <a:scrgbClr r="0" g="0" b="0"/>
+        </a:lnRef>
+        <a:fillRef idx="3">
+          <a:scrgbClr r="0" g="0" b="0"/>
+        </a:fillRef>
+        <a:effectRef idx="2">
+          <a:scrgbClr r="0" g="0" b="0"/>
+        </a:effectRef>
+        <a:fontRef idx="minor">
+          <a:schemeClr val="lt1"/>
+        </a:fontRef>
+      </dsp:style>
+      <dsp:txBody>
+        <a:bodyPr spcFirstLastPara="0" vert="horz" wrap="square" lIns="102870" tIns="102870" rIns="102870" bIns="102870" numCol="1" spcCol="1270" anchor="ctr" anchorCtr="0">
+          <a:noAutofit/>
+        </a:bodyPr>
+        <a:lstStyle/>
+        <a:p>
+          <a:pPr lvl="0" algn="ctr" defTabSz="1200150">
+            <a:lnSpc>
+              <a:spcPct val="90000"/>
+            </a:lnSpc>
+            <a:spcBef>
+              <a:spcPct val="0"/>
+            </a:spcBef>
+            <a:spcAft>
+              <a:spcPct val="35000"/>
+            </a:spcAft>
+          </a:pPr>
+          <a:endParaRPr lang="en-US" sz="2700" kern="1200" dirty="0" smtClean="0">
+            <a:solidFill>
+              <a:schemeClr val="tx1"/>
+            </a:solidFill>
+          </a:endParaRPr>
+        </a:p>
+        <a:p>
+          <a:pPr lvl="0" algn="ctr" defTabSz="1200150">
+            <a:lnSpc>
+              <a:spcPct val="90000"/>
+            </a:lnSpc>
+            <a:spcBef>
+              <a:spcPct val="0"/>
+            </a:spcBef>
+            <a:spcAft>
+              <a:spcPct val="35000"/>
+            </a:spcAft>
+          </a:pPr>
+          <a:endParaRPr lang="en-US" sz="2700" kern="1200" dirty="0" smtClean="0">
+            <a:solidFill>
+              <a:schemeClr val="tx1"/>
+            </a:solidFill>
+          </a:endParaRPr>
+        </a:p>
+        <a:p>
+          <a:pPr lvl="0" algn="ctr" defTabSz="1200150">
+            <a:lnSpc>
+              <a:spcPct val="90000"/>
+            </a:lnSpc>
+            <a:spcBef>
+              <a:spcPct val="0"/>
+            </a:spcBef>
+            <a:spcAft>
+              <a:spcPct val="35000"/>
+            </a:spcAft>
+          </a:pPr>
+          <a:endParaRPr lang="en-US" sz="2700" kern="1200" dirty="0" smtClean="0">
+            <a:solidFill>
+              <a:schemeClr val="tx1"/>
+            </a:solidFill>
+          </a:endParaRPr>
+        </a:p>
+        <a:p>
+          <a:pPr lvl="0" algn="ctr" defTabSz="1200150">
+            <a:lnSpc>
+              <a:spcPct val="90000"/>
+            </a:lnSpc>
+            <a:spcBef>
+              <a:spcPct val="0"/>
+            </a:spcBef>
+            <a:spcAft>
+              <a:spcPct val="35000"/>
+            </a:spcAft>
+          </a:pPr>
+          <a:endParaRPr lang="en-US" sz="2700" kern="1200" dirty="0" smtClean="0">
+            <a:solidFill>
+              <a:schemeClr val="tx1"/>
+            </a:solidFill>
+          </a:endParaRPr>
+        </a:p>
+        <a:p>
+          <a:pPr lvl="0" algn="ctr" defTabSz="1200150">
+            <a:lnSpc>
+              <a:spcPct val="90000"/>
+            </a:lnSpc>
+            <a:spcBef>
+              <a:spcPct val="0"/>
+            </a:spcBef>
+            <a:spcAft>
+              <a:spcPct val="35000"/>
+            </a:spcAft>
+          </a:pPr>
+          <a:endParaRPr lang="en-US" sz="2700" kern="1200" dirty="0" smtClean="0">
+            <a:solidFill>
+              <a:schemeClr val="tx1"/>
+            </a:solidFill>
+          </a:endParaRPr>
+        </a:p>
+        <a:p>
+          <a:pPr lvl="0" algn="ctr" defTabSz="1200150">
+            <a:lnSpc>
+              <a:spcPct val="90000"/>
+            </a:lnSpc>
+            <a:spcBef>
+              <a:spcPct val="0"/>
+            </a:spcBef>
+            <a:spcAft>
+              <a:spcPct val="35000"/>
+            </a:spcAft>
+          </a:pPr>
+          <a:endParaRPr lang="en-US" sz="2700" kern="1200" dirty="0" smtClean="0">
+            <a:solidFill>
+              <a:schemeClr val="tx1"/>
+            </a:solidFill>
+          </a:endParaRPr>
+        </a:p>
+        <a:p>
+          <a:pPr lvl="0" algn="ctr" defTabSz="1200150">
+            <a:lnSpc>
+              <a:spcPct val="90000"/>
+            </a:lnSpc>
+            <a:spcBef>
+              <a:spcPct val="0"/>
+            </a:spcBef>
+            <a:spcAft>
+              <a:spcPct val="35000"/>
+            </a:spcAft>
+          </a:pPr>
+          <a:endParaRPr lang="en-US" sz="2700" kern="1200" dirty="0" smtClean="0">
+            <a:solidFill>
+              <a:schemeClr val="tx1"/>
+            </a:solidFill>
+          </a:endParaRPr>
+        </a:p>
+        <a:p>
+          <a:pPr lvl="0" algn="ctr" defTabSz="1200150">
+            <a:lnSpc>
+              <a:spcPct val="90000"/>
+            </a:lnSpc>
+            <a:spcBef>
+              <a:spcPct val="0"/>
+            </a:spcBef>
+            <a:spcAft>
+              <a:spcPct val="35000"/>
+            </a:spcAft>
+          </a:pPr>
+          <a:endParaRPr lang="en-US" sz="2700" kern="1200" dirty="0" smtClean="0">
+            <a:solidFill>
+              <a:schemeClr val="tx1"/>
+            </a:solidFill>
+          </a:endParaRPr>
+        </a:p>
+        <a:p>
+          <a:pPr lvl="0" algn="ctr" defTabSz="1200150">
+            <a:lnSpc>
+              <a:spcPct val="90000"/>
+            </a:lnSpc>
+            <a:spcBef>
+              <a:spcPct val="0"/>
+            </a:spcBef>
+            <a:spcAft>
+              <a:spcPct val="35000"/>
+            </a:spcAft>
+          </a:pPr>
+          <a:endParaRPr lang="en-US" sz="2700" kern="1200" dirty="0">
+            <a:solidFill>
+              <a:schemeClr val="tx1"/>
+            </a:solidFill>
+          </a:endParaRPr>
+        </a:p>
+      </dsp:txBody>
+      <dsp:txXfrm>
+        <a:off x="5951619" y="163895"/>
+        <a:ext cx="7828197" cy="5268011"/>
+      </dsp:txXfrm>
+    </dsp:sp>
+    <dsp:sp modelId="{EB4B7F01-2ECD-5F4B-8FA7-E5A322597B0C}">
+      <dsp:nvSpPr>
+        <dsp:cNvPr id="0" name=""/>
+        <dsp:cNvSpPr/>
+      </dsp:nvSpPr>
+      <dsp:spPr>
+        <a:xfrm rot="9644637">
+          <a:off x="4527190" y="4728228"/>
+          <a:ext cx="1028434" cy="895889"/>
+        </a:xfrm>
+        <a:prstGeom prst="rightArrow">
+          <a:avLst>
+            <a:gd name="adj1" fmla="val 60000"/>
+            <a:gd name="adj2" fmla="val 50000"/>
+          </a:avLst>
+        </a:prstGeom>
+        <a:gradFill rotWithShape="0">
+          <a:gsLst>
+            <a:gs pos="0">
+              <a:schemeClr val="accent1">
+                <a:tint val="60000"/>
+                <a:hueOff val="0"/>
+                <a:satOff val="0"/>
+                <a:lumOff val="0"/>
+                <a:alphaOff val="0"/>
+                <a:satMod val="103000"/>
+                <a:lumMod val="102000"/>
+                <a:tint val="94000"/>
+              </a:schemeClr>
+            </a:gs>
+            <a:gs pos="50000">
+              <a:schemeClr val="accent1">
+                <a:tint val="60000"/>
+                <a:hueOff val="0"/>
+                <a:satOff val="0"/>
+                <a:lumOff val="0"/>
+                <a:alphaOff val="0"/>
+                <a:satMod val="110000"/>
+                <a:lumMod val="100000"/>
+                <a:shade val="100000"/>
+              </a:schemeClr>
+            </a:gs>
+            <a:gs pos="100000">
+              <a:schemeClr val="accent1">
+                <a:tint val="60000"/>
+                <a:hueOff val="0"/>
+                <a:satOff val="0"/>
+                <a:lumOff val="0"/>
+                <a:alphaOff val="0"/>
+                <a:lumMod val="99000"/>
+                <a:satMod val="120000"/>
+                <a:shade val="78000"/>
+              </a:schemeClr>
+            </a:gs>
+          </a:gsLst>
+          <a:lin ang="5400000" scaled="0"/>
+        </a:gradFill>
+        <a:ln>
+          <a:noFill/>
+        </a:ln>
+        <a:effectLst/>
+      </dsp:spPr>
+      <dsp:style>
+        <a:lnRef idx="0">
+          <a:scrgbClr r="0" g="0" b="0"/>
+        </a:lnRef>
+        <a:fillRef idx="3">
+          <a:scrgbClr r="0" g="0" b="0"/>
+        </a:fillRef>
+        <a:effectRef idx="2">
+          <a:scrgbClr r="0" g="0" b="0"/>
+        </a:effectRef>
+        <a:fontRef idx="minor">
+          <a:schemeClr val="lt1"/>
+        </a:fontRef>
+      </dsp:style>
+      <dsp:txBody>
+        <a:bodyPr spcFirstLastPara="0" vert="horz" wrap="square" lIns="0" tIns="0" rIns="0" bIns="0" numCol="1" spcCol="1270" anchor="ctr" anchorCtr="0">
+          <a:noAutofit/>
+        </a:bodyPr>
+        <a:lstStyle/>
+        <a:p>
+          <a:pPr lvl="0" algn="ctr" defTabSz="977900">
+            <a:lnSpc>
+              <a:spcPct val="90000"/>
+            </a:lnSpc>
+            <a:spcBef>
+              <a:spcPct val="0"/>
+            </a:spcBef>
+            <a:spcAft>
+              <a:spcPct val="35000"/>
+            </a:spcAft>
+          </a:pPr>
+          <a:endParaRPr lang="en-US" sz="2200" kern="1200"/>
+        </a:p>
+      </dsp:txBody>
+      <dsp:txXfrm rot="10800000">
+        <a:off x="4788439" y="4863088"/>
+        <a:ext cx="759667" cy="537533"/>
+      </dsp:txXfrm>
+    </dsp:sp>
+    <dsp:sp modelId="{05C41FFD-E163-1C4B-AE55-F0E05AF0A7C5}">
+      <dsp:nvSpPr>
+        <dsp:cNvPr id="0" name=""/>
+        <dsp:cNvSpPr/>
+      </dsp:nvSpPr>
+      <dsp:spPr>
+        <a:xfrm>
+          <a:off x="1003013" y="4941875"/>
+          <a:ext cx="3028839" cy="2625390"/>
+        </a:xfrm>
+        <a:prstGeom prst="roundRect">
+          <a:avLst>
+            <a:gd name="adj" fmla="val 10000"/>
+          </a:avLst>
+        </a:prstGeom>
+        <a:solidFill>
+          <a:schemeClr val="accent4"/>
+        </a:solidFill>
+        <a:ln>
+          <a:noFill/>
+        </a:ln>
+        <a:effectLst/>
+      </dsp:spPr>
+      <dsp:style>
+        <a:lnRef idx="0">
+          <a:scrgbClr r="0" g="0" b="0"/>
+        </a:lnRef>
+        <a:fillRef idx="3">
+          <a:scrgbClr r="0" g="0" b="0"/>
+        </a:fillRef>
+        <a:effectRef idx="2">
+          <a:scrgbClr r="0" g="0" b="0"/>
+        </a:effectRef>
+        <a:fontRef idx="minor">
+          <a:schemeClr val="lt1"/>
+        </a:fontRef>
+      </dsp:style>
+      <dsp:txBody>
+        <a:bodyPr spcFirstLastPara="0" vert="horz" wrap="square" lIns="102870" tIns="102870" rIns="102870" bIns="102870" numCol="1" spcCol="1270" anchor="ctr" anchorCtr="0">
+          <a:noAutofit/>
+        </a:bodyPr>
+        <a:lstStyle/>
+        <a:p>
+          <a:pPr lvl="0" algn="ctr" defTabSz="1200150">
+            <a:lnSpc>
+              <a:spcPct val="90000"/>
+            </a:lnSpc>
+            <a:spcBef>
+              <a:spcPct val="0"/>
+            </a:spcBef>
+            <a:spcAft>
+              <a:spcPct val="35000"/>
+            </a:spcAft>
+          </a:pPr>
+          <a:endParaRPr lang="en-US" sz="2700" kern="1200" dirty="0" smtClean="0">
+            <a:solidFill>
+              <a:schemeClr val="tx1"/>
+            </a:solidFill>
+          </a:endParaRPr>
+        </a:p>
+      </dsp:txBody>
+      <dsp:txXfrm>
+        <a:off x="1079908" y="5018770"/>
+        <a:ext cx="2875049" cy="2471600"/>
       </dsp:txXfrm>
     </dsp:sp>
   </dsp:spTree>
@@ -1706,6 +5012,298 @@
 </file>
 
 <file path=ppt/diagrams/layout1.xml><?xml version="1.0" encoding="utf-8"?>
+<dgm:layoutDef xmlns:dgm="http://schemas.openxmlformats.org/drawingml/2006/diagram" xmlns:a="http://schemas.openxmlformats.org/drawingml/2006/main" uniqueId="urn:microsoft.com/office/officeart/2005/8/layout/process1">
+  <dgm:title val=""/>
+  <dgm:desc val=""/>
+  <dgm:catLst>
+    <dgm:cat type="process" pri="1000"/>
+    <dgm:cat type="convert" pri="15000"/>
+  </dgm:catLst>
+  <dgm:sampData useDef="1">
+    <dgm:dataModel>
+      <dgm:ptLst/>
+      <dgm:bg/>
+      <dgm:whole/>
+    </dgm:dataModel>
+  </dgm:sampData>
+  <dgm:styleData>
+    <dgm:dataModel>
+      <dgm:ptLst>
+        <dgm:pt modelId="0" type="doc"/>
+        <dgm:pt modelId="1"/>
+        <dgm:pt modelId="2"/>
+      </dgm:ptLst>
+      <dgm:cxnLst>
+        <dgm:cxn modelId="3" srcId="0" destId="1" srcOrd="0" destOrd="0"/>
+        <dgm:cxn modelId="4" srcId="0" destId="2" srcOrd="1" destOrd="0"/>
+      </dgm:cxnLst>
+      <dgm:bg/>
+      <dgm:whole/>
+    </dgm:dataModel>
+  </dgm:styleData>
+  <dgm:clrData>
+    <dgm:dataModel>
+      <dgm:ptLst>
+        <dgm:pt modelId="0" type="doc"/>
+        <dgm:pt modelId="1"/>
+        <dgm:pt modelId="2"/>
+        <dgm:pt modelId="3"/>
+        <dgm:pt modelId="4"/>
+      </dgm:ptLst>
+      <dgm:cxnLst>
+        <dgm:cxn modelId="5" srcId="0" destId="1" srcOrd="0" destOrd="0"/>
+        <dgm:cxn modelId="6" srcId="0" destId="2" srcOrd="1" destOrd="0"/>
+        <dgm:cxn modelId="7" srcId="0" destId="3" srcOrd="2" destOrd="0"/>
+        <dgm:cxn modelId="8" srcId="0" destId="4" srcOrd="3" destOrd="0"/>
+      </dgm:cxnLst>
+      <dgm:bg/>
+      <dgm:whole/>
+    </dgm:dataModel>
+  </dgm:clrData>
+  <dgm:layoutNode name="Name0">
+    <dgm:varLst>
+      <dgm:dir/>
+      <dgm:resizeHandles val="exact"/>
+    </dgm:varLst>
+    <dgm:choose name="Name1">
+      <dgm:if name="Name2" func="var" arg="dir" op="equ" val="norm">
+        <dgm:alg type="lin"/>
+      </dgm:if>
+      <dgm:else name="Name3">
+        <dgm:alg type="lin">
+          <dgm:param type="linDir" val="fromR"/>
+        </dgm:alg>
+      </dgm:else>
+    </dgm:choose>
+    <dgm:shape xmlns:r="http://schemas.openxmlformats.org/officeDocument/2006/relationships" r:blip="">
+      <dgm:adjLst/>
+    </dgm:shape>
+    <dgm:presOf/>
+    <dgm:constrLst>
+      <dgm:constr type="w" for="ch" ptType="node" refType="w"/>
+      <dgm:constr type="h" for="ch" ptType="node" op="equ"/>
+      <dgm:constr type="primFontSz" for="ch" ptType="node" op="equ" val="65"/>
+      <dgm:constr type="w" for="ch" ptType="sibTrans" refType="w" refFor="ch" refPtType="node" op="equ" fact="0.4"/>
+      <dgm:constr type="h" for="ch" ptType="sibTrans" op="equ"/>
+      <dgm:constr type="primFontSz" for="des" forName="connectorText" op="equ" val="55"/>
+      <dgm:constr type="primFontSz" for="des" forName="connectorText" refType="primFontSz" refFor="ch" refPtType="node" op="lte" fact="0.8"/>
+    </dgm:constrLst>
+    <dgm:ruleLst/>
+    <dgm:forEach name="nodesForEach" axis="ch" ptType="node">
+      <dgm:layoutNode name="node">
+        <dgm:varLst>
+          <dgm:bulletEnabled val="1"/>
+        </dgm:varLst>
+        <dgm:alg type="tx"/>
+        <dgm:shape xmlns:r="http://schemas.openxmlformats.org/officeDocument/2006/relationships" type="roundRect" r:blip="">
+          <dgm:adjLst>
+            <dgm:adj idx="1" val="0.1"/>
+          </dgm:adjLst>
+        </dgm:shape>
+        <dgm:presOf axis="desOrSelf" ptType="node"/>
+        <dgm:constrLst>
+          <dgm:constr type="h" refType="w" fact="0.6"/>
+          <dgm:constr type="tMarg" refType="primFontSz" fact="0.3"/>
+          <dgm:constr type="bMarg" refType="primFontSz" fact="0.3"/>
+          <dgm:constr type="lMarg" refType="primFontSz" fact="0.3"/>
+          <dgm:constr type="rMarg" refType="primFontSz" fact="0.3"/>
+        </dgm:constrLst>
+        <dgm:ruleLst>
+          <dgm:rule type="primFontSz" val="18" fact="NaN" max="NaN"/>
+          <dgm:rule type="h" val="NaN" fact="1.5" max="NaN"/>
+          <dgm:rule type="primFontSz" val="5" fact="NaN" max="NaN"/>
+          <dgm:rule type="h" val="INF" fact="NaN" max="NaN"/>
+        </dgm:ruleLst>
+      </dgm:layoutNode>
+      <dgm:forEach name="sibTransForEach" axis="followSib" ptType="sibTrans" cnt="1">
+        <dgm:layoutNode name="sibTrans">
+          <dgm:alg type="conn">
+            <dgm:param type="begPts" val="auto"/>
+            <dgm:param type="endPts" val="auto"/>
+          </dgm:alg>
+          <dgm:shape xmlns:r="http://schemas.openxmlformats.org/officeDocument/2006/relationships" type="conn" r:blip="">
+            <dgm:adjLst/>
+          </dgm:shape>
+          <dgm:presOf axis="self"/>
+          <dgm:constrLst>
+            <dgm:constr type="h" refType="w" fact="0.62"/>
+            <dgm:constr type="connDist"/>
+            <dgm:constr type="begPad" refType="connDist" fact="0.25"/>
+            <dgm:constr type="endPad" refType="connDist" fact="0.22"/>
+          </dgm:constrLst>
+          <dgm:ruleLst/>
+          <dgm:layoutNode name="connectorText">
+            <dgm:alg type="tx">
+              <dgm:param type="autoTxRot" val="grav"/>
+            </dgm:alg>
+            <dgm:shape xmlns:r="http://schemas.openxmlformats.org/officeDocument/2006/relationships" type="conn" r:blip="" hideGeom="1">
+              <dgm:adjLst/>
+            </dgm:shape>
+            <dgm:presOf axis="self"/>
+            <dgm:constrLst>
+              <dgm:constr type="lMarg"/>
+              <dgm:constr type="rMarg"/>
+              <dgm:constr type="tMarg"/>
+              <dgm:constr type="bMarg"/>
+            </dgm:constrLst>
+            <dgm:ruleLst>
+              <dgm:rule type="primFontSz" val="5" fact="NaN" max="NaN"/>
+            </dgm:ruleLst>
+          </dgm:layoutNode>
+        </dgm:layoutNode>
+      </dgm:forEach>
+    </dgm:forEach>
+  </dgm:layoutNode>
+</dgm:layoutDef>
+</file>
+
+<file path=ppt/diagrams/layout2.xml><?xml version="1.0" encoding="utf-8"?>
+<dgm:layoutDef xmlns:dgm="http://schemas.openxmlformats.org/drawingml/2006/diagram" xmlns:a="http://schemas.openxmlformats.org/drawingml/2006/main" uniqueId="urn:microsoft.com/office/officeart/2005/8/layout/process1">
+  <dgm:title val=""/>
+  <dgm:desc val=""/>
+  <dgm:catLst>
+    <dgm:cat type="process" pri="1000"/>
+    <dgm:cat type="convert" pri="15000"/>
+  </dgm:catLst>
+  <dgm:sampData useDef="1">
+    <dgm:dataModel>
+      <dgm:ptLst/>
+      <dgm:bg/>
+      <dgm:whole/>
+    </dgm:dataModel>
+  </dgm:sampData>
+  <dgm:styleData>
+    <dgm:dataModel>
+      <dgm:ptLst>
+        <dgm:pt modelId="0" type="doc"/>
+        <dgm:pt modelId="1"/>
+        <dgm:pt modelId="2"/>
+      </dgm:ptLst>
+      <dgm:cxnLst>
+        <dgm:cxn modelId="3" srcId="0" destId="1" srcOrd="0" destOrd="0"/>
+        <dgm:cxn modelId="4" srcId="0" destId="2" srcOrd="1" destOrd="0"/>
+      </dgm:cxnLst>
+      <dgm:bg/>
+      <dgm:whole/>
+    </dgm:dataModel>
+  </dgm:styleData>
+  <dgm:clrData>
+    <dgm:dataModel>
+      <dgm:ptLst>
+        <dgm:pt modelId="0" type="doc"/>
+        <dgm:pt modelId="1"/>
+        <dgm:pt modelId="2"/>
+        <dgm:pt modelId="3"/>
+        <dgm:pt modelId="4"/>
+      </dgm:ptLst>
+      <dgm:cxnLst>
+        <dgm:cxn modelId="5" srcId="0" destId="1" srcOrd="0" destOrd="0"/>
+        <dgm:cxn modelId="6" srcId="0" destId="2" srcOrd="1" destOrd="0"/>
+        <dgm:cxn modelId="7" srcId="0" destId="3" srcOrd="2" destOrd="0"/>
+        <dgm:cxn modelId="8" srcId="0" destId="4" srcOrd="3" destOrd="0"/>
+      </dgm:cxnLst>
+      <dgm:bg/>
+      <dgm:whole/>
+    </dgm:dataModel>
+  </dgm:clrData>
+  <dgm:layoutNode name="Name0">
+    <dgm:varLst>
+      <dgm:dir/>
+      <dgm:resizeHandles val="exact"/>
+    </dgm:varLst>
+    <dgm:choose name="Name1">
+      <dgm:if name="Name2" func="var" arg="dir" op="equ" val="norm">
+        <dgm:alg type="lin"/>
+      </dgm:if>
+      <dgm:else name="Name3">
+        <dgm:alg type="lin">
+          <dgm:param type="linDir" val="fromR"/>
+        </dgm:alg>
+      </dgm:else>
+    </dgm:choose>
+    <dgm:shape xmlns:r="http://schemas.openxmlformats.org/officeDocument/2006/relationships" r:blip="">
+      <dgm:adjLst/>
+    </dgm:shape>
+    <dgm:presOf/>
+    <dgm:constrLst>
+      <dgm:constr type="w" for="ch" ptType="node" refType="w"/>
+      <dgm:constr type="h" for="ch" ptType="node" op="equ"/>
+      <dgm:constr type="primFontSz" for="ch" ptType="node" op="equ" val="65"/>
+      <dgm:constr type="w" for="ch" ptType="sibTrans" refType="w" refFor="ch" refPtType="node" op="equ" fact="0.4"/>
+      <dgm:constr type="h" for="ch" ptType="sibTrans" op="equ"/>
+      <dgm:constr type="primFontSz" for="des" forName="connectorText" op="equ" val="55"/>
+      <dgm:constr type="primFontSz" for="des" forName="connectorText" refType="primFontSz" refFor="ch" refPtType="node" op="lte" fact="0.8"/>
+    </dgm:constrLst>
+    <dgm:ruleLst/>
+    <dgm:forEach name="nodesForEach" axis="ch" ptType="node">
+      <dgm:layoutNode name="node">
+        <dgm:varLst>
+          <dgm:bulletEnabled val="1"/>
+        </dgm:varLst>
+        <dgm:alg type="tx"/>
+        <dgm:shape xmlns:r="http://schemas.openxmlformats.org/officeDocument/2006/relationships" type="roundRect" r:blip="">
+          <dgm:adjLst>
+            <dgm:adj idx="1" val="0.1"/>
+          </dgm:adjLst>
+        </dgm:shape>
+        <dgm:presOf axis="desOrSelf" ptType="node"/>
+        <dgm:constrLst>
+          <dgm:constr type="h" refType="w" fact="0.6"/>
+          <dgm:constr type="tMarg" refType="primFontSz" fact="0.3"/>
+          <dgm:constr type="bMarg" refType="primFontSz" fact="0.3"/>
+          <dgm:constr type="lMarg" refType="primFontSz" fact="0.3"/>
+          <dgm:constr type="rMarg" refType="primFontSz" fact="0.3"/>
+        </dgm:constrLst>
+        <dgm:ruleLst>
+          <dgm:rule type="primFontSz" val="18" fact="NaN" max="NaN"/>
+          <dgm:rule type="h" val="NaN" fact="1.5" max="NaN"/>
+          <dgm:rule type="primFontSz" val="5" fact="NaN" max="NaN"/>
+          <dgm:rule type="h" val="INF" fact="NaN" max="NaN"/>
+        </dgm:ruleLst>
+      </dgm:layoutNode>
+      <dgm:forEach name="sibTransForEach" axis="followSib" ptType="sibTrans" cnt="1">
+        <dgm:layoutNode name="sibTrans">
+          <dgm:alg type="conn">
+            <dgm:param type="begPts" val="auto"/>
+            <dgm:param type="endPts" val="auto"/>
+          </dgm:alg>
+          <dgm:shape xmlns:r="http://schemas.openxmlformats.org/officeDocument/2006/relationships" type="conn" r:blip="">
+            <dgm:adjLst/>
+          </dgm:shape>
+          <dgm:presOf axis="self"/>
+          <dgm:constrLst>
+            <dgm:constr type="h" refType="w" fact="0.62"/>
+            <dgm:constr type="connDist"/>
+            <dgm:constr type="begPad" refType="connDist" fact="0.25"/>
+            <dgm:constr type="endPad" refType="connDist" fact="0.22"/>
+          </dgm:constrLst>
+          <dgm:ruleLst/>
+          <dgm:layoutNode name="connectorText">
+            <dgm:alg type="tx">
+              <dgm:param type="autoTxRot" val="grav"/>
+            </dgm:alg>
+            <dgm:shape xmlns:r="http://schemas.openxmlformats.org/officeDocument/2006/relationships" type="conn" r:blip="" hideGeom="1">
+              <dgm:adjLst/>
+            </dgm:shape>
+            <dgm:presOf axis="self"/>
+            <dgm:constrLst>
+              <dgm:constr type="lMarg"/>
+              <dgm:constr type="rMarg"/>
+              <dgm:constr type="tMarg"/>
+              <dgm:constr type="bMarg"/>
+            </dgm:constrLst>
+            <dgm:ruleLst>
+              <dgm:rule type="primFontSz" val="5" fact="NaN" max="NaN"/>
+            </dgm:ruleLst>
+          </dgm:layoutNode>
+        </dgm:layoutNode>
+      </dgm:forEach>
+    </dgm:forEach>
+  </dgm:layoutNode>
+</dgm:layoutDef>
+</file>
+
+<file path=ppt/diagrams/layout3.xml><?xml version="1.0" encoding="utf-8"?>
 <dgm:layoutDef xmlns:dgm="http://schemas.openxmlformats.org/drawingml/2006/diagram" xmlns:a="http://schemas.openxmlformats.org/drawingml/2006/main" uniqueId="urn:microsoft.com/office/officeart/2005/8/layout/process1">
   <dgm:title val=""/>
   <dgm:desc val=""/>
@@ -2885,6 +6483,2074 @@
 </dgm:styleDef>
 </file>
 
+<file path=ppt/diagrams/quickStyle2.xml><?xml version="1.0" encoding="utf-8"?>
+<dgm:styleDef xmlns:dgm="http://schemas.openxmlformats.org/drawingml/2006/diagram" xmlns:a="http://schemas.openxmlformats.org/drawingml/2006/main" uniqueId="urn:microsoft.com/office/officeart/2005/8/quickstyle/simple4">
+  <dgm:title val=""/>
+  <dgm:desc val=""/>
+  <dgm:catLst>
+    <dgm:cat type="simple" pri="10400"/>
+  </dgm:catLst>
+  <dgm:scene3d>
+    <a:camera prst="orthographicFront"/>
+    <a:lightRig rig="threePt" dir="t"/>
+  </dgm:scene3d>
+  <dgm:styleLbl name="node0">
+    <dgm:scene3d>
+      <a:camera prst="orthographicFront"/>
+      <a:lightRig rig="threePt" dir="t"/>
+    </dgm:scene3d>
+    <dgm:sp3d/>
+    <dgm:txPr/>
+    <dgm:style>
+      <a:lnRef idx="0">
+        <a:scrgbClr r="0" g="0" b="0"/>
+      </a:lnRef>
+      <a:fillRef idx="3">
+        <a:scrgbClr r="0" g="0" b="0"/>
+      </a:fillRef>
+      <a:effectRef idx="2">
+        <a:scrgbClr r="0" g="0" b="0"/>
+      </a:effectRef>
+      <a:fontRef idx="minor">
+        <a:schemeClr val="lt1"/>
+      </a:fontRef>
+    </dgm:style>
+  </dgm:styleLbl>
+  <dgm:styleLbl name="lnNode1">
+    <dgm:scene3d>
+      <a:camera prst="orthographicFront"/>
+      <a:lightRig rig="threePt" dir="t"/>
+    </dgm:scene3d>
+    <dgm:sp3d/>
+    <dgm:txPr/>
+    <dgm:style>
+      <a:lnRef idx="1">
+        <a:scrgbClr r="0" g="0" b="0"/>
+      </a:lnRef>
+      <a:fillRef idx="3">
+        <a:scrgbClr r="0" g="0" b="0"/>
+      </a:fillRef>
+      <a:effectRef idx="2">
+        <a:scrgbClr r="0" g="0" b="0"/>
+      </a:effectRef>
+      <a:fontRef idx="minor">
+        <a:schemeClr val="lt1"/>
+      </a:fontRef>
+    </dgm:style>
+  </dgm:styleLbl>
+  <dgm:styleLbl name="vennNode1">
+    <dgm:scene3d>
+      <a:camera prst="orthographicFront"/>
+      <a:lightRig rig="threePt" dir="t"/>
+    </dgm:scene3d>
+    <dgm:sp3d/>
+    <dgm:txPr/>
+    <dgm:style>
+      <a:lnRef idx="0">
+        <a:scrgbClr r="0" g="0" b="0"/>
+      </a:lnRef>
+      <a:fillRef idx="3">
+        <a:scrgbClr r="0" g="0" b="0"/>
+      </a:fillRef>
+      <a:effectRef idx="0">
+        <a:scrgbClr r="0" g="0" b="0"/>
+      </a:effectRef>
+      <a:fontRef idx="minor">
+        <a:schemeClr val="tx1"/>
+      </a:fontRef>
+    </dgm:style>
+  </dgm:styleLbl>
+  <dgm:styleLbl name="alignNode1">
+    <dgm:scene3d>
+      <a:camera prst="orthographicFront"/>
+      <a:lightRig rig="threePt" dir="t"/>
+    </dgm:scene3d>
+    <dgm:sp3d/>
+    <dgm:txPr/>
+    <dgm:style>
+      <a:lnRef idx="1">
+        <a:scrgbClr r="0" g="0" b="0"/>
+      </a:lnRef>
+      <a:fillRef idx="3">
+        <a:scrgbClr r="0" g="0" b="0"/>
+      </a:fillRef>
+      <a:effectRef idx="2">
+        <a:scrgbClr r="0" g="0" b="0"/>
+      </a:effectRef>
+      <a:fontRef idx="minor">
+        <a:schemeClr val="lt1"/>
+      </a:fontRef>
+    </dgm:style>
+  </dgm:styleLbl>
+  <dgm:styleLbl name="node1">
+    <dgm:scene3d>
+      <a:camera prst="orthographicFront"/>
+      <a:lightRig rig="threePt" dir="t"/>
+    </dgm:scene3d>
+    <dgm:sp3d/>
+    <dgm:txPr/>
+    <dgm:style>
+      <a:lnRef idx="0">
+        <a:scrgbClr r="0" g="0" b="0"/>
+      </a:lnRef>
+      <a:fillRef idx="3">
+        <a:scrgbClr r="0" g="0" b="0"/>
+      </a:fillRef>
+      <a:effectRef idx="2">
+        <a:scrgbClr r="0" g="0" b="0"/>
+      </a:effectRef>
+      <a:fontRef idx="minor">
+        <a:schemeClr val="lt1"/>
+      </a:fontRef>
+    </dgm:style>
+  </dgm:styleLbl>
+  <dgm:styleLbl name="node2">
+    <dgm:scene3d>
+      <a:camera prst="orthographicFront"/>
+      <a:lightRig rig="threePt" dir="t"/>
+    </dgm:scene3d>
+    <dgm:sp3d/>
+    <dgm:txPr/>
+    <dgm:style>
+      <a:lnRef idx="0">
+        <a:scrgbClr r="0" g="0" b="0"/>
+      </a:lnRef>
+      <a:fillRef idx="3">
+        <a:scrgbClr r="0" g="0" b="0"/>
+      </a:fillRef>
+      <a:effectRef idx="2">
+        <a:scrgbClr r="0" g="0" b="0"/>
+      </a:effectRef>
+      <a:fontRef idx="minor">
+        <a:schemeClr val="lt1"/>
+      </a:fontRef>
+    </dgm:style>
+  </dgm:styleLbl>
+  <dgm:styleLbl name="node3">
+    <dgm:scene3d>
+      <a:camera prst="orthographicFront"/>
+      <a:lightRig rig="threePt" dir="t"/>
+    </dgm:scene3d>
+    <dgm:sp3d/>
+    <dgm:txPr/>
+    <dgm:style>
+      <a:lnRef idx="0">
+        <a:scrgbClr r="0" g="0" b="0"/>
+      </a:lnRef>
+      <a:fillRef idx="3">
+        <a:scrgbClr r="0" g="0" b="0"/>
+      </a:fillRef>
+      <a:effectRef idx="2">
+        <a:scrgbClr r="0" g="0" b="0"/>
+      </a:effectRef>
+      <a:fontRef idx="minor">
+        <a:schemeClr val="lt1"/>
+      </a:fontRef>
+    </dgm:style>
+  </dgm:styleLbl>
+  <dgm:styleLbl name="node4">
+    <dgm:scene3d>
+      <a:camera prst="orthographicFront"/>
+      <a:lightRig rig="threePt" dir="t"/>
+    </dgm:scene3d>
+    <dgm:sp3d/>
+    <dgm:txPr/>
+    <dgm:style>
+      <a:lnRef idx="0">
+        <a:scrgbClr r="0" g="0" b="0"/>
+      </a:lnRef>
+      <a:fillRef idx="3">
+        <a:scrgbClr r="0" g="0" b="0"/>
+      </a:fillRef>
+      <a:effectRef idx="2">
+        <a:scrgbClr r="0" g="0" b="0"/>
+      </a:effectRef>
+      <a:fontRef idx="minor">
+        <a:schemeClr val="lt1"/>
+      </a:fontRef>
+    </dgm:style>
+  </dgm:styleLbl>
+  <dgm:styleLbl name="fgImgPlace1">
+    <dgm:scene3d>
+      <a:camera prst="orthographicFront"/>
+      <a:lightRig rig="threePt" dir="t"/>
+    </dgm:scene3d>
+    <dgm:sp3d/>
+    <dgm:txPr/>
+    <dgm:style>
+      <a:lnRef idx="0">
+        <a:scrgbClr r="0" g="0" b="0"/>
+      </a:lnRef>
+      <a:fillRef idx="1">
+        <a:scrgbClr r="0" g="0" b="0"/>
+      </a:fillRef>
+      <a:effectRef idx="2">
+        <a:scrgbClr r="0" g="0" b="0"/>
+      </a:effectRef>
+      <a:fontRef idx="minor"/>
+    </dgm:style>
+  </dgm:styleLbl>
+  <dgm:styleLbl name="alignImgPlace1">
+    <dgm:scene3d>
+      <a:camera prst="orthographicFront"/>
+      <a:lightRig rig="threePt" dir="t"/>
+    </dgm:scene3d>
+    <dgm:sp3d/>
+    <dgm:txPr/>
+    <dgm:style>
+      <a:lnRef idx="0">
+        <a:scrgbClr r="0" g="0" b="0"/>
+      </a:lnRef>
+      <a:fillRef idx="1">
+        <a:scrgbClr r="0" g="0" b="0"/>
+      </a:fillRef>
+      <a:effectRef idx="2">
+        <a:scrgbClr r="0" g="0" b="0"/>
+      </a:effectRef>
+      <a:fontRef idx="minor"/>
+    </dgm:style>
+  </dgm:styleLbl>
+  <dgm:styleLbl name="bgImgPlace1">
+    <dgm:scene3d>
+      <a:camera prst="orthographicFront"/>
+      <a:lightRig rig="threePt" dir="t"/>
+    </dgm:scene3d>
+    <dgm:sp3d/>
+    <dgm:txPr/>
+    <dgm:style>
+      <a:lnRef idx="0">
+        <a:scrgbClr r="0" g="0" b="0"/>
+      </a:lnRef>
+      <a:fillRef idx="1">
+        <a:scrgbClr r="0" g="0" b="0"/>
+      </a:fillRef>
+      <a:effectRef idx="2">
+        <a:scrgbClr r="0" g="0" b="0"/>
+      </a:effectRef>
+      <a:fontRef idx="minor"/>
+    </dgm:style>
+  </dgm:styleLbl>
+  <dgm:styleLbl name="sibTrans2D1">
+    <dgm:scene3d>
+      <a:camera prst="orthographicFront"/>
+      <a:lightRig rig="threePt" dir="t"/>
+    </dgm:scene3d>
+    <dgm:sp3d/>
+    <dgm:txPr/>
+    <dgm:style>
+      <a:lnRef idx="0">
+        <a:scrgbClr r="0" g="0" b="0"/>
+      </a:lnRef>
+      <a:fillRef idx="3">
+        <a:scrgbClr r="0" g="0" b="0"/>
+      </a:fillRef>
+      <a:effectRef idx="2">
+        <a:scrgbClr r="0" g="0" b="0"/>
+      </a:effectRef>
+      <a:fontRef idx="minor">
+        <a:schemeClr val="lt1"/>
+      </a:fontRef>
+    </dgm:style>
+  </dgm:styleLbl>
+  <dgm:styleLbl name="fgSibTrans2D1">
+    <dgm:scene3d>
+      <a:camera prst="orthographicFront"/>
+      <a:lightRig rig="threePt" dir="t"/>
+    </dgm:scene3d>
+    <dgm:sp3d/>
+    <dgm:txPr/>
+    <dgm:style>
+      <a:lnRef idx="0">
+        <a:scrgbClr r="0" g="0" b="0"/>
+      </a:lnRef>
+      <a:fillRef idx="3">
+        <a:scrgbClr r="0" g="0" b="0"/>
+      </a:fillRef>
+      <a:effectRef idx="2">
+        <a:scrgbClr r="0" g="0" b="0"/>
+      </a:effectRef>
+      <a:fontRef idx="minor">
+        <a:schemeClr val="lt1"/>
+      </a:fontRef>
+    </dgm:style>
+  </dgm:styleLbl>
+  <dgm:styleLbl name="bgSibTrans2D1">
+    <dgm:scene3d>
+      <a:camera prst="orthographicFront"/>
+      <a:lightRig rig="threePt" dir="t"/>
+    </dgm:scene3d>
+    <dgm:sp3d/>
+    <dgm:txPr/>
+    <dgm:style>
+      <a:lnRef idx="0">
+        <a:scrgbClr r="0" g="0" b="0"/>
+      </a:lnRef>
+      <a:fillRef idx="3">
+        <a:scrgbClr r="0" g="0" b="0"/>
+      </a:fillRef>
+      <a:effectRef idx="2">
+        <a:scrgbClr r="0" g="0" b="0"/>
+      </a:effectRef>
+      <a:fontRef idx="minor">
+        <a:schemeClr val="lt1"/>
+      </a:fontRef>
+    </dgm:style>
+  </dgm:styleLbl>
+  <dgm:styleLbl name="sibTrans1D1">
+    <dgm:scene3d>
+      <a:camera prst="orthographicFront"/>
+      <a:lightRig rig="threePt" dir="t"/>
+    </dgm:scene3d>
+    <dgm:sp3d/>
+    <dgm:txPr/>
+    <dgm:style>
+      <a:lnRef idx="1">
+        <a:scrgbClr r="0" g="0" b="0"/>
+      </a:lnRef>
+      <a:fillRef idx="0">
+        <a:scrgbClr r="0" g="0" b="0"/>
+      </a:fillRef>
+      <a:effectRef idx="0">
+        <a:scrgbClr r="0" g="0" b="0"/>
+      </a:effectRef>
+      <a:fontRef idx="minor"/>
+    </dgm:style>
+  </dgm:styleLbl>
+  <dgm:styleLbl name="callout">
+    <dgm:scene3d>
+      <a:camera prst="orthographicFront"/>
+      <a:lightRig rig="threePt" dir="t"/>
+    </dgm:scene3d>
+    <dgm:sp3d/>
+    <dgm:txPr/>
+    <dgm:style>
+      <a:lnRef idx="2">
+        <a:scrgbClr r="0" g="0" b="0"/>
+      </a:lnRef>
+      <a:fillRef idx="1">
+        <a:scrgbClr r="0" g="0" b="0"/>
+      </a:fillRef>
+      <a:effectRef idx="1">
+        <a:scrgbClr r="0" g="0" b="0"/>
+      </a:effectRef>
+      <a:fontRef idx="minor"/>
+    </dgm:style>
+  </dgm:styleLbl>
+  <dgm:styleLbl name="asst0">
+    <dgm:scene3d>
+      <a:camera prst="orthographicFront"/>
+      <a:lightRig rig="threePt" dir="t"/>
+    </dgm:scene3d>
+    <dgm:sp3d/>
+    <dgm:txPr/>
+    <dgm:style>
+      <a:lnRef idx="0">
+        <a:scrgbClr r="0" g="0" b="0"/>
+      </a:lnRef>
+      <a:fillRef idx="3">
+        <a:scrgbClr r="0" g="0" b="0"/>
+      </a:fillRef>
+      <a:effectRef idx="2">
+        <a:scrgbClr r="0" g="0" b="0"/>
+      </a:effectRef>
+      <a:fontRef idx="minor">
+        <a:schemeClr val="lt1"/>
+      </a:fontRef>
+    </dgm:style>
+  </dgm:styleLbl>
+  <dgm:styleLbl name="asst1">
+    <dgm:scene3d>
+      <a:camera prst="orthographicFront"/>
+      <a:lightRig rig="threePt" dir="t"/>
+    </dgm:scene3d>
+    <dgm:sp3d/>
+    <dgm:txPr/>
+    <dgm:style>
+      <a:lnRef idx="0">
+        <a:scrgbClr r="0" g="0" b="0"/>
+      </a:lnRef>
+      <a:fillRef idx="3">
+        <a:scrgbClr r="0" g="0" b="0"/>
+      </a:fillRef>
+      <a:effectRef idx="2">
+        <a:scrgbClr r="0" g="0" b="0"/>
+      </a:effectRef>
+      <a:fontRef idx="minor">
+        <a:schemeClr val="lt1"/>
+      </a:fontRef>
+    </dgm:style>
+  </dgm:styleLbl>
+  <dgm:styleLbl name="asst2">
+    <dgm:scene3d>
+      <a:camera prst="orthographicFront"/>
+      <a:lightRig rig="threePt" dir="t"/>
+    </dgm:scene3d>
+    <dgm:sp3d/>
+    <dgm:txPr/>
+    <dgm:style>
+      <a:lnRef idx="0">
+        <a:scrgbClr r="0" g="0" b="0"/>
+      </a:lnRef>
+      <a:fillRef idx="3">
+        <a:scrgbClr r="0" g="0" b="0"/>
+      </a:fillRef>
+      <a:effectRef idx="2">
+        <a:scrgbClr r="0" g="0" b="0"/>
+      </a:effectRef>
+      <a:fontRef idx="minor">
+        <a:schemeClr val="lt1"/>
+      </a:fontRef>
+    </dgm:style>
+  </dgm:styleLbl>
+  <dgm:styleLbl name="asst3">
+    <dgm:scene3d>
+      <a:camera prst="orthographicFront"/>
+      <a:lightRig rig="threePt" dir="t"/>
+    </dgm:scene3d>
+    <dgm:sp3d/>
+    <dgm:txPr/>
+    <dgm:style>
+      <a:lnRef idx="0">
+        <a:scrgbClr r="0" g="0" b="0"/>
+      </a:lnRef>
+      <a:fillRef idx="3">
+        <a:scrgbClr r="0" g="0" b="0"/>
+      </a:fillRef>
+      <a:effectRef idx="2">
+        <a:scrgbClr r="0" g="0" b="0"/>
+      </a:effectRef>
+      <a:fontRef idx="minor">
+        <a:schemeClr val="lt1"/>
+      </a:fontRef>
+    </dgm:style>
+  </dgm:styleLbl>
+  <dgm:styleLbl name="asst4">
+    <dgm:scene3d>
+      <a:camera prst="orthographicFront"/>
+      <a:lightRig rig="threePt" dir="t"/>
+    </dgm:scene3d>
+    <dgm:sp3d/>
+    <dgm:txPr/>
+    <dgm:style>
+      <a:lnRef idx="0">
+        <a:scrgbClr r="0" g="0" b="0"/>
+      </a:lnRef>
+      <a:fillRef idx="3">
+        <a:scrgbClr r="0" g="0" b="0"/>
+      </a:fillRef>
+      <a:effectRef idx="2">
+        <a:scrgbClr r="0" g="0" b="0"/>
+      </a:effectRef>
+      <a:fontRef idx="minor">
+        <a:schemeClr val="lt1"/>
+      </a:fontRef>
+    </dgm:style>
+  </dgm:styleLbl>
+  <dgm:styleLbl name="parChTrans2D1">
+    <dgm:scene3d>
+      <a:camera prst="orthographicFront"/>
+      <a:lightRig rig="threePt" dir="t"/>
+    </dgm:scene3d>
+    <dgm:sp3d/>
+    <dgm:txPr/>
+    <dgm:style>
+      <a:lnRef idx="0">
+        <a:scrgbClr r="0" g="0" b="0"/>
+      </a:lnRef>
+      <a:fillRef idx="3">
+        <a:scrgbClr r="0" g="0" b="0"/>
+      </a:fillRef>
+      <a:effectRef idx="2">
+        <a:scrgbClr r="0" g="0" b="0"/>
+      </a:effectRef>
+      <a:fontRef idx="minor">
+        <a:schemeClr val="lt1"/>
+      </a:fontRef>
+    </dgm:style>
+  </dgm:styleLbl>
+  <dgm:styleLbl name="parChTrans2D2">
+    <dgm:scene3d>
+      <a:camera prst="orthographicFront"/>
+      <a:lightRig rig="threePt" dir="t"/>
+    </dgm:scene3d>
+    <dgm:sp3d/>
+    <dgm:txPr/>
+    <dgm:style>
+      <a:lnRef idx="0">
+        <a:scrgbClr r="0" g="0" b="0"/>
+      </a:lnRef>
+      <a:fillRef idx="3">
+        <a:scrgbClr r="0" g="0" b="0"/>
+      </a:fillRef>
+      <a:effectRef idx="2">
+        <a:scrgbClr r="0" g="0" b="0"/>
+      </a:effectRef>
+      <a:fontRef idx="minor">
+        <a:schemeClr val="lt1"/>
+      </a:fontRef>
+    </dgm:style>
+  </dgm:styleLbl>
+  <dgm:styleLbl name="parChTrans2D3">
+    <dgm:scene3d>
+      <a:camera prst="orthographicFront"/>
+      <a:lightRig rig="threePt" dir="t"/>
+    </dgm:scene3d>
+    <dgm:sp3d/>
+    <dgm:txPr/>
+    <dgm:style>
+      <a:lnRef idx="1">
+        <a:scrgbClr r="0" g="0" b="0"/>
+      </a:lnRef>
+      <a:fillRef idx="3">
+        <a:scrgbClr r="0" g="0" b="0"/>
+      </a:fillRef>
+      <a:effectRef idx="2">
+        <a:scrgbClr r="0" g="0" b="0"/>
+      </a:effectRef>
+      <a:fontRef idx="minor">
+        <a:schemeClr val="lt1"/>
+      </a:fontRef>
+    </dgm:style>
+  </dgm:styleLbl>
+  <dgm:styleLbl name="parChTrans2D4">
+    <dgm:scene3d>
+      <a:camera prst="orthographicFront"/>
+      <a:lightRig rig="threePt" dir="t"/>
+    </dgm:scene3d>
+    <dgm:sp3d/>
+    <dgm:txPr/>
+    <dgm:style>
+      <a:lnRef idx="1">
+        <a:scrgbClr r="0" g="0" b="0"/>
+      </a:lnRef>
+      <a:fillRef idx="3">
+        <a:scrgbClr r="0" g="0" b="0"/>
+      </a:fillRef>
+      <a:effectRef idx="2">
+        <a:scrgbClr r="0" g="0" b="0"/>
+      </a:effectRef>
+      <a:fontRef idx="minor">
+        <a:schemeClr val="lt1"/>
+      </a:fontRef>
+    </dgm:style>
+  </dgm:styleLbl>
+  <dgm:styleLbl name="parChTrans1D1">
+    <dgm:scene3d>
+      <a:camera prst="orthographicFront"/>
+      <a:lightRig rig="threePt" dir="t"/>
+    </dgm:scene3d>
+    <dgm:sp3d/>
+    <dgm:txPr/>
+    <dgm:style>
+      <a:lnRef idx="1">
+        <a:scrgbClr r="0" g="0" b="0"/>
+      </a:lnRef>
+      <a:fillRef idx="0">
+        <a:scrgbClr r="0" g="0" b="0"/>
+      </a:fillRef>
+      <a:effectRef idx="0">
+        <a:scrgbClr r="0" g="0" b="0"/>
+      </a:effectRef>
+      <a:fontRef idx="minor"/>
+    </dgm:style>
+  </dgm:styleLbl>
+  <dgm:styleLbl name="parChTrans1D2">
+    <dgm:scene3d>
+      <a:camera prst="orthographicFront"/>
+      <a:lightRig rig="threePt" dir="t"/>
+    </dgm:scene3d>
+    <dgm:sp3d/>
+    <dgm:txPr/>
+    <dgm:style>
+      <a:lnRef idx="1">
+        <a:scrgbClr r="0" g="0" b="0"/>
+      </a:lnRef>
+      <a:fillRef idx="0">
+        <a:scrgbClr r="0" g="0" b="0"/>
+      </a:fillRef>
+      <a:effectRef idx="0">
+        <a:scrgbClr r="0" g="0" b="0"/>
+      </a:effectRef>
+      <a:fontRef idx="minor"/>
+    </dgm:style>
+  </dgm:styleLbl>
+  <dgm:styleLbl name="parChTrans1D3">
+    <dgm:scene3d>
+      <a:camera prst="orthographicFront"/>
+      <a:lightRig rig="threePt" dir="t"/>
+    </dgm:scene3d>
+    <dgm:sp3d/>
+    <dgm:txPr/>
+    <dgm:style>
+      <a:lnRef idx="1">
+        <a:scrgbClr r="0" g="0" b="0"/>
+      </a:lnRef>
+      <a:fillRef idx="0">
+        <a:scrgbClr r="0" g="0" b="0"/>
+      </a:fillRef>
+      <a:effectRef idx="0">
+        <a:scrgbClr r="0" g="0" b="0"/>
+      </a:effectRef>
+      <a:fontRef idx="minor"/>
+    </dgm:style>
+  </dgm:styleLbl>
+  <dgm:styleLbl name="parChTrans1D4">
+    <dgm:scene3d>
+      <a:camera prst="orthographicFront"/>
+      <a:lightRig rig="threePt" dir="t"/>
+    </dgm:scene3d>
+    <dgm:sp3d/>
+    <dgm:txPr/>
+    <dgm:style>
+      <a:lnRef idx="1">
+        <a:scrgbClr r="0" g="0" b="0"/>
+      </a:lnRef>
+      <a:fillRef idx="0">
+        <a:scrgbClr r="0" g="0" b="0"/>
+      </a:fillRef>
+      <a:effectRef idx="0">
+        <a:scrgbClr r="0" g="0" b="0"/>
+      </a:effectRef>
+      <a:fontRef idx="minor"/>
+    </dgm:style>
+  </dgm:styleLbl>
+  <dgm:styleLbl name="fgAcc1">
+    <dgm:scene3d>
+      <a:camera prst="orthographicFront"/>
+      <a:lightRig rig="threePt" dir="t"/>
+    </dgm:scene3d>
+    <dgm:sp3d/>
+    <dgm:txPr/>
+    <dgm:style>
+      <a:lnRef idx="1">
+        <a:scrgbClr r="0" g="0" b="0"/>
+      </a:lnRef>
+      <a:fillRef idx="1">
+        <a:scrgbClr r="0" g="0" b="0"/>
+      </a:fillRef>
+      <a:effectRef idx="0">
+        <a:scrgbClr r="0" g="0" b="0"/>
+      </a:effectRef>
+      <a:fontRef idx="minor"/>
+    </dgm:style>
+  </dgm:styleLbl>
+  <dgm:styleLbl name="conFgAcc1">
+    <dgm:scene3d>
+      <a:camera prst="orthographicFront"/>
+      <a:lightRig rig="threePt" dir="t"/>
+    </dgm:scene3d>
+    <dgm:sp3d/>
+    <dgm:txPr/>
+    <dgm:style>
+      <a:lnRef idx="1">
+        <a:scrgbClr r="0" g="0" b="0"/>
+      </a:lnRef>
+      <a:fillRef idx="1">
+        <a:scrgbClr r="0" g="0" b="0"/>
+      </a:fillRef>
+      <a:effectRef idx="0">
+        <a:scrgbClr r="0" g="0" b="0"/>
+      </a:effectRef>
+      <a:fontRef idx="minor"/>
+    </dgm:style>
+  </dgm:styleLbl>
+  <dgm:styleLbl name="alignAcc1">
+    <dgm:scene3d>
+      <a:camera prst="orthographicFront"/>
+      <a:lightRig rig="threePt" dir="t"/>
+    </dgm:scene3d>
+    <dgm:sp3d/>
+    <dgm:txPr/>
+    <dgm:style>
+      <a:lnRef idx="1">
+        <a:scrgbClr r="0" g="0" b="0"/>
+      </a:lnRef>
+      <a:fillRef idx="1">
+        <a:scrgbClr r="0" g="0" b="0"/>
+      </a:fillRef>
+      <a:effectRef idx="0">
+        <a:scrgbClr r="0" g="0" b="0"/>
+      </a:effectRef>
+      <a:fontRef idx="minor"/>
+    </dgm:style>
+  </dgm:styleLbl>
+  <dgm:styleLbl name="trAlignAcc1">
+    <dgm:scene3d>
+      <a:camera prst="orthographicFront"/>
+      <a:lightRig rig="threePt" dir="t"/>
+    </dgm:scene3d>
+    <dgm:sp3d/>
+    <dgm:txPr/>
+    <dgm:style>
+      <a:lnRef idx="1">
+        <a:scrgbClr r="0" g="0" b="0"/>
+      </a:lnRef>
+      <a:fillRef idx="1">
+        <a:scrgbClr r="0" g="0" b="0"/>
+      </a:fillRef>
+      <a:effectRef idx="0">
+        <a:scrgbClr r="0" g="0" b="0"/>
+      </a:effectRef>
+      <a:fontRef idx="minor"/>
+    </dgm:style>
+  </dgm:styleLbl>
+  <dgm:styleLbl name="bgAcc1">
+    <dgm:scene3d>
+      <a:camera prst="orthographicFront"/>
+      <a:lightRig rig="threePt" dir="t"/>
+    </dgm:scene3d>
+    <dgm:sp3d/>
+    <dgm:txPr/>
+    <dgm:style>
+      <a:lnRef idx="1">
+        <a:scrgbClr r="0" g="0" b="0"/>
+      </a:lnRef>
+      <a:fillRef idx="1">
+        <a:scrgbClr r="0" g="0" b="0"/>
+      </a:fillRef>
+      <a:effectRef idx="0">
+        <a:scrgbClr r="0" g="0" b="0"/>
+      </a:effectRef>
+      <a:fontRef idx="minor"/>
+    </dgm:style>
+  </dgm:styleLbl>
+  <dgm:styleLbl name="solidFgAcc1">
+    <dgm:scene3d>
+      <a:camera prst="orthographicFront"/>
+      <a:lightRig rig="threePt" dir="t"/>
+    </dgm:scene3d>
+    <dgm:sp3d/>
+    <dgm:txPr/>
+    <dgm:style>
+      <a:lnRef idx="1">
+        <a:scrgbClr r="0" g="0" b="0"/>
+      </a:lnRef>
+      <a:fillRef idx="1">
+        <a:scrgbClr r="0" g="0" b="0"/>
+      </a:fillRef>
+      <a:effectRef idx="0">
+        <a:scrgbClr r="0" g="0" b="0"/>
+      </a:effectRef>
+      <a:fontRef idx="minor"/>
+    </dgm:style>
+  </dgm:styleLbl>
+  <dgm:styleLbl name="solidAlignAcc1">
+    <dgm:scene3d>
+      <a:camera prst="orthographicFront"/>
+      <a:lightRig rig="threePt" dir="t"/>
+    </dgm:scene3d>
+    <dgm:sp3d/>
+    <dgm:txPr/>
+    <dgm:style>
+      <a:lnRef idx="1">
+        <a:scrgbClr r="0" g="0" b="0"/>
+      </a:lnRef>
+      <a:fillRef idx="1">
+        <a:scrgbClr r="0" g="0" b="0"/>
+      </a:fillRef>
+      <a:effectRef idx="0">
+        <a:scrgbClr r="0" g="0" b="0"/>
+      </a:effectRef>
+      <a:fontRef idx="minor"/>
+    </dgm:style>
+  </dgm:styleLbl>
+  <dgm:styleLbl name="solidBgAcc1">
+    <dgm:scene3d>
+      <a:camera prst="orthographicFront"/>
+      <a:lightRig rig="threePt" dir="t"/>
+    </dgm:scene3d>
+    <dgm:sp3d/>
+    <dgm:txPr/>
+    <dgm:style>
+      <a:lnRef idx="1">
+        <a:scrgbClr r="0" g="0" b="0"/>
+      </a:lnRef>
+      <a:fillRef idx="1">
+        <a:scrgbClr r="0" g="0" b="0"/>
+      </a:fillRef>
+      <a:effectRef idx="0">
+        <a:scrgbClr r="0" g="0" b="0"/>
+      </a:effectRef>
+      <a:fontRef idx="minor"/>
+    </dgm:style>
+  </dgm:styleLbl>
+  <dgm:styleLbl name="fgAccFollowNode1">
+    <dgm:scene3d>
+      <a:camera prst="orthographicFront"/>
+      <a:lightRig rig="threePt" dir="t"/>
+    </dgm:scene3d>
+    <dgm:sp3d/>
+    <dgm:txPr/>
+    <dgm:style>
+      <a:lnRef idx="1">
+        <a:scrgbClr r="0" g="0" b="0"/>
+      </a:lnRef>
+      <a:fillRef idx="1">
+        <a:scrgbClr r="0" g="0" b="0"/>
+      </a:fillRef>
+      <a:effectRef idx="0">
+        <a:scrgbClr r="0" g="0" b="0"/>
+      </a:effectRef>
+      <a:fontRef idx="minor"/>
+    </dgm:style>
+  </dgm:styleLbl>
+  <dgm:styleLbl name="alignAccFollowNode1">
+    <dgm:scene3d>
+      <a:camera prst="orthographicFront"/>
+      <a:lightRig rig="threePt" dir="t"/>
+    </dgm:scene3d>
+    <dgm:sp3d/>
+    <dgm:txPr/>
+    <dgm:style>
+      <a:lnRef idx="1">
+        <a:scrgbClr r="0" g="0" b="0"/>
+      </a:lnRef>
+      <a:fillRef idx="1">
+        <a:scrgbClr r="0" g="0" b="0"/>
+      </a:fillRef>
+      <a:effectRef idx="0">
+        <a:scrgbClr r="0" g="0" b="0"/>
+      </a:effectRef>
+      <a:fontRef idx="minor"/>
+    </dgm:style>
+  </dgm:styleLbl>
+  <dgm:styleLbl name="bgAccFollowNode1">
+    <dgm:scene3d>
+      <a:camera prst="orthographicFront"/>
+      <a:lightRig rig="threePt" dir="t"/>
+    </dgm:scene3d>
+    <dgm:sp3d/>
+    <dgm:txPr/>
+    <dgm:style>
+      <a:lnRef idx="1">
+        <a:scrgbClr r="0" g="0" b="0"/>
+      </a:lnRef>
+      <a:fillRef idx="1">
+        <a:scrgbClr r="0" g="0" b="0"/>
+      </a:fillRef>
+      <a:effectRef idx="0">
+        <a:scrgbClr r="0" g="0" b="0"/>
+      </a:effectRef>
+      <a:fontRef idx="minor"/>
+    </dgm:style>
+  </dgm:styleLbl>
+  <dgm:styleLbl name="fgAcc0">
+    <dgm:scene3d>
+      <a:camera prst="orthographicFront"/>
+      <a:lightRig rig="threePt" dir="t"/>
+    </dgm:scene3d>
+    <dgm:sp3d/>
+    <dgm:txPr/>
+    <dgm:style>
+      <a:lnRef idx="1">
+        <a:scrgbClr r="0" g="0" b="0"/>
+      </a:lnRef>
+      <a:fillRef idx="1">
+        <a:scrgbClr r="0" g="0" b="0"/>
+      </a:fillRef>
+      <a:effectRef idx="0">
+        <a:scrgbClr r="0" g="0" b="0"/>
+      </a:effectRef>
+      <a:fontRef idx="minor"/>
+    </dgm:style>
+  </dgm:styleLbl>
+  <dgm:styleLbl name="fgAcc2">
+    <dgm:scene3d>
+      <a:camera prst="orthographicFront"/>
+      <a:lightRig rig="threePt" dir="t"/>
+    </dgm:scene3d>
+    <dgm:sp3d/>
+    <dgm:txPr/>
+    <dgm:style>
+      <a:lnRef idx="1">
+        <a:scrgbClr r="0" g="0" b="0"/>
+      </a:lnRef>
+      <a:fillRef idx="1">
+        <a:scrgbClr r="0" g="0" b="0"/>
+      </a:fillRef>
+      <a:effectRef idx="0">
+        <a:scrgbClr r="0" g="0" b="0"/>
+      </a:effectRef>
+      <a:fontRef idx="minor"/>
+    </dgm:style>
+  </dgm:styleLbl>
+  <dgm:styleLbl name="fgAcc3">
+    <dgm:scene3d>
+      <a:camera prst="orthographicFront"/>
+      <a:lightRig rig="threePt" dir="t"/>
+    </dgm:scene3d>
+    <dgm:sp3d/>
+    <dgm:txPr/>
+    <dgm:style>
+      <a:lnRef idx="1">
+        <a:scrgbClr r="0" g="0" b="0"/>
+      </a:lnRef>
+      <a:fillRef idx="1">
+        <a:scrgbClr r="0" g="0" b="0"/>
+      </a:fillRef>
+      <a:effectRef idx="0">
+        <a:scrgbClr r="0" g="0" b="0"/>
+      </a:effectRef>
+      <a:fontRef idx="minor"/>
+    </dgm:style>
+  </dgm:styleLbl>
+  <dgm:styleLbl name="fgAcc4">
+    <dgm:scene3d>
+      <a:camera prst="orthographicFront"/>
+      <a:lightRig rig="threePt" dir="t"/>
+    </dgm:scene3d>
+    <dgm:sp3d/>
+    <dgm:txPr/>
+    <dgm:style>
+      <a:lnRef idx="1">
+        <a:scrgbClr r="0" g="0" b="0"/>
+      </a:lnRef>
+      <a:fillRef idx="1">
+        <a:scrgbClr r="0" g="0" b="0"/>
+      </a:fillRef>
+      <a:effectRef idx="0">
+        <a:scrgbClr r="0" g="0" b="0"/>
+      </a:effectRef>
+      <a:fontRef idx="minor"/>
+    </dgm:style>
+  </dgm:styleLbl>
+  <dgm:styleLbl name="bgShp">
+    <dgm:scene3d>
+      <a:camera prst="orthographicFront"/>
+      <a:lightRig rig="threePt" dir="t"/>
+    </dgm:scene3d>
+    <dgm:sp3d/>
+    <dgm:txPr/>
+    <dgm:style>
+      <a:lnRef idx="0">
+        <a:scrgbClr r="0" g="0" b="0"/>
+      </a:lnRef>
+      <a:fillRef idx="1">
+        <a:scrgbClr r="0" g="0" b="0"/>
+      </a:fillRef>
+      <a:effectRef idx="2">
+        <a:scrgbClr r="0" g="0" b="0"/>
+      </a:effectRef>
+      <a:fontRef idx="minor"/>
+    </dgm:style>
+  </dgm:styleLbl>
+  <dgm:styleLbl name="dkBgShp">
+    <dgm:scene3d>
+      <a:camera prst="orthographicFront"/>
+      <a:lightRig rig="threePt" dir="t"/>
+    </dgm:scene3d>
+    <dgm:sp3d/>
+    <dgm:txPr/>
+    <dgm:style>
+      <a:lnRef idx="0">
+        <a:scrgbClr r="0" g="0" b="0"/>
+      </a:lnRef>
+      <a:fillRef idx="1">
+        <a:scrgbClr r="0" g="0" b="0"/>
+      </a:fillRef>
+      <a:effectRef idx="2">
+        <a:scrgbClr r="0" g="0" b="0"/>
+      </a:effectRef>
+      <a:fontRef idx="minor"/>
+    </dgm:style>
+  </dgm:styleLbl>
+  <dgm:styleLbl name="trBgShp">
+    <dgm:scene3d>
+      <a:camera prst="orthographicFront"/>
+      <a:lightRig rig="threePt" dir="t"/>
+    </dgm:scene3d>
+    <dgm:sp3d/>
+    <dgm:txPr/>
+    <dgm:style>
+      <a:lnRef idx="0">
+        <a:scrgbClr r="0" g="0" b="0"/>
+      </a:lnRef>
+      <a:fillRef idx="1">
+        <a:scrgbClr r="0" g="0" b="0"/>
+      </a:fillRef>
+      <a:effectRef idx="0">
+        <a:scrgbClr r="0" g="0" b="0"/>
+      </a:effectRef>
+      <a:fontRef idx="minor"/>
+    </dgm:style>
+  </dgm:styleLbl>
+  <dgm:styleLbl name="fgShp">
+    <dgm:scene3d>
+      <a:camera prst="orthographicFront"/>
+      <a:lightRig rig="threePt" dir="t"/>
+    </dgm:scene3d>
+    <dgm:sp3d/>
+    <dgm:txPr/>
+    <dgm:style>
+      <a:lnRef idx="0">
+        <a:scrgbClr r="0" g="0" b="0"/>
+      </a:lnRef>
+      <a:fillRef idx="3">
+        <a:scrgbClr r="0" g="0" b="0"/>
+      </a:fillRef>
+      <a:effectRef idx="2">
+        <a:scrgbClr r="0" g="0" b="0"/>
+      </a:effectRef>
+      <a:fontRef idx="minor"/>
+    </dgm:style>
+  </dgm:styleLbl>
+  <dgm:styleLbl name="revTx">
+    <dgm:scene3d>
+      <a:camera prst="orthographicFront"/>
+      <a:lightRig rig="threePt" dir="t"/>
+    </dgm:scene3d>
+    <dgm:sp3d/>
+    <dgm:txPr/>
+    <dgm:style>
+      <a:lnRef idx="0">
+        <a:scrgbClr r="0" g="0" b="0"/>
+      </a:lnRef>
+      <a:fillRef idx="0">
+        <a:scrgbClr r="0" g="0" b="0"/>
+      </a:fillRef>
+      <a:effectRef idx="0">
+        <a:scrgbClr r="0" g="0" b="0"/>
+      </a:effectRef>
+      <a:fontRef idx="minor"/>
+    </dgm:style>
+  </dgm:styleLbl>
+</dgm:styleDef>
+</file>
+
+<file path=ppt/diagrams/quickStyle3.xml><?xml version="1.0" encoding="utf-8"?>
+<dgm:styleDef xmlns:dgm="http://schemas.openxmlformats.org/drawingml/2006/diagram" xmlns:a="http://schemas.openxmlformats.org/drawingml/2006/main" uniqueId="urn:microsoft.com/office/officeart/2005/8/quickstyle/simple4">
+  <dgm:title val=""/>
+  <dgm:desc val=""/>
+  <dgm:catLst>
+    <dgm:cat type="simple" pri="10400"/>
+  </dgm:catLst>
+  <dgm:scene3d>
+    <a:camera prst="orthographicFront"/>
+    <a:lightRig rig="threePt" dir="t"/>
+  </dgm:scene3d>
+  <dgm:styleLbl name="node0">
+    <dgm:scene3d>
+      <a:camera prst="orthographicFront"/>
+      <a:lightRig rig="threePt" dir="t"/>
+    </dgm:scene3d>
+    <dgm:sp3d/>
+    <dgm:txPr/>
+    <dgm:style>
+      <a:lnRef idx="0">
+        <a:scrgbClr r="0" g="0" b="0"/>
+      </a:lnRef>
+      <a:fillRef idx="3">
+        <a:scrgbClr r="0" g="0" b="0"/>
+      </a:fillRef>
+      <a:effectRef idx="2">
+        <a:scrgbClr r="0" g="0" b="0"/>
+      </a:effectRef>
+      <a:fontRef idx="minor">
+        <a:schemeClr val="lt1"/>
+      </a:fontRef>
+    </dgm:style>
+  </dgm:styleLbl>
+  <dgm:styleLbl name="lnNode1">
+    <dgm:scene3d>
+      <a:camera prst="orthographicFront"/>
+      <a:lightRig rig="threePt" dir="t"/>
+    </dgm:scene3d>
+    <dgm:sp3d/>
+    <dgm:txPr/>
+    <dgm:style>
+      <a:lnRef idx="1">
+        <a:scrgbClr r="0" g="0" b="0"/>
+      </a:lnRef>
+      <a:fillRef idx="3">
+        <a:scrgbClr r="0" g="0" b="0"/>
+      </a:fillRef>
+      <a:effectRef idx="2">
+        <a:scrgbClr r="0" g="0" b="0"/>
+      </a:effectRef>
+      <a:fontRef idx="minor">
+        <a:schemeClr val="lt1"/>
+      </a:fontRef>
+    </dgm:style>
+  </dgm:styleLbl>
+  <dgm:styleLbl name="vennNode1">
+    <dgm:scene3d>
+      <a:camera prst="orthographicFront"/>
+      <a:lightRig rig="threePt" dir="t"/>
+    </dgm:scene3d>
+    <dgm:sp3d/>
+    <dgm:txPr/>
+    <dgm:style>
+      <a:lnRef idx="0">
+        <a:scrgbClr r="0" g="0" b="0"/>
+      </a:lnRef>
+      <a:fillRef idx="3">
+        <a:scrgbClr r="0" g="0" b="0"/>
+      </a:fillRef>
+      <a:effectRef idx="0">
+        <a:scrgbClr r="0" g="0" b="0"/>
+      </a:effectRef>
+      <a:fontRef idx="minor">
+        <a:schemeClr val="tx1"/>
+      </a:fontRef>
+    </dgm:style>
+  </dgm:styleLbl>
+  <dgm:styleLbl name="alignNode1">
+    <dgm:scene3d>
+      <a:camera prst="orthographicFront"/>
+      <a:lightRig rig="threePt" dir="t"/>
+    </dgm:scene3d>
+    <dgm:sp3d/>
+    <dgm:txPr/>
+    <dgm:style>
+      <a:lnRef idx="1">
+        <a:scrgbClr r="0" g="0" b="0"/>
+      </a:lnRef>
+      <a:fillRef idx="3">
+        <a:scrgbClr r="0" g="0" b="0"/>
+      </a:fillRef>
+      <a:effectRef idx="2">
+        <a:scrgbClr r="0" g="0" b="0"/>
+      </a:effectRef>
+      <a:fontRef idx="minor">
+        <a:schemeClr val="lt1"/>
+      </a:fontRef>
+    </dgm:style>
+  </dgm:styleLbl>
+  <dgm:styleLbl name="node1">
+    <dgm:scene3d>
+      <a:camera prst="orthographicFront"/>
+      <a:lightRig rig="threePt" dir="t"/>
+    </dgm:scene3d>
+    <dgm:sp3d/>
+    <dgm:txPr/>
+    <dgm:style>
+      <a:lnRef idx="0">
+        <a:scrgbClr r="0" g="0" b="0"/>
+      </a:lnRef>
+      <a:fillRef idx="3">
+        <a:scrgbClr r="0" g="0" b="0"/>
+      </a:fillRef>
+      <a:effectRef idx="2">
+        <a:scrgbClr r="0" g="0" b="0"/>
+      </a:effectRef>
+      <a:fontRef idx="minor">
+        <a:schemeClr val="lt1"/>
+      </a:fontRef>
+    </dgm:style>
+  </dgm:styleLbl>
+  <dgm:styleLbl name="node2">
+    <dgm:scene3d>
+      <a:camera prst="orthographicFront"/>
+      <a:lightRig rig="threePt" dir="t"/>
+    </dgm:scene3d>
+    <dgm:sp3d/>
+    <dgm:txPr/>
+    <dgm:style>
+      <a:lnRef idx="0">
+        <a:scrgbClr r="0" g="0" b="0"/>
+      </a:lnRef>
+      <a:fillRef idx="3">
+        <a:scrgbClr r="0" g="0" b="0"/>
+      </a:fillRef>
+      <a:effectRef idx="2">
+        <a:scrgbClr r="0" g="0" b="0"/>
+      </a:effectRef>
+      <a:fontRef idx="minor">
+        <a:schemeClr val="lt1"/>
+      </a:fontRef>
+    </dgm:style>
+  </dgm:styleLbl>
+  <dgm:styleLbl name="node3">
+    <dgm:scene3d>
+      <a:camera prst="orthographicFront"/>
+      <a:lightRig rig="threePt" dir="t"/>
+    </dgm:scene3d>
+    <dgm:sp3d/>
+    <dgm:txPr/>
+    <dgm:style>
+      <a:lnRef idx="0">
+        <a:scrgbClr r="0" g="0" b="0"/>
+      </a:lnRef>
+      <a:fillRef idx="3">
+        <a:scrgbClr r="0" g="0" b="0"/>
+      </a:fillRef>
+      <a:effectRef idx="2">
+        <a:scrgbClr r="0" g="0" b="0"/>
+      </a:effectRef>
+      <a:fontRef idx="minor">
+        <a:schemeClr val="lt1"/>
+      </a:fontRef>
+    </dgm:style>
+  </dgm:styleLbl>
+  <dgm:styleLbl name="node4">
+    <dgm:scene3d>
+      <a:camera prst="orthographicFront"/>
+      <a:lightRig rig="threePt" dir="t"/>
+    </dgm:scene3d>
+    <dgm:sp3d/>
+    <dgm:txPr/>
+    <dgm:style>
+      <a:lnRef idx="0">
+        <a:scrgbClr r="0" g="0" b="0"/>
+      </a:lnRef>
+      <a:fillRef idx="3">
+        <a:scrgbClr r="0" g="0" b="0"/>
+      </a:fillRef>
+      <a:effectRef idx="2">
+        <a:scrgbClr r="0" g="0" b="0"/>
+      </a:effectRef>
+      <a:fontRef idx="minor">
+        <a:schemeClr val="lt1"/>
+      </a:fontRef>
+    </dgm:style>
+  </dgm:styleLbl>
+  <dgm:styleLbl name="fgImgPlace1">
+    <dgm:scene3d>
+      <a:camera prst="orthographicFront"/>
+      <a:lightRig rig="threePt" dir="t"/>
+    </dgm:scene3d>
+    <dgm:sp3d/>
+    <dgm:txPr/>
+    <dgm:style>
+      <a:lnRef idx="0">
+        <a:scrgbClr r="0" g="0" b="0"/>
+      </a:lnRef>
+      <a:fillRef idx="1">
+        <a:scrgbClr r="0" g="0" b="0"/>
+      </a:fillRef>
+      <a:effectRef idx="2">
+        <a:scrgbClr r="0" g="0" b="0"/>
+      </a:effectRef>
+      <a:fontRef idx="minor"/>
+    </dgm:style>
+  </dgm:styleLbl>
+  <dgm:styleLbl name="alignImgPlace1">
+    <dgm:scene3d>
+      <a:camera prst="orthographicFront"/>
+      <a:lightRig rig="threePt" dir="t"/>
+    </dgm:scene3d>
+    <dgm:sp3d/>
+    <dgm:txPr/>
+    <dgm:style>
+      <a:lnRef idx="0">
+        <a:scrgbClr r="0" g="0" b="0"/>
+      </a:lnRef>
+      <a:fillRef idx="1">
+        <a:scrgbClr r="0" g="0" b="0"/>
+      </a:fillRef>
+      <a:effectRef idx="2">
+        <a:scrgbClr r="0" g="0" b="0"/>
+      </a:effectRef>
+      <a:fontRef idx="minor"/>
+    </dgm:style>
+  </dgm:styleLbl>
+  <dgm:styleLbl name="bgImgPlace1">
+    <dgm:scene3d>
+      <a:camera prst="orthographicFront"/>
+      <a:lightRig rig="threePt" dir="t"/>
+    </dgm:scene3d>
+    <dgm:sp3d/>
+    <dgm:txPr/>
+    <dgm:style>
+      <a:lnRef idx="0">
+        <a:scrgbClr r="0" g="0" b="0"/>
+      </a:lnRef>
+      <a:fillRef idx="1">
+        <a:scrgbClr r="0" g="0" b="0"/>
+      </a:fillRef>
+      <a:effectRef idx="2">
+        <a:scrgbClr r="0" g="0" b="0"/>
+      </a:effectRef>
+      <a:fontRef idx="minor"/>
+    </dgm:style>
+  </dgm:styleLbl>
+  <dgm:styleLbl name="sibTrans2D1">
+    <dgm:scene3d>
+      <a:camera prst="orthographicFront"/>
+      <a:lightRig rig="threePt" dir="t"/>
+    </dgm:scene3d>
+    <dgm:sp3d/>
+    <dgm:txPr/>
+    <dgm:style>
+      <a:lnRef idx="0">
+        <a:scrgbClr r="0" g="0" b="0"/>
+      </a:lnRef>
+      <a:fillRef idx="3">
+        <a:scrgbClr r="0" g="0" b="0"/>
+      </a:fillRef>
+      <a:effectRef idx="2">
+        <a:scrgbClr r="0" g="0" b="0"/>
+      </a:effectRef>
+      <a:fontRef idx="minor">
+        <a:schemeClr val="lt1"/>
+      </a:fontRef>
+    </dgm:style>
+  </dgm:styleLbl>
+  <dgm:styleLbl name="fgSibTrans2D1">
+    <dgm:scene3d>
+      <a:camera prst="orthographicFront"/>
+      <a:lightRig rig="threePt" dir="t"/>
+    </dgm:scene3d>
+    <dgm:sp3d/>
+    <dgm:txPr/>
+    <dgm:style>
+      <a:lnRef idx="0">
+        <a:scrgbClr r="0" g="0" b="0"/>
+      </a:lnRef>
+      <a:fillRef idx="3">
+        <a:scrgbClr r="0" g="0" b="0"/>
+      </a:fillRef>
+      <a:effectRef idx="2">
+        <a:scrgbClr r="0" g="0" b="0"/>
+      </a:effectRef>
+      <a:fontRef idx="minor">
+        <a:schemeClr val="lt1"/>
+      </a:fontRef>
+    </dgm:style>
+  </dgm:styleLbl>
+  <dgm:styleLbl name="bgSibTrans2D1">
+    <dgm:scene3d>
+      <a:camera prst="orthographicFront"/>
+      <a:lightRig rig="threePt" dir="t"/>
+    </dgm:scene3d>
+    <dgm:sp3d/>
+    <dgm:txPr/>
+    <dgm:style>
+      <a:lnRef idx="0">
+        <a:scrgbClr r="0" g="0" b="0"/>
+      </a:lnRef>
+      <a:fillRef idx="3">
+        <a:scrgbClr r="0" g="0" b="0"/>
+      </a:fillRef>
+      <a:effectRef idx="2">
+        <a:scrgbClr r="0" g="0" b="0"/>
+      </a:effectRef>
+      <a:fontRef idx="minor">
+        <a:schemeClr val="lt1"/>
+      </a:fontRef>
+    </dgm:style>
+  </dgm:styleLbl>
+  <dgm:styleLbl name="sibTrans1D1">
+    <dgm:scene3d>
+      <a:camera prst="orthographicFront"/>
+      <a:lightRig rig="threePt" dir="t"/>
+    </dgm:scene3d>
+    <dgm:sp3d/>
+    <dgm:txPr/>
+    <dgm:style>
+      <a:lnRef idx="1">
+        <a:scrgbClr r="0" g="0" b="0"/>
+      </a:lnRef>
+      <a:fillRef idx="0">
+        <a:scrgbClr r="0" g="0" b="0"/>
+      </a:fillRef>
+      <a:effectRef idx="0">
+        <a:scrgbClr r="0" g="0" b="0"/>
+      </a:effectRef>
+      <a:fontRef idx="minor"/>
+    </dgm:style>
+  </dgm:styleLbl>
+  <dgm:styleLbl name="callout">
+    <dgm:scene3d>
+      <a:camera prst="orthographicFront"/>
+      <a:lightRig rig="threePt" dir="t"/>
+    </dgm:scene3d>
+    <dgm:sp3d/>
+    <dgm:txPr/>
+    <dgm:style>
+      <a:lnRef idx="2">
+        <a:scrgbClr r="0" g="0" b="0"/>
+      </a:lnRef>
+      <a:fillRef idx="1">
+        <a:scrgbClr r="0" g="0" b="0"/>
+      </a:fillRef>
+      <a:effectRef idx="1">
+        <a:scrgbClr r="0" g="0" b="0"/>
+      </a:effectRef>
+      <a:fontRef idx="minor"/>
+    </dgm:style>
+  </dgm:styleLbl>
+  <dgm:styleLbl name="asst0">
+    <dgm:scene3d>
+      <a:camera prst="orthographicFront"/>
+      <a:lightRig rig="threePt" dir="t"/>
+    </dgm:scene3d>
+    <dgm:sp3d/>
+    <dgm:txPr/>
+    <dgm:style>
+      <a:lnRef idx="0">
+        <a:scrgbClr r="0" g="0" b="0"/>
+      </a:lnRef>
+      <a:fillRef idx="3">
+        <a:scrgbClr r="0" g="0" b="0"/>
+      </a:fillRef>
+      <a:effectRef idx="2">
+        <a:scrgbClr r="0" g="0" b="0"/>
+      </a:effectRef>
+      <a:fontRef idx="minor">
+        <a:schemeClr val="lt1"/>
+      </a:fontRef>
+    </dgm:style>
+  </dgm:styleLbl>
+  <dgm:styleLbl name="asst1">
+    <dgm:scene3d>
+      <a:camera prst="orthographicFront"/>
+      <a:lightRig rig="threePt" dir="t"/>
+    </dgm:scene3d>
+    <dgm:sp3d/>
+    <dgm:txPr/>
+    <dgm:style>
+      <a:lnRef idx="0">
+        <a:scrgbClr r="0" g="0" b="0"/>
+      </a:lnRef>
+      <a:fillRef idx="3">
+        <a:scrgbClr r="0" g="0" b="0"/>
+      </a:fillRef>
+      <a:effectRef idx="2">
+        <a:scrgbClr r="0" g="0" b="0"/>
+      </a:effectRef>
+      <a:fontRef idx="minor">
+        <a:schemeClr val="lt1"/>
+      </a:fontRef>
+    </dgm:style>
+  </dgm:styleLbl>
+  <dgm:styleLbl name="asst2">
+    <dgm:scene3d>
+      <a:camera prst="orthographicFront"/>
+      <a:lightRig rig="threePt" dir="t"/>
+    </dgm:scene3d>
+    <dgm:sp3d/>
+    <dgm:txPr/>
+    <dgm:style>
+      <a:lnRef idx="0">
+        <a:scrgbClr r="0" g="0" b="0"/>
+      </a:lnRef>
+      <a:fillRef idx="3">
+        <a:scrgbClr r="0" g="0" b="0"/>
+      </a:fillRef>
+      <a:effectRef idx="2">
+        <a:scrgbClr r="0" g="0" b="0"/>
+      </a:effectRef>
+      <a:fontRef idx="minor">
+        <a:schemeClr val="lt1"/>
+      </a:fontRef>
+    </dgm:style>
+  </dgm:styleLbl>
+  <dgm:styleLbl name="asst3">
+    <dgm:scene3d>
+      <a:camera prst="orthographicFront"/>
+      <a:lightRig rig="threePt" dir="t"/>
+    </dgm:scene3d>
+    <dgm:sp3d/>
+    <dgm:txPr/>
+    <dgm:style>
+      <a:lnRef idx="0">
+        <a:scrgbClr r="0" g="0" b="0"/>
+      </a:lnRef>
+      <a:fillRef idx="3">
+        <a:scrgbClr r="0" g="0" b="0"/>
+      </a:fillRef>
+      <a:effectRef idx="2">
+        <a:scrgbClr r="0" g="0" b="0"/>
+      </a:effectRef>
+      <a:fontRef idx="minor">
+        <a:schemeClr val="lt1"/>
+      </a:fontRef>
+    </dgm:style>
+  </dgm:styleLbl>
+  <dgm:styleLbl name="asst4">
+    <dgm:scene3d>
+      <a:camera prst="orthographicFront"/>
+      <a:lightRig rig="threePt" dir="t"/>
+    </dgm:scene3d>
+    <dgm:sp3d/>
+    <dgm:txPr/>
+    <dgm:style>
+      <a:lnRef idx="0">
+        <a:scrgbClr r="0" g="0" b="0"/>
+      </a:lnRef>
+      <a:fillRef idx="3">
+        <a:scrgbClr r="0" g="0" b="0"/>
+      </a:fillRef>
+      <a:effectRef idx="2">
+        <a:scrgbClr r="0" g="0" b="0"/>
+      </a:effectRef>
+      <a:fontRef idx="minor">
+        <a:schemeClr val="lt1"/>
+      </a:fontRef>
+    </dgm:style>
+  </dgm:styleLbl>
+  <dgm:styleLbl name="parChTrans2D1">
+    <dgm:scene3d>
+      <a:camera prst="orthographicFront"/>
+      <a:lightRig rig="threePt" dir="t"/>
+    </dgm:scene3d>
+    <dgm:sp3d/>
+    <dgm:txPr/>
+    <dgm:style>
+      <a:lnRef idx="0">
+        <a:scrgbClr r="0" g="0" b="0"/>
+      </a:lnRef>
+      <a:fillRef idx="3">
+        <a:scrgbClr r="0" g="0" b="0"/>
+      </a:fillRef>
+      <a:effectRef idx="2">
+        <a:scrgbClr r="0" g="0" b="0"/>
+      </a:effectRef>
+      <a:fontRef idx="minor">
+        <a:schemeClr val="lt1"/>
+      </a:fontRef>
+    </dgm:style>
+  </dgm:styleLbl>
+  <dgm:styleLbl name="parChTrans2D2">
+    <dgm:scene3d>
+      <a:camera prst="orthographicFront"/>
+      <a:lightRig rig="threePt" dir="t"/>
+    </dgm:scene3d>
+    <dgm:sp3d/>
+    <dgm:txPr/>
+    <dgm:style>
+      <a:lnRef idx="0">
+        <a:scrgbClr r="0" g="0" b="0"/>
+      </a:lnRef>
+      <a:fillRef idx="3">
+        <a:scrgbClr r="0" g="0" b="0"/>
+      </a:fillRef>
+      <a:effectRef idx="2">
+        <a:scrgbClr r="0" g="0" b="0"/>
+      </a:effectRef>
+      <a:fontRef idx="minor">
+        <a:schemeClr val="lt1"/>
+      </a:fontRef>
+    </dgm:style>
+  </dgm:styleLbl>
+  <dgm:styleLbl name="parChTrans2D3">
+    <dgm:scene3d>
+      <a:camera prst="orthographicFront"/>
+      <a:lightRig rig="threePt" dir="t"/>
+    </dgm:scene3d>
+    <dgm:sp3d/>
+    <dgm:txPr/>
+    <dgm:style>
+      <a:lnRef idx="1">
+        <a:scrgbClr r="0" g="0" b="0"/>
+      </a:lnRef>
+      <a:fillRef idx="3">
+        <a:scrgbClr r="0" g="0" b="0"/>
+      </a:fillRef>
+      <a:effectRef idx="2">
+        <a:scrgbClr r="0" g="0" b="0"/>
+      </a:effectRef>
+      <a:fontRef idx="minor">
+        <a:schemeClr val="lt1"/>
+      </a:fontRef>
+    </dgm:style>
+  </dgm:styleLbl>
+  <dgm:styleLbl name="parChTrans2D4">
+    <dgm:scene3d>
+      <a:camera prst="orthographicFront"/>
+      <a:lightRig rig="threePt" dir="t"/>
+    </dgm:scene3d>
+    <dgm:sp3d/>
+    <dgm:txPr/>
+    <dgm:style>
+      <a:lnRef idx="1">
+        <a:scrgbClr r="0" g="0" b="0"/>
+      </a:lnRef>
+      <a:fillRef idx="3">
+        <a:scrgbClr r="0" g="0" b="0"/>
+      </a:fillRef>
+      <a:effectRef idx="2">
+        <a:scrgbClr r="0" g="0" b="0"/>
+      </a:effectRef>
+      <a:fontRef idx="minor">
+        <a:schemeClr val="lt1"/>
+      </a:fontRef>
+    </dgm:style>
+  </dgm:styleLbl>
+  <dgm:styleLbl name="parChTrans1D1">
+    <dgm:scene3d>
+      <a:camera prst="orthographicFront"/>
+      <a:lightRig rig="threePt" dir="t"/>
+    </dgm:scene3d>
+    <dgm:sp3d/>
+    <dgm:txPr/>
+    <dgm:style>
+      <a:lnRef idx="1">
+        <a:scrgbClr r="0" g="0" b="0"/>
+      </a:lnRef>
+      <a:fillRef idx="0">
+        <a:scrgbClr r="0" g="0" b="0"/>
+      </a:fillRef>
+      <a:effectRef idx="0">
+        <a:scrgbClr r="0" g="0" b="0"/>
+      </a:effectRef>
+      <a:fontRef idx="minor"/>
+    </dgm:style>
+  </dgm:styleLbl>
+  <dgm:styleLbl name="parChTrans1D2">
+    <dgm:scene3d>
+      <a:camera prst="orthographicFront"/>
+      <a:lightRig rig="threePt" dir="t"/>
+    </dgm:scene3d>
+    <dgm:sp3d/>
+    <dgm:txPr/>
+    <dgm:style>
+      <a:lnRef idx="1">
+        <a:scrgbClr r="0" g="0" b="0"/>
+      </a:lnRef>
+      <a:fillRef idx="0">
+        <a:scrgbClr r="0" g="0" b="0"/>
+      </a:fillRef>
+      <a:effectRef idx="0">
+        <a:scrgbClr r="0" g="0" b="0"/>
+      </a:effectRef>
+      <a:fontRef idx="minor"/>
+    </dgm:style>
+  </dgm:styleLbl>
+  <dgm:styleLbl name="parChTrans1D3">
+    <dgm:scene3d>
+      <a:camera prst="orthographicFront"/>
+      <a:lightRig rig="threePt" dir="t"/>
+    </dgm:scene3d>
+    <dgm:sp3d/>
+    <dgm:txPr/>
+    <dgm:style>
+      <a:lnRef idx="1">
+        <a:scrgbClr r="0" g="0" b="0"/>
+      </a:lnRef>
+      <a:fillRef idx="0">
+        <a:scrgbClr r="0" g="0" b="0"/>
+      </a:fillRef>
+      <a:effectRef idx="0">
+        <a:scrgbClr r="0" g="0" b="0"/>
+      </a:effectRef>
+      <a:fontRef idx="minor"/>
+    </dgm:style>
+  </dgm:styleLbl>
+  <dgm:styleLbl name="parChTrans1D4">
+    <dgm:scene3d>
+      <a:camera prst="orthographicFront"/>
+      <a:lightRig rig="threePt" dir="t"/>
+    </dgm:scene3d>
+    <dgm:sp3d/>
+    <dgm:txPr/>
+    <dgm:style>
+      <a:lnRef idx="1">
+        <a:scrgbClr r="0" g="0" b="0"/>
+      </a:lnRef>
+      <a:fillRef idx="0">
+        <a:scrgbClr r="0" g="0" b="0"/>
+      </a:fillRef>
+      <a:effectRef idx="0">
+        <a:scrgbClr r="0" g="0" b="0"/>
+      </a:effectRef>
+      <a:fontRef idx="minor"/>
+    </dgm:style>
+  </dgm:styleLbl>
+  <dgm:styleLbl name="fgAcc1">
+    <dgm:scene3d>
+      <a:camera prst="orthographicFront"/>
+      <a:lightRig rig="threePt" dir="t"/>
+    </dgm:scene3d>
+    <dgm:sp3d/>
+    <dgm:txPr/>
+    <dgm:style>
+      <a:lnRef idx="1">
+        <a:scrgbClr r="0" g="0" b="0"/>
+      </a:lnRef>
+      <a:fillRef idx="1">
+        <a:scrgbClr r="0" g="0" b="0"/>
+      </a:fillRef>
+      <a:effectRef idx="0">
+        <a:scrgbClr r="0" g="0" b="0"/>
+      </a:effectRef>
+      <a:fontRef idx="minor"/>
+    </dgm:style>
+  </dgm:styleLbl>
+  <dgm:styleLbl name="conFgAcc1">
+    <dgm:scene3d>
+      <a:camera prst="orthographicFront"/>
+      <a:lightRig rig="threePt" dir="t"/>
+    </dgm:scene3d>
+    <dgm:sp3d/>
+    <dgm:txPr/>
+    <dgm:style>
+      <a:lnRef idx="1">
+        <a:scrgbClr r="0" g="0" b="0"/>
+      </a:lnRef>
+      <a:fillRef idx="1">
+        <a:scrgbClr r="0" g="0" b="0"/>
+      </a:fillRef>
+      <a:effectRef idx="0">
+        <a:scrgbClr r="0" g="0" b="0"/>
+      </a:effectRef>
+      <a:fontRef idx="minor"/>
+    </dgm:style>
+  </dgm:styleLbl>
+  <dgm:styleLbl name="alignAcc1">
+    <dgm:scene3d>
+      <a:camera prst="orthographicFront"/>
+      <a:lightRig rig="threePt" dir="t"/>
+    </dgm:scene3d>
+    <dgm:sp3d/>
+    <dgm:txPr/>
+    <dgm:style>
+      <a:lnRef idx="1">
+        <a:scrgbClr r="0" g="0" b="0"/>
+      </a:lnRef>
+      <a:fillRef idx="1">
+        <a:scrgbClr r="0" g="0" b="0"/>
+      </a:fillRef>
+      <a:effectRef idx="0">
+        <a:scrgbClr r="0" g="0" b="0"/>
+      </a:effectRef>
+      <a:fontRef idx="minor"/>
+    </dgm:style>
+  </dgm:styleLbl>
+  <dgm:styleLbl name="trAlignAcc1">
+    <dgm:scene3d>
+      <a:camera prst="orthographicFront"/>
+      <a:lightRig rig="threePt" dir="t"/>
+    </dgm:scene3d>
+    <dgm:sp3d/>
+    <dgm:txPr/>
+    <dgm:style>
+      <a:lnRef idx="1">
+        <a:scrgbClr r="0" g="0" b="0"/>
+      </a:lnRef>
+      <a:fillRef idx="1">
+        <a:scrgbClr r="0" g="0" b="0"/>
+      </a:fillRef>
+      <a:effectRef idx="0">
+        <a:scrgbClr r="0" g="0" b="0"/>
+      </a:effectRef>
+      <a:fontRef idx="minor"/>
+    </dgm:style>
+  </dgm:styleLbl>
+  <dgm:styleLbl name="bgAcc1">
+    <dgm:scene3d>
+      <a:camera prst="orthographicFront"/>
+      <a:lightRig rig="threePt" dir="t"/>
+    </dgm:scene3d>
+    <dgm:sp3d/>
+    <dgm:txPr/>
+    <dgm:style>
+      <a:lnRef idx="1">
+        <a:scrgbClr r="0" g="0" b="0"/>
+      </a:lnRef>
+      <a:fillRef idx="1">
+        <a:scrgbClr r="0" g="0" b="0"/>
+      </a:fillRef>
+      <a:effectRef idx="0">
+        <a:scrgbClr r="0" g="0" b="0"/>
+      </a:effectRef>
+      <a:fontRef idx="minor"/>
+    </dgm:style>
+  </dgm:styleLbl>
+  <dgm:styleLbl name="solidFgAcc1">
+    <dgm:scene3d>
+      <a:camera prst="orthographicFront"/>
+      <a:lightRig rig="threePt" dir="t"/>
+    </dgm:scene3d>
+    <dgm:sp3d/>
+    <dgm:txPr/>
+    <dgm:style>
+      <a:lnRef idx="1">
+        <a:scrgbClr r="0" g="0" b="0"/>
+      </a:lnRef>
+      <a:fillRef idx="1">
+        <a:scrgbClr r="0" g="0" b="0"/>
+      </a:fillRef>
+      <a:effectRef idx="0">
+        <a:scrgbClr r="0" g="0" b="0"/>
+      </a:effectRef>
+      <a:fontRef idx="minor"/>
+    </dgm:style>
+  </dgm:styleLbl>
+  <dgm:styleLbl name="solidAlignAcc1">
+    <dgm:scene3d>
+      <a:camera prst="orthographicFront"/>
+      <a:lightRig rig="threePt" dir="t"/>
+    </dgm:scene3d>
+    <dgm:sp3d/>
+    <dgm:txPr/>
+    <dgm:style>
+      <a:lnRef idx="1">
+        <a:scrgbClr r="0" g="0" b="0"/>
+      </a:lnRef>
+      <a:fillRef idx="1">
+        <a:scrgbClr r="0" g="0" b="0"/>
+      </a:fillRef>
+      <a:effectRef idx="0">
+        <a:scrgbClr r="0" g="0" b="0"/>
+      </a:effectRef>
+      <a:fontRef idx="minor"/>
+    </dgm:style>
+  </dgm:styleLbl>
+  <dgm:styleLbl name="solidBgAcc1">
+    <dgm:scene3d>
+      <a:camera prst="orthographicFront"/>
+      <a:lightRig rig="threePt" dir="t"/>
+    </dgm:scene3d>
+    <dgm:sp3d/>
+    <dgm:txPr/>
+    <dgm:style>
+      <a:lnRef idx="1">
+        <a:scrgbClr r="0" g="0" b="0"/>
+      </a:lnRef>
+      <a:fillRef idx="1">
+        <a:scrgbClr r="0" g="0" b="0"/>
+      </a:fillRef>
+      <a:effectRef idx="0">
+        <a:scrgbClr r="0" g="0" b="0"/>
+      </a:effectRef>
+      <a:fontRef idx="minor"/>
+    </dgm:style>
+  </dgm:styleLbl>
+  <dgm:styleLbl name="fgAccFollowNode1">
+    <dgm:scene3d>
+      <a:camera prst="orthographicFront"/>
+      <a:lightRig rig="threePt" dir="t"/>
+    </dgm:scene3d>
+    <dgm:sp3d/>
+    <dgm:txPr/>
+    <dgm:style>
+      <a:lnRef idx="1">
+        <a:scrgbClr r="0" g="0" b="0"/>
+      </a:lnRef>
+      <a:fillRef idx="1">
+        <a:scrgbClr r="0" g="0" b="0"/>
+      </a:fillRef>
+      <a:effectRef idx="0">
+        <a:scrgbClr r="0" g="0" b="0"/>
+      </a:effectRef>
+      <a:fontRef idx="minor"/>
+    </dgm:style>
+  </dgm:styleLbl>
+  <dgm:styleLbl name="alignAccFollowNode1">
+    <dgm:scene3d>
+      <a:camera prst="orthographicFront"/>
+      <a:lightRig rig="threePt" dir="t"/>
+    </dgm:scene3d>
+    <dgm:sp3d/>
+    <dgm:txPr/>
+    <dgm:style>
+      <a:lnRef idx="1">
+        <a:scrgbClr r="0" g="0" b="0"/>
+      </a:lnRef>
+      <a:fillRef idx="1">
+        <a:scrgbClr r="0" g="0" b="0"/>
+      </a:fillRef>
+      <a:effectRef idx="0">
+        <a:scrgbClr r="0" g="0" b="0"/>
+      </a:effectRef>
+      <a:fontRef idx="minor"/>
+    </dgm:style>
+  </dgm:styleLbl>
+  <dgm:styleLbl name="bgAccFollowNode1">
+    <dgm:scene3d>
+      <a:camera prst="orthographicFront"/>
+      <a:lightRig rig="threePt" dir="t"/>
+    </dgm:scene3d>
+    <dgm:sp3d/>
+    <dgm:txPr/>
+    <dgm:style>
+      <a:lnRef idx="1">
+        <a:scrgbClr r="0" g="0" b="0"/>
+      </a:lnRef>
+      <a:fillRef idx="1">
+        <a:scrgbClr r="0" g="0" b="0"/>
+      </a:fillRef>
+      <a:effectRef idx="0">
+        <a:scrgbClr r="0" g="0" b="0"/>
+      </a:effectRef>
+      <a:fontRef idx="minor"/>
+    </dgm:style>
+  </dgm:styleLbl>
+  <dgm:styleLbl name="fgAcc0">
+    <dgm:scene3d>
+      <a:camera prst="orthographicFront"/>
+      <a:lightRig rig="threePt" dir="t"/>
+    </dgm:scene3d>
+    <dgm:sp3d/>
+    <dgm:txPr/>
+    <dgm:style>
+      <a:lnRef idx="1">
+        <a:scrgbClr r="0" g="0" b="0"/>
+      </a:lnRef>
+      <a:fillRef idx="1">
+        <a:scrgbClr r="0" g="0" b="0"/>
+      </a:fillRef>
+      <a:effectRef idx="0">
+        <a:scrgbClr r="0" g="0" b="0"/>
+      </a:effectRef>
+      <a:fontRef idx="minor"/>
+    </dgm:style>
+  </dgm:styleLbl>
+  <dgm:styleLbl name="fgAcc2">
+    <dgm:scene3d>
+      <a:camera prst="orthographicFront"/>
+      <a:lightRig rig="threePt" dir="t"/>
+    </dgm:scene3d>
+    <dgm:sp3d/>
+    <dgm:txPr/>
+    <dgm:style>
+      <a:lnRef idx="1">
+        <a:scrgbClr r="0" g="0" b="0"/>
+      </a:lnRef>
+      <a:fillRef idx="1">
+        <a:scrgbClr r="0" g="0" b="0"/>
+      </a:fillRef>
+      <a:effectRef idx="0">
+        <a:scrgbClr r="0" g="0" b="0"/>
+      </a:effectRef>
+      <a:fontRef idx="minor"/>
+    </dgm:style>
+  </dgm:styleLbl>
+  <dgm:styleLbl name="fgAcc3">
+    <dgm:scene3d>
+      <a:camera prst="orthographicFront"/>
+      <a:lightRig rig="threePt" dir="t"/>
+    </dgm:scene3d>
+    <dgm:sp3d/>
+    <dgm:txPr/>
+    <dgm:style>
+      <a:lnRef idx="1">
+        <a:scrgbClr r="0" g="0" b="0"/>
+      </a:lnRef>
+      <a:fillRef idx="1">
+        <a:scrgbClr r="0" g="0" b="0"/>
+      </a:fillRef>
+      <a:effectRef idx="0">
+        <a:scrgbClr r="0" g="0" b="0"/>
+      </a:effectRef>
+      <a:fontRef idx="minor"/>
+    </dgm:style>
+  </dgm:styleLbl>
+  <dgm:styleLbl name="fgAcc4">
+    <dgm:scene3d>
+      <a:camera prst="orthographicFront"/>
+      <a:lightRig rig="threePt" dir="t"/>
+    </dgm:scene3d>
+    <dgm:sp3d/>
+    <dgm:txPr/>
+    <dgm:style>
+      <a:lnRef idx="1">
+        <a:scrgbClr r="0" g="0" b="0"/>
+      </a:lnRef>
+      <a:fillRef idx="1">
+        <a:scrgbClr r="0" g="0" b="0"/>
+      </a:fillRef>
+      <a:effectRef idx="0">
+        <a:scrgbClr r="0" g="0" b="0"/>
+      </a:effectRef>
+      <a:fontRef idx="minor"/>
+    </dgm:style>
+  </dgm:styleLbl>
+  <dgm:styleLbl name="bgShp">
+    <dgm:scene3d>
+      <a:camera prst="orthographicFront"/>
+      <a:lightRig rig="threePt" dir="t"/>
+    </dgm:scene3d>
+    <dgm:sp3d/>
+    <dgm:txPr/>
+    <dgm:style>
+      <a:lnRef idx="0">
+        <a:scrgbClr r="0" g="0" b="0"/>
+      </a:lnRef>
+      <a:fillRef idx="1">
+        <a:scrgbClr r="0" g="0" b="0"/>
+      </a:fillRef>
+      <a:effectRef idx="2">
+        <a:scrgbClr r="0" g="0" b="0"/>
+      </a:effectRef>
+      <a:fontRef idx="minor"/>
+    </dgm:style>
+  </dgm:styleLbl>
+  <dgm:styleLbl name="dkBgShp">
+    <dgm:scene3d>
+      <a:camera prst="orthographicFront"/>
+      <a:lightRig rig="threePt" dir="t"/>
+    </dgm:scene3d>
+    <dgm:sp3d/>
+    <dgm:txPr/>
+    <dgm:style>
+      <a:lnRef idx="0">
+        <a:scrgbClr r="0" g="0" b="0"/>
+      </a:lnRef>
+      <a:fillRef idx="1">
+        <a:scrgbClr r="0" g="0" b="0"/>
+      </a:fillRef>
+      <a:effectRef idx="2">
+        <a:scrgbClr r="0" g="0" b="0"/>
+      </a:effectRef>
+      <a:fontRef idx="minor"/>
+    </dgm:style>
+  </dgm:styleLbl>
+  <dgm:styleLbl name="trBgShp">
+    <dgm:scene3d>
+      <a:camera prst="orthographicFront"/>
+      <a:lightRig rig="threePt" dir="t"/>
+    </dgm:scene3d>
+    <dgm:sp3d/>
+    <dgm:txPr/>
+    <dgm:style>
+      <a:lnRef idx="0">
+        <a:scrgbClr r="0" g="0" b="0"/>
+      </a:lnRef>
+      <a:fillRef idx="1">
+        <a:scrgbClr r="0" g="0" b="0"/>
+      </a:fillRef>
+      <a:effectRef idx="0">
+        <a:scrgbClr r="0" g="0" b="0"/>
+      </a:effectRef>
+      <a:fontRef idx="minor"/>
+    </dgm:style>
+  </dgm:styleLbl>
+  <dgm:styleLbl name="fgShp">
+    <dgm:scene3d>
+      <a:camera prst="orthographicFront"/>
+      <a:lightRig rig="threePt" dir="t"/>
+    </dgm:scene3d>
+    <dgm:sp3d/>
+    <dgm:txPr/>
+    <dgm:style>
+      <a:lnRef idx="0">
+        <a:scrgbClr r="0" g="0" b="0"/>
+      </a:lnRef>
+      <a:fillRef idx="3">
+        <a:scrgbClr r="0" g="0" b="0"/>
+      </a:fillRef>
+      <a:effectRef idx="2">
+        <a:scrgbClr r="0" g="0" b="0"/>
+      </a:effectRef>
+      <a:fontRef idx="minor"/>
+    </dgm:style>
+  </dgm:styleLbl>
+  <dgm:styleLbl name="revTx">
+    <dgm:scene3d>
+      <a:camera prst="orthographicFront"/>
+      <a:lightRig rig="threePt" dir="t"/>
+    </dgm:scene3d>
+    <dgm:sp3d/>
+    <dgm:txPr/>
+    <dgm:style>
+      <a:lnRef idx="0">
+        <a:scrgbClr r="0" g="0" b="0"/>
+      </a:lnRef>
+      <a:fillRef idx="0">
+        <a:scrgbClr r="0" g="0" b="0"/>
+      </a:fillRef>
+      <a:effectRef idx="0">
+        <a:scrgbClr r="0" g="0" b="0"/>
+      </a:effectRef>
+      <a:fontRef idx="minor"/>
+    </dgm:style>
+  </dgm:styleLbl>
+</dgm:styleDef>
+</file>
+
 <file path=ppt/slideLayouts/slideLayout1.xml><?xml version="1.0" encoding="utf-8"?>
 <p:sldLayout xmlns:a="http://schemas.openxmlformats.org/drawingml/2006/main" xmlns:r="http://schemas.openxmlformats.org/officeDocument/2006/relationships" xmlns:p="http://schemas.openxmlformats.org/presentationml/2006/main" type="title" preserve="1">
   <p:cSld name="Title Slide">
@@ -3016,7 +8682,7 @@
           <a:p>
             <a:fld id="{80FC9F30-EFF0-9042-A3A5-3A1B064A2B21}" type="datetimeFigureOut">
               <a:rPr lang="en-US" smtClean="0"/>
-              <a:t>7/15/19</a:t>
+              <a:t>7/18/19</a:t>
             </a:fld>
             <a:endParaRPr lang="en-US"/>
           </a:p>
@@ -3181,7 +8847,7 @@
           <a:p>
             <a:fld id="{80FC9F30-EFF0-9042-A3A5-3A1B064A2B21}" type="datetimeFigureOut">
               <a:rPr lang="en-US" smtClean="0"/>
-              <a:t>7/15/19</a:t>
+              <a:t>7/18/19</a:t>
             </a:fld>
             <a:endParaRPr lang="en-US"/>
           </a:p>
@@ -3356,7 +9022,7 @@
           <a:p>
             <a:fld id="{80FC9F30-EFF0-9042-A3A5-3A1B064A2B21}" type="datetimeFigureOut">
               <a:rPr lang="en-US" smtClean="0"/>
-              <a:t>7/15/19</a:t>
+              <a:t>7/18/19</a:t>
             </a:fld>
             <a:endParaRPr lang="en-US"/>
           </a:p>
@@ -3521,7 +9187,7 @@
           <a:p>
             <a:fld id="{80FC9F30-EFF0-9042-A3A5-3A1B064A2B21}" type="datetimeFigureOut">
               <a:rPr lang="en-US" smtClean="0"/>
-              <a:t>7/15/19</a:t>
+              <a:t>7/18/19</a:t>
             </a:fld>
             <a:endParaRPr lang="en-US"/>
           </a:p>
@@ -3760,7 +9426,7 @@
           <a:p>
             <a:fld id="{80FC9F30-EFF0-9042-A3A5-3A1B064A2B21}" type="datetimeFigureOut">
               <a:rPr lang="en-US" smtClean="0"/>
-              <a:t>7/15/19</a:t>
+              <a:t>7/18/19</a:t>
             </a:fld>
             <a:endParaRPr lang="en-US"/>
           </a:p>
@@ -3987,7 +9653,7 @@
           <a:p>
             <a:fld id="{80FC9F30-EFF0-9042-A3A5-3A1B064A2B21}" type="datetimeFigureOut">
               <a:rPr lang="en-US" smtClean="0"/>
-              <a:t>7/15/19</a:t>
+              <a:t>7/18/19</a:t>
             </a:fld>
             <a:endParaRPr lang="en-US"/>
           </a:p>
@@ -4349,7 +10015,7 @@
           <a:p>
             <a:fld id="{80FC9F30-EFF0-9042-A3A5-3A1B064A2B21}" type="datetimeFigureOut">
               <a:rPr lang="en-US" smtClean="0"/>
-              <a:t>7/15/19</a:t>
+              <a:t>7/18/19</a:t>
             </a:fld>
             <a:endParaRPr lang="en-US"/>
           </a:p>
@@ -4462,7 +10128,7 @@
           <a:p>
             <a:fld id="{80FC9F30-EFF0-9042-A3A5-3A1B064A2B21}" type="datetimeFigureOut">
               <a:rPr lang="en-US" smtClean="0"/>
-              <a:t>7/15/19</a:t>
+              <a:t>7/18/19</a:t>
             </a:fld>
             <a:endParaRPr lang="en-US"/>
           </a:p>
@@ -4552,7 +10218,7 @@
           <a:p>
             <a:fld id="{80FC9F30-EFF0-9042-A3A5-3A1B064A2B21}" type="datetimeFigureOut">
               <a:rPr lang="en-US" smtClean="0"/>
-              <a:t>7/15/19</a:t>
+              <a:t>7/18/19</a:t>
             </a:fld>
             <a:endParaRPr lang="en-US"/>
           </a:p>
@@ -4824,7 +10490,7 @@
           <a:p>
             <a:fld id="{80FC9F30-EFF0-9042-A3A5-3A1B064A2B21}" type="datetimeFigureOut">
               <a:rPr lang="en-US" smtClean="0"/>
-              <a:t>7/15/19</a:t>
+              <a:t>7/18/19</a:t>
             </a:fld>
             <a:endParaRPr lang="en-US"/>
           </a:p>
@@ -5076,7 +10742,7 @@
           <a:p>
             <a:fld id="{80FC9F30-EFF0-9042-A3A5-3A1B064A2B21}" type="datetimeFigureOut">
               <a:rPr lang="en-US" smtClean="0"/>
-              <a:t>7/15/19</a:t>
+              <a:t>7/18/19</a:t>
             </a:fld>
             <a:endParaRPr lang="en-US"/>
           </a:p>
@@ -5284,7 +10950,7 @@
           <a:p>
             <a:fld id="{80FC9F30-EFF0-9042-A3A5-3A1B064A2B21}" type="datetimeFigureOut">
               <a:rPr lang="en-US" smtClean="0"/>
-              <a:t>7/15/19</a:t>
+              <a:t>7/18/19</a:t>
             </a:fld>
             <a:endParaRPr lang="en-US"/>
           </a:p>
@@ -5706,7 +11372,7 @@
         <p:spPr>
           <a:xfrm>
             <a:off x="808891" y="6020038"/>
-            <a:ext cx="15650308" cy="2110150"/>
+            <a:ext cx="15650308" cy="1431231"/>
           </a:xfrm>
           <a:prstGeom prst="rect">
             <a:avLst/>
@@ -5873,8 +11539,8 @@
         </p:nvSpPr>
         <p:spPr>
           <a:xfrm>
-            <a:off x="808890" y="8227594"/>
-            <a:ext cx="15650309" cy="15751684"/>
+            <a:off x="961290" y="7614616"/>
+            <a:ext cx="15650309" cy="9580764"/>
           </a:xfrm>
           <a:prstGeom prst="rect">
             <a:avLst/>
@@ -5888,43 +11554,43 @@
           <a:lstStyle/>
           <a:p>
             <a:r>
-              <a:rPr lang="en-US" sz="4500" dirty="0" smtClean="0"/>
+              <a:rPr lang="en-US" sz="3400" dirty="0" smtClean="0"/>
               <a:t>An </a:t>
             </a:r>
             <a:r>
-              <a:rPr lang="en-US" sz="4500" dirty="0"/>
+              <a:rPr lang="en-US" sz="3400" dirty="0"/>
               <a:t>alignment is a character matrix containing DNA or amino acid sequences from several species. These sequences, known as </a:t>
             </a:r>
             <a:r>
-              <a:rPr lang="en-US" sz="4500" dirty="0" err="1"/>
+              <a:rPr lang="en-US" sz="3400" dirty="0" err="1"/>
               <a:t>orthologs</a:t>
             </a:r>
             <a:r>
-              <a:rPr lang="en-US" sz="4500" dirty="0"/>
+              <a:rPr lang="en-US" sz="3400" dirty="0"/>
               <a:t>, are genes in different species that evolved from a common ancestor. Alignments contain gaps which represent insertions and deletions in sequence evolution. Creating an alignment is the first step for comparing </a:t>
             </a:r>
             <a:r>
-              <a:rPr lang="en-US" sz="4500" dirty="0" err="1"/>
+              <a:rPr lang="en-US" sz="3400" dirty="0" err="1"/>
               <a:t>orthologs</a:t>
             </a:r>
             <a:r>
-              <a:rPr lang="en-US" sz="4500" dirty="0"/>
+              <a:rPr lang="en-US" sz="3400" dirty="0"/>
               <a:t> and building phylogenies. Producing phylogenies requires specification of a suitable model of sequence evolution. To determine these models, we often use model selection based using theoretic information criteria, such as </a:t>
             </a:r>
             <a:r>
-              <a:rPr lang="en-US" sz="4500" dirty="0" err="1"/>
+              <a:rPr lang="en-US" sz="3400" dirty="0" err="1"/>
               <a:t>Akaike</a:t>
             </a:r>
             <a:r>
-              <a:rPr lang="en-US" sz="4500" dirty="0"/>
+              <a:rPr lang="en-US" sz="3400" dirty="0"/>
               <a:t> Information Criterion (AIC). However, generating alignments is prone to error, and alignment quality is known to affect the quality of phylogenies. Here, we ask whether the alignment also affects finding the model that best fits the data. We generate a set of perturbed alignments for 200 protein and nucleotide datasets each from the </a:t>
             </a:r>
             <a:r>
-              <a:rPr lang="en-US" sz="4500" i="1" dirty="0"/>
+              <a:rPr lang="en-US" sz="3400" i="1" dirty="0"/>
               <a:t>Selectome</a:t>
             </a:r>
             <a:r>
-              <a:rPr lang="en-US" sz="4500" dirty="0"/>
+              <a:rPr lang="en-US" sz="3400" dirty="0"/>
               <a:t> database and analyze whether the best-fitting model is consistent for all alignment versions. We find that the alignment does have the potential to affect model selection, such that different models are identified as the best-fitting model for a given alignment version. Future work will examine how certain features of the data may further affect model selection.</a:t>
             </a:r>
           </a:p>
@@ -5941,7 +11607,7 @@
         </p:nvSpPr>
         <p:spPr>
           <a:xfrm>
-            <a:off x="6523891" y="6718626"/>
+            <a:off x="6802537" y="6260676"/>
             <a:ext cx="4220306" cy="1209242"/>
           </a:xfrm>
           <a:prstGeom prst="rect">
@@ -5971,8 +11637,8 @@
         </p:nvSpPr>
         <p:spPr>
           <a:xfrm>
-            <a:off x="808891" y="8130188"/>
-            <a:ext cx="15650308" cy="14783471"/>
+            <a:off x="805581" y="7494831"/>
+            <a:ext cx="15650308" cy="8710012"/>
           </a:xfrm>
           <a:prstGeom prst="rect">
             <a:avLst/>
@@ -6012,8 +11678,8 @@
         </p:nvSpPr>
         <p:spPr>
           <a:xfrm>
-            <a:off x="17268094" y="6020038"/>
-            <a:ext cx="14911750" cy="2110150"/>
+            <a:off x="17177092" y="6020038"/>
+            <a:ext cx="15002752" cy="1449880"/>
           </a:xfrm>
           <a:prstGeom prst="rect">
             <a:avLst/>
@@ -6057,8 +11723,8 @@
         </p:nvSpPr>
         <p:spPr>
           <a:xfrm>
-            <a:off x="17177092" y="8130188"/>
-            <a:ext cx="14806239" cy="14783471"/>
+            <a:off x="17177093" y="7494831"/>
+            <a:ext cx="15002751" cy="13586812"/>
           </a:xfrm>
           <a:prstGeom prst="rect">
             <a:avLst/>
@@ -6102,14 +11768,14 @@
           <p:nvPr>
             <p:extLst>
               <p:ext uri="{D42A27DB-BD31-4B8C-83A1-F6EECF244321}">
-                <p14:modId xmlns:p14="http://schemas.microsoft.com/office/powerpoint/2010/main" val="1803963091"/>
+                <p14:modId xmlns:p14="http://schemas.microsoft.com/office/powerpoint/2010/main" val="75436434"/>
               </p:ext>
             </p:extLst>
           </p:nvPr>
         </p:nvGraphicFramePr>
         <p:xfrm>
-          <a:off x="17268094" y="8501914"/>
-          <a:ext cx="15069565" cy="14727677"/>
+          <a:off x="17391012" y="8100748"/>
+          <a:ext cx="15160566" cy="13215087"/>
         </p:xfrm>
         <a:graphic>
           <a:graphicData uri="http://schemas.openxmlformats.org/drawingml/2006/diagram">
@@ -6125,7 +11791,7 @@
         </p:nvSpPr>
         <p:spPr>
           <a:xfrm>
-            <a:off x="22174199" y="6667210"/>
+            <a:off x="22551493" y="6260676"/>
             <a:ext cx="4253948" cy="1209242"/>
           </a:xfrm>
           <a:prstGeom prst="rect">
@@ -6406,7 +12072,7 @@
         </p:nvSpPr>
         <p:spPr>
           <a:xfrm>
-            <a:off x="17889009" y="9594487"/>
+            <a:off x="17922669" y="9163250"/>
             <a:ext cx="2438400" cy="2554545"/>
           </a:xfrm>
           <a:prstGeom prst="rect">
@@ -6507,7 +12173,7 @@
         </p:nvSpPr>
         <p:spPr>
           <a:xfrm>
-            <a:off x="26232718" y="18218515"/>
+            <a:off x="26272881" y="17090006"/>
             <a:ext cx="2604776" cy="1824795"/>
           </a:xfrm>
           <a:prstGeom prst="rect">
@@ -6530,6 +12196,223 @@
               <a:rPr lang="en-US" dirty="0" smtClean="0"/>
               <a:t> </a:t>
             </a:r>
+            <a:endParaRPr lang="en-US" dirty="0"/>
+          </a:p>
+        </p:txBody>
+      </p:sp>
+      <p:pic>
+        <p:nvPicPr>
+          <p:cNvPr id="3" name="Picture 2"/>
+          <p:cNvPicPr>
+            <a:picLocks noChangeAspect="1"/>
+          </p:cNvPicPr>
+          <p:nvPr/>
+        </p:nvPicPr>
+        <p:blipFill>
+          <a:blip r:embed="rId9">
+            <a:extLst>
+              <a:ext uri="{28A0092B-C50C-407E-A947-70E740481C1C}">
+                <a14:useLocalDpi xmlns:a14="http://schemas.microsoft.com/office/drawing/2010/main" val="0"/>
+              </a:ext>
+            </a:extLst>
+          </a:blip>
+          <a:stretch>
+            <a:fillRect/>
+          </a:stretch>
+        </p:blipFill>
+        <p:spPr>
+          <a:xfrm>
+            <a:off x="589556" y="16637195"/>
+            <a:ext cx="15650308" cy="11085652"/>
+          </a:xfrm>
+          <a:prstGeom prst="rect">
+            <a:avLst/>
+          </a:prstGeom>
+        </p:spPr>
+      </p:pic>
+      <p:pic>
+        <p:nvPicPr>
+          <p:cNvPr id="6" name="Picture 5"/>
+          <p:cNvPicPr>
+            <a:picLocks noChangeAspect="1"/>
+          </p:cNvPicPr>
+          <p:nvPr/>
+        </p:nvPicPr>
+        <p:blipFill>
+          <a:blip r:embed="rId10">
+            <a:extLst>
+              <a:ext uri="{28A0092B-C50C-407E-A947-70E740481C1C}">
+                <a14:useLocalDpi xmlns:a14="http://schemas.microsoft.com/office/drawing/2010/main" val="0"/>
+              </a:ext>
+            </a:extLst>
+          </a:blip>
+          <a:stretch>
+            <a:fillRect/>
+          </a:stretch>
+        </p:blipFill>
+        <p:spPr>
+          <a:xfrm>
+            <a:off x="651073" y="29532911"/>
+            <a:ext cx="15802708" cy="10560373"/>
+          </a:xfrm>
+          <a:prstGeom prst="rect">
+            <a:avLst/>
+          </a:prstGeom>
+        </p:spPr>
+      </p:pic>
+      <p:sp>
+        <p:nvSpPr>
+          <p:cNvPr id="8" name="TextBox 7"/>
+          <p:cNvSpPr txBox="1"/>
+          <p:nvPr/>
+        </p:nvSpPr>
+        <p:spPr>
+          <a:xfrm>
+            <a:off x="961290" y="28023258"/>
+            <a:ext cx="15492491" cy="1209242"/>
+          </a:xfrm>
+          <a:prstGeom prst="rect">
+            <a:avLst/>
+          </a:prstGeom>
+          <a:noFill/>
+        </p:spPr>
+        <p:txBody>
+          <a:bodyPr wrap="square" rtlCol="0">
+            <a:spAutoFit/>
+          </a:bodyPr>
+          <a:lstStyle/>
+          <a:p>
+            <a:r>
+              <a:rPr lang="en-US" dirty="0" smtClean="0"/>
+              <a:t>Figure description </a:t>
+            </a:r>
+            <a:endParaRPr lang="en-US" dirty="0"/>
+          </a:p>
+        </p:txBody>
+      </p:sp>
+      <p:sp>
+        <p:nvSpPr>
+          <p:cNvPr id="10" name="TextBox 9"/>
+          <p:cNvSpPr txBox="1"/>
+          <p:nvPr/>
+        </p:nvSpPr>
+        <p:spPr>
+          <a:xfrm>
+            <a:off x="1371600" y="40640000"/>
+            <a:ext cx="15082181" cy="1209242"/>
+          </a:xfrm>
+          <a:prstGeom prst="rect">
+            <a:avLst/>
+          </a:prstGeom>
+          <a:noFill/>
+        </p:spPr>
+        <p:txBody>
+          <a:bodyPr wrap="square" rtlCol="0">
+            <a:spAutoFit/>
+          </a:bodyPr>
+          <a:lstStyle/>
+          <a:p>
+            <a:r>
+              <a:rPr lang="en-US" dirty="0" smtClean="0"/>
+              <a:t>Figure description</a:t>
+            </a:r>
+            <a:endParaRPr lang="en-US" dirty="0"/>
+          </a:p>
+        </p:txBody>
+      </p:sp>
+      <p:sp>
+        <p:nvSpPr>
+          <p:cNvPr id="12" name="Rectangle 11"/>
+          <p:cNvSpPr/>
+          <p:nvPr/>
+        </p:nvSpPr>
+        <p:spPr>
+          <a:xfrm>
+            <a:off x="17177092" y="21678873"/>
+            <a:ext cx="14648424" cy="6447858"/>
+          </a:xfrm>
+          <a:prstGeom prst="rect">
+            <a:avLst/>
+          </a:prstGeom>
+          <a:noFill/>
+          <a:ln>
+            <a:solidFill>
+              <a:schemeClr val="tx1"/>
+            </a:solidFill>
+          </a:ln>
+        </p:spPr>
+        <p:style>
+          <a:lnRef idx="2">
+            <a:schemeClr val="accent1">
+              <a:shade val="50000"/>
+            </a:schemeClr>
+          </a:lnRef>
+          <a:fillRef idx="1">
+            <a:schemeClr val="accent1"/>
+          </a:fillRef>
+          <a:effectRef idx="0">
+            <a:schemeClr val="accent1"/>
+          </a:effectRef>
+          <a:fontRef idx="minor">
+            <a:schemeClr val="lt1"/>
+          </a:fontRef>
+        </p:style>
+        <p:txBody>
+          <a:bodyPr rtlCol="0" anchor="ctr"/>
+          <a:lstStyle/>
+          <a:p>
+            <a:pPr algn="ctr"/>
+            <a:endParaRPr lang="en-US"/>
+          </a:p>
+        </p:txBody>
+      </p:sp>
+      <p:sp>
+        <p:nvSpPr>
+          <p:cNvPr id="14" name="TextBox 13"/>
+          <p:cNvSpPr txBox="1"/>
+          <p:nvPr/>
+        </p:nvSpPr>
+        <p:spPr>
+          <a:xfrm>
+            <a:off x="17922669" y="22180021"/>
+            <a:ext cx="13509831" cy="3443058"/>
+          </a:xfrm>
+          <a:prstGeom prst="rect">
+            <a:avLst/>
+          </a:prstGeom>
+          <a:noFill/>
+        </p:spPr>
+        <p:txBody>
+          <a:bodyPr wrap="square" rtlCol="0">
+            <a:spAutoFit/>
+          </a:bodyPr>
+          <a:lstStyle/>
+          <a:p>
+            <a:r>
+              <a:rPr lang="en-US" dirty="0" smtClean="0"/>
+              <a:t>What is Information Criterion:</a:t>
+            </a:r>
+          </a:p>
+          <a:p>
+            <a:r>
+              <a:rPr lang="en-US" dirty="0" smtClean="0"/>
+              <a:t>Lorem ipsum </a:t>
+            </a:r>
+            <a:r>
+              <a:rPr lang="mr-IN" dirty="0" smtClean="0"/>
+              <a:t>…</a:t>
+            </a:r>
+            <a:r>
+              <a:rPr lang="en-US" dirty="0" smtClean="0"/>
+              <a:t> </a:t>
+            </a:r>
+            <a:r>
+              <a:rPr lang="en-US" dirty="0" err="1" smtClean="0"/>
+              <a:t>etc</a:t>
+            </a:r>
+            <a:endParaRPr lang="en-US" dirty="0" smtClean="0"/>
+          </a:p>
+          <a:p>
             <a:endParaRPr lang="en-US" dirty="0"/>
           </a:p>
         </p:txBody>
@@ -6548,6 +12431,2423 @@
 </file>
 
 <file path=ppt/slides/slide2.xml><?xml version="1.0" encoding="utf-8"?>
+<p:sld xmlns:a="http://schemas.openxmlformats.org/drawingml/2006/main" xmlns:r="http://schemas.openxmlformats.org/officeDocument/2006/relationships" xmlns:p="http://schemas.openxmlformats.org/presentationml/2006/main">
+  <p:cSld>
+    <p:bg>
+      <p:bgPr>
+        <a:solidFill>
+          <a:schemeClr val="bg1"/>
+        </a:solidFill>
+        <a:effectLst/>
+      </p:bgPr>
+    </p:bg>
+    <p:spTree>
+      <p:nvGrpSpPr>
+        <p:cNvPr id="1" name=""/>
+        <p:cNvGrpSpPr/>
+        <p:nvPr/>
+      </p:nvGrpSpPr>
+      <p:grpSpPr>
+        <a:xfrm>
+          <a:off x="0" y="0"/>
+          <a:ext cx="0" cy="0"/>
+          <a:chOff x="0" y="0"/>
+          <a:chExt cx="0" cy="0"/>
+        </a:xfrm>
+      </p:grpSpPr>
+      <p:sp>
+        <p:nvSpPr>
+          <p:cNvPr id="15" name="Rectangle 14"/>
+          <p:cNvSpPr/>
+          <p:nvPr/>
+        </p:nvSpPr>
+        <p:spPr>
+          <a:xfrm>
+            <a:off x="808891" y="6020038"/>
+            <a:ext cx="15650308" cy="1431231"/>
+          </a:xfrm>
+          <a:prstGeom prst="rect">
+            <a:avLst/>
+          </a:prstGeom>
+          <a:solidFill>
+            <a:schemeClr val="accent2">
+              <a:lumMod val="75000"/>
+            </a:schemeClr>
+          </a:solidFill>
+          <a:ln>
+            <a:solidFill>
+              <a:schemeClr val="tx1"/>
+            </a:solidFill>
+          </a:ln>
+        </p:spPr>
+        <p:style>
+          <a:lnRef idx="2">
+            <a:schemeClr val="accent1">
+              <a:shade val="50000"/>
+            </a:schemeClr>
+          </a:lnRef>
+          <a:fillRef idx="1">
+            <a:schemeClr val="accent1"/>
+          </a:fillRef>
+          <a:effectRef idx="0">
+            <a:schemeClr val="accent1"/>
+          </a:effectRef>
+          <a:fontRef idx="minor">
+            <a:schemeClr val="lt1"/>
+          </a:fontRef>
+        </p:style>
+        <p:txBody>
+          <a:bodyPr rtlCol="0" anchor="ctr"/>
+          <a:lstStyle/>
+          <a:p>
+            <a:pPr algn="ctr"/>
+            <a:endParaRPr lang="en-US"/>
+          </a:p>
+        </p:txBody>
+      </p:sp>
+      <p:sp>
+        <p:nvSpPr>
+          <p:cNvPr id="2" name="Title 1"/>
+          <p:cNvSpPr>
+            <a:spLocks noGrp="1"/>
+          </p:cNvSpPr>
+          <p:nvPr>
+            <p:ph type="ctrTitle"/>
+          </p:nvPr>
+        </p:nvSpPr>
+        <p:spPr>
+          <a:xfrm>
+            <a:off x="2578784" y="1322877"/>
+            <a:ext cx="29196616" cy="2262381"/>
+          </a:xfrm>
+        </p:spPr>
+        <p:txBody>
+          <a:bodyPr>
+            <a:noAutofit/>
+          </a:bodyPr>
+          <a:lstStyle/>
+          <a:p>
+            <a:r>
+              <a:rPr lang="en-US" sz="8000" dirty="0"/>
+              <a:t>Alignment Quality Can Have An Effect on Phylogenetic Model Selection</a:t>
+            </a:r>
+          </a:p>
+        </p:txBody>
+      </p:sp>
+      <p:sp>
+        <p:nvSpPr>
+          <p:cNvPr id="4" name="Rectangle 3"/>
+          <p:cNvSpPr/>
+          <p:nvPr/>
+        </p:nvSpPr>
+        <p:spPr>
+          <a:xfrm>
+            <a:off x="5838091" y="3443332"/>
+            <a:ext cx="21242216" cy="1169551"/>
+          </a:xfrm>
+          <a:prstGeom prst="rect">
+            <a:avLst/>
+          </a:prstGeom>
+        </p:spPr>
+        <p:txBody>
+          <a:bodyPr wrap="square">
+            <a:spAutoFit/>
+          </a:bodyPr>
+          <a:lstStyle/>
+          <a:p>
+            <a:pPr algn="ctr"/>
+            <a:r>
+              <a:rPr lang="en-US" sz="7000" dirty="0" smtClean="0"/>
+              <a:t>Molly Miraglia¹, Stephanie J. Spielman²</a:t>
+            </a:r>
+            <a:endParaRPr lang="en-US" sz="7000" dirty="0"/>
+          </a:p>
+        </p:txBody>
+      </p:sp>
+      <p:sp>
+        <p:nvSpPr>
+          <p:cNvPr id="5" name="Rectangle 4"/>
+          <p:cNvSpPr/>
+          <p:nvPr/>
+        </p:nvSpPr>
+        <p:spPr>
+          <a:xfrm>
+            <a:off x="3630341" y="4296601"/>
+            <a:ext cx="27802159" cy="1092607"/>
+          </a:xfrm>
+          <a:prstGeom prst="rect">
+            <a:avLst/>
+          </a:prstGeom>
+        </p:spPr>
+        <p:txBody>
+          <a:bodyPr wrap="square">
+            <a:spAutoFit/>
+          </a:bodyPr>
+          <a:lstStyle/>
+          <a:p>
+            <a:r>
+              <a:rPr lang="en-US" sz="6500" i="1" dirty="0" smtClean="0"/>
+              <a:t>Department of Molecular and Cellular Biosciences, Rowan University, Glassboro NJ</a:t>
+            </a:r>
+            <a:endParaRPr lang="en-US" sz="6500" i="1" dirty="0"/>
+          </a:p>
+        </p:txBody>
+      </p:sp>
+      <p:pic>
+        <p:nvPicPr>
+          <p:cNvPr id="7" name="Picture 6"/>
+          <p:cNvPicPr>
+            <a:picLocks noChangeAspect="1"/>
+          </p:cNvPicPr>
+          <p:nvPr/>
+        </p:nvPicPr>
+        <p:blipFill>
+          <a:blip r:embed="rId2">
+            <a:extLst>
+              <a:ext uri="{28A0092B-C50C-407E-A947-70E740481C1C}">
+                <a14:useLocalDpi xmlns:a14="http://schemas.microsoft.com/office/drawing/2010/main" val="0"/>
+              </a:ext>
+            </a:extLst>
+          </a:blip>
+          <a:stretch>
+            <a:fillRect/>
+          </a:stretch>
+        </p:blipFill>
+        <p:spPr>
+          <a:xfrm>
+            <a:off x="25638073" y="240428"/>
+            <a:ext cx="6918960" cy="1760766"/>
+          </a:xfrm>
+          <a:prstGeom prst="rect">
+            <a:avLst/>
+          </a:prstGeom>
+        </p:spPr>
+      </p:pic>
+      <p:sp>
+        <p:nvSpPr>
+          <p:cNvPr id="9" name="TextBox 8"/>
+          <p:cNvSpPr txBox="1"/>
+          <p:nvPr/>
+        </p:nvSpPr>
+        <p:spPr>
+          <a:xfrm>
+            <a:off x="961290" y="7614616"/>
+            <a:ext cx="15650309" cy="9580764"/>
+          </a:xfrm>
+          <a:prstGeom prst="rect">
+            <a:avLst/>
+          </a:prstGeom>
+          <a:noFill/>
+        </p:spPr>
+        <p:txBody>
+          <a:bodyPr wrap="square" rtlCol="0">
+            <a:spAutoFit/>
+          </a:bodyPr>
+          <a:lstStyle/>
+          <a:p>
+            <a:r>
+              <a:rPr lang="en-US" sz="3400" dirty="0" smtClean="0"/>
+              <a:t>An </a:t>
+            </a:r>
+            <a:r>
+              <a:rPr lang="en-US" sz="3400" dirty="0"/>
+              <a:t>alignment is a character matrix containing DNA or amino acid sequences from several species. These sequences, known as </a:t>
+            </a:r>
+            <a:r>
+              <a:rPr lang="en-US" sz="3400" dirty="0" err="1"/>
+              <a:t>orthologs</a:t>
+            </a:r>
+            <a:r>
+              <a:rPr lang="en-US" sz="3400" dirty="0"/>
+              <a:t>, are genes in different species that evolved from a common ancestor. Alignments contain gaps which represent insertions and deletions in sequence evolution. Creating an alignment is the first step for comparing </a:t>
+            </a:r>
+            <a:r>
+              <a:rPr lang="en-US" sz="3400" dirty="0" err="1"/>
+              <a:t>orthologs</a:t>
+            </a:r>
+            <a:r>
+              <a:rPr lang="en-US" sz="3400" dirty="0"/>
+              <a:t> and building phylogenies. Producing phylogenies requires specification of a suitable model of sequence evolution. To determine these models, we often use model selection based using theoretic information criteria, such as </a:t>
+            </a:r>
+            <a:r>
+              <a:rPr lang="en-US" sz="3400" dirty="0" err="1"/>
+              <a:t>Akaike</a:t>
+            </a:r>
+            <a:r>
+              <a:rPr lang="en-US" sz="3400" dirty="0"/>
+              <a:t> Information Criterion (AIC). However, generating alignments is prone to error, and alignment quality is known to affect the quality of phylogenies. Here, we ask whether the alignment also affects finding the model that best fits the data. We generate a set of perturbed alignments for 200 protein and nucleotide datasets each from the </a:t>
+            </a:r>
+            <a:r>
+              <a:rPr lang="en-US" sz="3400" i="1" dirty="0"/>
+              <a:t>Selectome</a:t>
+            </a:r>
+            <a:r>
+              <a:rPr lang="en-US" sz="3400" dirty="0"/>
+              <a:t> database and analyze whether the best-fitting model is consistent for all alignment versions. We find that the alignment does have the potential to affect model selection, such that different models are identified as the best-fitting model for a given alignment version. Future work will examine how certain features of the data may further affect model selection.</a:t>
+            </a:r>
+          </a:p>
+          <a:p>
+            <a:endParaRPr lang="en-US" dirty="0"/>
+          </a:p>
+        </p:txBody>
+      </p:sp>
+      <p:sp>
+        <p:nvSpPr>
+          <p:cNvPr id="13" name="TextBox 12"/>
+          <p:cNvSpPr txBox="1"/>
+          <p:nvPr/>
+        </p:nvSpPr>
+        <p:spPr>
+          <a:xfrm>
+            <a:off x="6802537" y="6260676"/>
+            <a:ext cx="4220306" cy="1209242"/>
+          </a:xfrm>
+          <a:prstGeom prst="rect">
+            <a:avLst/>
+          </a:prstGeom>
+          <a:noFill/>
+        </p:spPr>
+        <p:txBody>
+          <a:bodyPr wrap="square" rtlCol="0">
+            <a:spAutoFit/>
+          </a:bodyPr>
+          <a:lstStyle/>
+          <a:p>
+            <a:r>
+              <a:rPr lang="en-US" smtClean="0"/>
+              <a:t>Abstract</a:t>
+            </a:r>
+            <a:endParaRPr lang="en-US"/>
+          </a:p>
+        </p:txBody>
+      </p:sp>
+      <p:sp>
+        <p:nvSpPr>
+          <p:cNvPr id="16" name="Rectangle 15"/>
+          <p:cNvSpPr/>
+          <p:nvPr/>
+        </p:nvSpPr>
+        <p:spPr>
+          <a:xfrm>
+            <a:off x="805581" y="7494831"/>
+            <a:ext cx="15650308" cy="8710012"/>
+          </a:xfrm>
+          <a:prstGeom prst="rect">
+            <a:avLst/>
+          </a:prstGeom>
+          <a:noFill/>
+        </p:spPr>
+        <p:style>
+          <a:lnRef idx="2">
+            <a:schemeClr val="accent1">
+              <a:shade val="50000"/>
+            </a:schemeClr>
+          </a:lnRef>
+          <a:fillRef idx="1">
+            <a:schemeClr val="accent1"/>
+          </a:fillRef>
+          <a:effectRef idx="0">
+            <a:schemeClr val="accent1"/>
+          </a:effectRef>
+          <a:fontRef idx="minor">
+            <a:schemeClr val="lt1"/>
+          </a:fontRef>
+        </p:style>
+        <p:txBody>
+          <a:bodyPr rtlCol="0" anchor="ctr"/>
+          <a:lstStyle/>
+          <a:p>
+            <a:pPr algn="ctr"/>
+            <a:endParaRPr lang="en-US"/>
+          </a:p>
+        </p:txBody>
+      </p:sp>
+      <p:sp>
+        <p:nvSpPr>
+          <p:cNvPr id="17" name="Rectangle 16"/>
+          <p:cNvSpPr/>
+          <p:nvPr/>
+        </p:nvSpPr>
+        <p:spPr>
+          <a:xfrm>
+            <a:off x="17177092" y="6020038"/>
+            <a:ext cx="15002752" cy="1449880"/>
+          </a:xfrm>
+          <a:prstGeom prst="rect">
+            <a:avLst/>
+          </a:prstGeom>
+          <a:solidFill>
+            <a:schemeClr val="accent2">
+              <a:lumMod val="75000"/>
+            </a:schemeClr>
+          </a:solidFill>
+        </p:spPr>
+        <p:style>
+          <a:lnRef idx="2">
+            <a:schemeClr val="accent1">
+              <a:shade val="50000"/>
+            </a:schemeClr>
+          </a:lnRef>
+          <a:fillRef idx="1">
+            <a:schemeClr val="accent1"/>
+          </a:fillRef>
+          <a:effectRef idx="0">
+            <a:schemeClr val="accent1"/>
+          </a:effectRef>
+          <a:fontRef idx="minor">
+            <a:schemeClr val="lt1"/>
+          </a:fontRef>
+        </p:style>
+        <p:txBody>
+          <a:bodyPr rtlCol="0" anchor="ctr"/>
+          <a:lstStyle/>
+          <a:p>
+            <a:pPr algn="ctr"/>
+            <a:endParaRPr lang="en-US" dirty="0"/>
+          </a:p>
+        </p:txBody>
+      </p:sp>
+      <p:sp>
+        <p:nvSpPr>
+          <p:cNvPr id="18" name="Rectangle 17"/>
+          <p:cNvSpPr/>
+          <p:nvPr/>
+        </p:nvSpPr>
+        <p:spPr>
+          <a:xfrm>
+            <a:off x="17177093" y="7494831"/>
+            <a:ext cx="15002751" cy="13586812"/>
+          </a:xfrm>
+          <a:prstGeom prst="rect">
+            <a:avLst/>
+          </a:prstGeom>
+          <a:noFill/>
+          <a:ln>
+            <a:solidFill>
+              <a:schemeClr val="tx1"/>
+            </a:solidFill>
+          </a:ln>
+        </p:spPr>
+        <p:style>
+          <a:lnRef idx="2">
+            <a:schemeClr val="accent1">
+              <a:shade val="50000"/>
+            </a:schemeClr>
+          </a:lnRef>
+          <a:fillRef idx="1">
+            <a:schemeClr val="accent1"/>
+          </a:fillRef>
+          <a:effectRef idx="0">
+            <a:schemeClr val="accent1"/>
+          </a:effectRef>
+          <a:fontRef idx="minor">
+            <a:schemeClr val="lt1"/>
+          </a:fontRef>
+        </p:style>
+        <p:txBody>
+          <a:bodyPr rtlCol="0" anchor="ctr"/>
+          <a:lstStyle/>
+          <a:p>
+            <a:pPr algn="ctr"/>
+            <a:endParaRPr lang="en-US"/>
+          </a:p>
+        </p:txBody>
+      </p:sp>
+      <p:graphicFrame>
+        <p:nvGraphicFramePr>
+          <p:cNvPr id="19" name="Diagram 18"/>
+          <p:cNvGraphicFramePr/>
+          <p:nvPr>
+            <p:extLst>
+              <p:ext uri="{D42A27DB-BD31-4B8C-83A1-F6EECF244321}">
+                <p14:modId xmlns:p14="http://schemas.microsoft.com/office/powerpoint/2010/main" val="75436434"/>
+              </p:ext>
+            </p:extLst>
+          </p:nvPr>
+        </p:nvGraphicFramePr>
+        <p:xfrm>
+          <a:off x="17391012" y="8100748"/>
+          <a:ext cx="15160566" cy="13215087"/>
+        </p:xfrm>
+        <a:graphic>
+          <a:graphicData uri="http://schemas.openxmlformats.org/drawingml/2006/diagram">
+            <dgm:relIds xmlns:dgm="http://schemas.openxmlformats.org/drawingml/2006/diagram" xmlns:r="http://schemas.openxmlformats.org/officeDocument/2006/relationships" r:dm="rId3" r:lo="rId4" r:qs="rId5" r:cs="rId6"/>
+          </a:graphicData>
+        </a:graphic>
+      </p:graphicFrame>
+      <p:sp>
+        <p:nvSpPr>
+          <p:cNvPr id="20" name="TextBox 19"/>
+          <p:cNvSpPr txBox="1"/>
+          <p:nvPr/>
+        </p:nvSpPr>
+        <p:spPr>
+          <a:xfrm>
+            <a:off x="22551493" y="6260676"/>
+            <a:ext cx="4253948" cy="1209242"/>
+          </a:xfrm>
+          <a:prstGeom prst="rect">
+            <a:avLst/>
+          </a:prstGeom>
+          <a:noFill/>
+        </p:spPr>
+        <p:txBody>
+          <a:bodyPr wrap="square" rtlCol="0">
+            <a:spAutoFit/>
+          </a:bodyPr>
+          <a:lstStyle/>
+          <a:p>
+            <a:pPr algn="ctr"/>
+            <a:r>
+              <a:rPr lang="en-US" smtClean="0"/>
+              <a:t>Methods</a:t>
+            </a:r>
+            <a:endParaRPr lang="en-US"/>
+          </a:p>
+        </p:txBody>
+      </p:sp>
+      <p:pic>
+        <p:nvPicPr>
+          <p:cNvPr id="23" name="Picture 22"/>
+          <p:cNvPicPr>
+            <a:picLocks noChangeAspect="1"/>
+          </p:cNvPicPr>
+          <p:nvPr/>
+        </p:nvPicPr>
+        <p:blipFill>
+          <a:blip r:embed="rId8">
+            <a:extLst>
+              <a:ext uri="{28A0092B-C50C-407E-A947-70E740481C1C}">
+                <a14:useLocalDpi xmlns:a14="http://schemas.microsoft.com/office/drawing/2010/main" val="0"/>
+              </a:ext>
+            </a:extLst>
+          </a:blip>
+          <a:stretch>
+            <a:fillRect/>
+          </a:stretch>
+        </p:blipFill>
+        <p:spPr>
+          <a:xfrm>
+            <a:off x="183545" y="240428"/>
+            <a:ext cx="5654546" cy="2120455"/>
+          </a:xfrm>
+          <a:prstGeom prst="rect">
+            <a:avLst/>
+          </a:prstGeom>
+        </p:spPr>
+      </p:pic>
+      <p:sp>
+        <p:nvSpPr>
+          <p:cNvPr id="32" name="Rectangle 31"/>
+          <p:cNvSpPr/>
+          <p:nvPr/>
+        </p:nvSpPr>
+        <p:spPr>
+          <a:xfrm>
+            <a:off x="23161821" y="9996266"/>
+            <a:ext cx="2075503" cy="3443058"/>
+          </a:xfrm>
+          <a:prstGeom prst="rect">
+            <a:avLst/>
+          </a:prstGeom>
+        </p:spPr>
+        <p:txBody>
+          <a:bodyPr wrap="square">
+            <a:spAutoFit/>
+          </a:bodyPr>
+          <a:lstStyle/>
+          <a:p>
+            <a:pPr lvl="0"/>
+            <a:r>
+              <a:rPr lang="en-US" dirty="0" smtClean="0">
+                <a:latin typeface="Menlo" charset="0"/>
+                <a:ea typeface="Menlo" charset="0"/>
+                <a:cs typeface="Menlo" charset="0"/>
+              </a:rPr>
+              <a:t>CAT</a:t>
+            </a:r>
+          </a:p>
+          <a:p>
+            <a:pPr lvl="0"/>
+            <a:r>
+              <a:rPr lang="en-US" dirty="0" smtClean="0">
+                <a:latin typeface="Menlo" charset="0"/>
+                <a:ea typeface="Menlo" charset="0"/>
+                <a:cs typeface="Menlo" charset="0"/>
+              </a:rPr>
+              <a:t>CAG</a:t>
+            </a:r>
+          </a:p>
+          <a:p>
+            <a:pPr lvl="0"/>
+            <a:r>
+              <a:rPr lang="en-US" dirty="0" smtClean="0">
+                <a:latin typeface="Menlo" charset="0"/>
+                <a:ea typeface="Menlo" charset="0"/>
+                <a:cs typeface="Menlo" charset="0"/>
+              </a:rPr>
+              <a:t>CT</a:t>
+            </a:r>
+            <a:endParaRPr lang="en-US" dirty="0">
+              <a:latin typeface="Menlo" charset="0"/>
+              <a:ea typeface="Menlo" charset="0"/>
+              <a:cs typeface="Menlo" charset="0"/>
+            </a:endParaRPr>
+          </a:p>
+        </p:txBody>
+      </p:sp>
+      <p:sp>
+        <p:nvSpPr>
+          <p:cNvPr id="33" name="Rectangle 32"/>
+          <p:cNvSpPr/>
+          <p:nvPr/>
+        </p:nvSpPr>
+        <p:spPr>
+          <a:xfrm>
+            <a:off x="27923304" y="9963469"/>
+            <a:ext cx="2219238" cy="1754326"/>
+          </a:xfrm>
+          <a:prstGeom prst="rect">
+            <a:avLst/>
+          </a:prstGeom>
+        </p:spPr>
+        <p:txBody>
+          <a:bodyPr wrap="square">
+            <a:spAutoFit/>
+          </a:bodyPr>
+          <a:lstStyle/>
+          <a:p>
+            <a:pPr lvl="0"/>
+            <a:r>
+              <a:rPr lang="en-US" sz="3600" dirty="0" smtClean="0">
+                <a:latin typeface="Menlo" charset="0"/>
+                <a:ea typeface="Menlo" charset="0"/>
+                <a:cs typeface="Menlo" charset="0"/>
+              </a:rPr>
+              <a:t>CAT-</a:t>
+            </a:r>
+          </a:p>
+          <a:p>
+            <a:pPr lvl="0"/>
+            <a:r>
+              <a:rPr lang="en-US" sz="3600" dirty="0" smtClean="0">
+                <a:latin typeface="Menlo" charset="0"/>
+                <a:ea typeface="Menlo" charset="0"/>
+                <a:cs typeface="Menlo" charset="0"/>
+              </a:rPr>
+              <a:t>CA-G</a:t>
+            </a:r>
+          </a:p>
+          <a:p>
+            <a:pPr lvl="0"/>
+            <a:r>
+              <a:rPr lang="en-US" sz="3600" dirty="0" smtClean="0">
+                <a:latin typeface="Menlo" charset="0"/>
+                <a:ea typeface="Menlo" charset="0"/>
+                <a:cs typeface="Menlo" charset="0"/>
+              </a:rPr>
+              <a:t>CT--</a:t>
+            </a:r>
+            <a:endParaRPr lang="en-US" sz="3600" dirty="0">
+              <a:latin typeface="Menlo" charset="0"/>
+              <a:ea typeface="Menlo" charset="0"/>
+              <a:cs typeface="Menlo" charset="0"/>
+            </a:endParaRPr>
+          </a:p>
+        </p:txBody>
+      </p:sp>
+      <p:sp>
+        <p:nvSpPr>
+          <p:cNvPr id="34" name="Rectangle 33"/>
+          <p:cNvSpPr/>
+          <p:nvPr/>
+        </p:nvSpPr>
+        <p:spPr>
+          <a:xfrm>
+            <a:off x="27987934" y="11920731"/>
+            <a:ext cx="2219238" cy="1754326"/>
+          </a:xfrm>
+          <a:prstGeom prst="rect">
+            <a:avLst/>
+          </a:prstGeom>
+        </p:spPr>
+        <p:txBody>
+          <a:bodyPr wrap="square">
+            <a:spAutoFit/>
+          </a:bodyPr>
+          <a:lstStyle/>
+          <a:p>
+            <a:pPr lvl="0"/>
+            <a:r>
+              <a:rPr lang="en-US" sz="3600" dirty="0" smtClean="0">
+                <a:latin typeface="Menlo" charset="0"/>
+                <a:ea typeface="Menlo" charset="0"/>
+                <a:cs typeface="Menlo" charset="0"/>
+              </a:rPr>
+              <a:t>CA-T</a:t>
+            </a:r>
+          </a:p>
+          <a:p>
+            <a:pPr lvl="0"/>
+            <a:r>
+              <a:rPr lang="en-US" sz="3600" dirty="0" smtClean="0">
+                <a:latin typeface="Menlo" charset="0"/>
+                <a:ea typeface="Menlo" charset="0"/>
+                <a:cs typeface="Menlo" charset="0"/>
+              </a:rPr>
+              <a:t>CAG-</a:t>
+            </a:r>
+          </a:p>
+          <a:p>
+            <a:pPr lvl="0"/>
+            <a:r>
+              <a:rPr lang="en-US" sz="3600" dirty="0" smtClean="0">
+                <a:latin typeface="Menlo" charset="0"/>
+                <a:ea typeface="Menlo" charset="0"/>
+                <a:cs typeface="Menlo" charset="0"/>
+              </a:rPr>
+              <a:t>C--T</a:t>
+            </a:r>
+            <a:endParaRPr lang="en-US" sz="3600" dirty="0">
+              <a:latin typeface="Menlo" charset="0"/>
+              <a:ea typeface="Menlo" charset="0"/>
+              <a:cs typeface="Menlo" charset="0"/>
+            </a:endParaRPr>
+          </a:p>
+        </p:txBody>
+      </p:sp>
+      <p:sp>
+        <p:nvSpPr>
+          <p:cNvPr id="38" name="Right Arrow 37"/>
+          <p:cNvSpPr/>
+          <p:nvPr/>
+        </p:nvSpPr>
+        <p:spPr>
+          <a:xfrm rot="799790">
+            <a:off x="25646995" y="12502977"/>
+            <a:ext cx="1785113" cy="314794"/>
+          </a:xfrm>
+          <a:prstGeom prst="rightArrow">
+            <a:avLst/>
+          </a:prstGeom>
+        </p:spPr>
+        <p:style>
+          <a:lnRef idx="2">
+            <a:schemeClr val="accent1">
+              <a:shade val="50000"/>
+            </a:schemeClr>
+          </a:lnRef>
+          <a:fillRef idx="1">
+            <a:schemeClr val="accent1"/>
+          </a:fillRef>
+          <a:effectRef idx="0">
+            <a:schemeClr val="accent1"/>
+          </a:effectRef>
+          <a:fontRef idx="minor">
+            <a:schemeClr val="lt1"/>
+          </a:fontRef>
+        </p:style>
+        <p:txBody>
+          <a:bodyPr rtlCol="0" anchor="ctr"/>
+          <a:lstStyle/>
+          <a:p>
+            <a:pPr algn="ctr"/>
+            <a:endParaRPr lang="en-US"/>
+          </a:p>
+        </p:txBody>
+      </p:sp>
+      <p:sp>
+        <p:nvSpPr>
+          <p:cNvPr id="39" name="TextBox 38"/>
+          <p:cNvSpPr txBox="1"/>
+          <p:nvPr/>
+        </p:nvSpPr>
+        <p:spPr>
+          <a:xfrm>
+            <a:off x="17922669" y="9163250"/>
+            <a:ext cx="2438400" cy="2554545"/>
+          </a:xfrm>
+          <a:prstGeom prst="rect">
+            <a:avLst/>
+          </a:prstGeom>
+          <a:noFill/>
+        </p:spPr>
+        <p:txBody>
+          <a:bodyPr wrap="square" rtlCol="0">
+            <a:spAutoFit/>
+          </a:bodyPr>
+          <a:lstStyle/>
+          <a:p>
+            <a:r>
+              <a:rPr lang="en-US" sz="4000" dirty="0" smtClean="0"/>
+              <a:t>Collect Selectome Sequence Datasets</a:t>
+            </a:r>
+            <a:endParaRPr lang="en-US" sz="4000" dirty="0"/>
+          </a:p>
+        </p:txBody>
+      </p:sp>
+      <p:sp>
+        <p:nvSpPr>
+          <p:cNvPr id="40" name="TextBox 39"/>
+          <p:cNvSpPr txBox="1"/>
+          <p:nvPr/>
+        </p:nvSpPr>
+        <p:spPr>
+          <a:xfrm>
+            <a:off x="23345773" y="8742535"/>
+            <a:ext cx="6879121" cy="1323439"/>
+          </a:xfrm>
+          <a:prstGeom prst="rect">
+            <a:avLst/>
+          </a:prstGeom>
+          <a:noFill/>
+        </p:spPr>
+        <p:txBody>
+          <a:bodyPr wrap="square" rtlCol="0">
+            <a:spAutoFit/>
+          </a:bodyPr>
+          <a:lstStyle/>
+          <a:p>
+            <a:pPr algn="ctr"/>
+            <a:r>
+              <a:rPr lang="en-US" sz="4000" dirty="0" smtClean="0"/>
+              <a:t>Generate Different Alignments for Each Dataset</a:t>
+            </a:r>
+            <a:endParaRPr lang="en-US" sz="4000" dirty="0"/>
+          </a:p>
+        </p:txBody>
+      </p:sp>
+      <p:sp>
+        <p:nvSpPr>
+          <p:cNvPr id="41" name="Right Arrow 40"/>
+          <p:cNvSpPr/>
+          <p:nvPr/>
+        </p:nvSpPr>
+        <p:spPr>
+          <a:xfrm rot="20573900">
+            <a:off x="25641572" y="10956205"/>
+            <a:ext cx="1785113" cy="314794"/>
+          </a:xfrm>
+          <a:prstGeom prst="rightArrow">
+            <a:avLst/>
+          </a:prstGeom>
+        </p:spPr>
+        <p:style>
+          <a:lnRef idx="2">
+            <a:schemeClr val="accent1">
+              <a:shade val="50000"/>
+            </a:schemeClr>
+          </a:lnRef>
+          <a:fillRef idx="1">
+            <a:schemeClr val="accent1"/>
+          </a:fillRef>
+          <a:effectRef idx="0">
+            <a:schemeClr val="accent1"/>
+          </a:effectRef>
+          <a:fontRef idx="minor">
+            <a:schemeClr val="lt1"/>
+          </a:fontRef>
+        </p:style>
+        <p:txBody>
+          <a:bodyPr rtlCol="0" anchor="ctr"/>
+          <a:lstStyle/>
+          <a:p>
+            <a:pPr algn="ctr"/>
+            <a:endParaRPr lang="en-US"/>
+          </a:p>
+        </p:txBody>
+      </p:sp>
+      <p:sp>
+        <p:nvSpPr>
+          <p:cNvPr id="42" name="TextBox 41"/>
+          <p:cNvSpPr txBox="1"/>
+          <p:nvPr/>
+        </p:nvSpPr>
+        <p:spPr>
+          <a:xfrm>
+            <a:off x="26272881" y="17090006"/>
+            <a:ext cx="2604776" cy="1824795"/>
+          </a:xfrm>
+          <a:prstGeom prst="rect">
+            <a:avLst/>
+          </a:prstGeom>
+          <a:noFill/>
+        </p:spPr>
+        <p:txBody>
+          <a:bodyPr wrap="square" rtlCol="0">
+            <a:spAutoFit/>
+          </a:bodyPr>
+          <a:lstStyle/>
+          <a:p>
+            <a:pPr algn="ctr"/>
+            <a:r>
+              <a:rPr lang="en-US" sz="4000" dirty="0" smtClean="0"/>
+              <a:t>Run Model Selection</a:t>
+            </a:r>
+            <a:r>
+              <a:rPr lang="en-US" dirty="0" smtClean="0"/>
+              <a:t> </a:t>
+            </a:r>
+            <a:endParaRPr lang="en-US" dirty="0"/>
+          </a:p>
+        </p:txBody>
+      </p:sp>
+      <p:pic>
+        <p:nvPicPr>
+          <p:cNvPr id="3" name="Picture 2"/>
+          <p:cNvPicPr>
+            <a:picLocks noChangeAspect="1"/>
+          </p:cNvPicPr>
+          <p:nvPr/>
+        </p:nvPicPr>
+        <p:blipFill>
+          <a:blip r:embed="rId9">
+            <a:extLst>
+              <a:ext uri="{28A0092B-C50C-407E-A947-70E740481C1C}">
+                <a14:useLocalDpi xmlns:a14="http://schemas.microsoft.com/office/drawing/2010/main" val="0"/>
+              </a:ext>
+            </a:extLst>
+          </a:blip>
+          <a:stretch>
+            <a:fillRect/>
+          </a:stretch>
+        </p:blipFill>
+        <p:spPr>
+          <a:xfrm>
+            <a:off x="14666544" y="28627879"/>
+            <a:ext cx="17513300" cy="12405273"/>
+          </a:xfrm>
+          <a:prstGeom prst="rect">
+            <a:avLst/>
+          </a:prstGeom>
+        </p:spPr>
+      </p:pic>
+      <p:pic>
+        <p:nvPicPr>
+          <p:cNvPr id="6" name="Picture 5"/>
+          <p:cNvPicPr>
+            <a:picLocks noChangeAspect="1"/>
+          </p:cNvPicPr>
+          <p:nvPr/>
+        </p:nvPicPr>
+        <p:blipFill>
+          <a:blip r:embed="rId10">
+            <a:extLst>
+              <a:ext uri="{28A0092B-C50C-407E-A947-70E740481C1C}">
+                <a14:useLocalDpi xmlns:a14="http://schemas.microsoft.com/office/drawing/2010/main" val="0"/>
+              </a:ext>
+            </a:extLst>
+          </a:blip>
+          <a:stretch>
+            <a:fillRect/>
+          </a:stretch>
+        </p:blipFill>
+        <p:spPr>
+          <a:xfrm>
+            <a:off x="183545" y="16809464"/>
+            <a:ext cx="16464052" cy="11002325"/>
+          </a:xfrm>
+          <a:prstGeom prst="rect">
+            <a:avLst/>
+          </a:prstGeom>
+        </p:spPr>
+      </p:pic>
+      <p:sp>
+        <p:nvSpPr>
+          <p:cNvPr id="8" name="TextBox 7"/>
+          <p:cNvSpPr txBox="1"/>
+          <p:nvPr/>
+        </p:nvSpPr>
+        <p:spPr>
+          <a:xfrm>
+            <a:off x="961290" y="28023258"/>
+            <a:ext cx="15492491" cy="1209242"/>
+          </a:xfrm>
+          <a:prstGeom prst="rect">
+            <a:avLst/>
+          </a:prstGeom>
+          <a:noFill/>
+        </p:spPr>
+        <p:txBody>
+          <a:bodyPr wrap="square" rtlCol="0">
+            <a:spAutoFit/>
+          </a:bodyPr>
+          <a:lstStyle/>
+          <a:p>
+            <a:r>
+              <a:rPr lang="en-US" dirty="0" smtClean="0"/>
+              <a:t>Figure description </a:t>
+            </a:r>
+            <a:endParaRPr lang="en-US" dirty="0"/>
+          </a:p>
+        </p:txBody>
+      </p:sp>
+      <p:sp>
+        <p:nvSpPr>
+          <p:cNvPr id="10" name="TextBox 9"/>
+          <p:cNvSpPr txBox="1"/>
+          <p:nvPr/>
+        </p:nvSpPr>
+        <p:spPr>
+          <a:xfrm>
+            <a:off x="16960213" y="41869175"/>
+            <a:ext cx="15082181" cy="1209242"/>
+          </a:xfrm>
+          <a:prstGeom prst="rect">
+            <a:avLst/>
+          </a:prstGeom>
+          <a:noFill/>
+        </p:spPr>
+        <p:txBody>
+          <a:bodyPr wrap="square" rtlCol="0">
+            <a:spAutoFit/>
+          </a:bodyPr>
+          <a:lstStyle/>
+          <a:p>
+            <a:r>
+              <a:rPr lang="en-US" dirty="0" smtClean="0"/>
+              <a:t>Figure description</a:t>
+            </a:r>
+            <a:endParaRPr lang="en-US" dirty="0"/>
+          </a:p>
+        </p:txBody>
+      </p:sp>
+      <p:sp>
+        <p:nvSpPr>
+          <p:cNvPr id="12" name="Rectangle 11"/>
+          <p:cNvSpPr/>
+          <p:nvPr/>
+        </p:nvSpPr>
+        <p:spPr>
+          <a:xfrm>
+            <a:off x="17177092" y="21678873"/>
+            <a:ext cx="14648424" cy="6447858"/>
+          </a:xfrm>
+          <a:prstGeom prst="rect">
+            <a:avLst/>
+          </a:prstGeom>
+          <a:noFill/>
+          <a:ln>
+            <a:solidFill>
+              <a:schemeClr val="tx1"/>
+            </a:solidFill>
+          </a:ln>
+        </p:spPr>
+        <p:style>
+          <a:lnRef idx="2">
+            <a:schemeClr val="accent1">
+              <a:shade val="50000"/>
+            </a:schemeClr>
+          </a:lnRef>
+          <a:fillRef idx="1">
+            <a:schemeClr val="accent1"/>
+          </a:fillRef>
+          <a:effectRef idx="0">
+            <a:schemeClr val="accent1"/>
+          </a:effectRef>
+          <a:fontRef idx="minor">
+            <a:schemeClr val="lt1"/>
+          </a:fontRef>
+        </p:style>
+        <p:txBody>
+          <a:bodyPr rtlCol="0" anchor="ctr"/>
+          <a:lstStyle/>
+          <a:p>
+            <a:pPr algn="ctr"/>
+            <a:endParaRPr lang="en-US"/>
+          </a:p>
+        </p:txBody>
+      </p:sp>
+      <p:sp>
+        <p:nvSpPr>
+          <p:cNvPr id="14" name="TextBox 13"/>
+          <p:cNvSpPr txBox="1"/>
+          <p:nvPr/>
+        </p:nvSpPr>
+        <p:spPr>
+          <a:xfrm>
+            <a:off x="17922669" y="22180021"/>
+            <a:ext cx="13509831" cy="4559966"/>
+          </a:xfrm>
+          <a:prstGeom prst="rect">
+            <a:avLst/>
+          </a:prstGeom>
+          <a:noFill/>
+        </p:spPr>
+        <p:txBody>
+          <a:bodyPr wrap="square" rtlCol="0">
+            <a:spAutoFit/>
+          </a:bodyPr>
+          <a:lstStyle/>
+          <a:p>
+            <a:r>
+              <a:rPr lang="en-US" dirty="0" smtClean="0"/>
+              <a:t>What is Information Criterion:</a:t>
+            </a:r>
+          </a:p>
+          <a:p>
+            <a:r>
+              <a:rPr lang="en-US" dirty="0" smtClean="0"/>
+              <a:t>What is a matrix</a:t>
+            </a:r>
+          </a:p>
+          <a:p>
+            <a:r>
+              <a:rPr lang="en-US" dirty="0" err="1" smtClean="0"/>
+              <a:t>etc</a:t>
+            </a:r>
+            <a:endParaRPr lang="en-US" dirty="0" smtClean="0"/>
+          </a:p>
+          <a:p>
+            <a:endParaRPr lang="en-US" dirty="0"/>
+          </a:p>
+        </p:txBody>
+      </p:sp>
+      <p:sp>
+        <p:nvSpPr>
+          <p:cNvPr id="11" name="Rectangle 10"/>
+          <p:cNvSpPr/>
+          <p:nvPr/>
+        </p:nvSpPr>
+        <p:spPr>
+          <a:xfrm>
+            <a:off x="488345" y="30653424"/>
+            <a:ext cx="13705254" cy="9906000"/>
+          </a:xfrm>
+          <a:prstGeom prst="rect">
+            <a:avLst/>
+          </a:prstGeom>
+          <a:noFill/>
+          <a:ln>
+            <a:solidFill>
+              <a:schemeClr val="tx1"/>
+            </a:solidFill>
+          </a:ln>
+        </p:spPr>
+        <p:style>
+          <a:lnRef idx="2">
+            <a:schemeClr val="accent1">
+              <a:shade val="50000"/>
+            </a:schemeClr>
+          </a:lnRef>
+          <a:fillRef idx="1">
+            <a:schemeClr val="accent1"/>
+          </a:fillRef>
+          <a:effectRef idx="0">
+            <a:schemeClr val="accent1"/>
+          </a:effectRef>
+          <a:fontRef idx="minor">
+            <a:schemeClr val="lt1"/>
+          </a:fontRef>
+        </p:style>
+        <p:txBody>
+          <a:bodyPr rtlCol="0" anchor="ctr"/>
+          <a:lstStyle/>
+          <a:p>
+            <a:pPr algn="ctr"/>
+            <a:endParaRPr lang="en-US"/>
+          </a:p>
+        </p:txBody>
+      </p:sp>
+      <p:sp>
+        <p:nvSpPr>
+          <p:cNvPr id="21" name="TextBox 20"/>
+          <p:cNvSpPr txBox="1"/>
+          <p:nvPr/>
+        </p:nvSpPr>
+        <p:spPr>
+          <a:xfrm>
+            <a:off x="908832" y="31469514"/>
+            <a:ext cx="4203971" cy="1209242"/>
+          </a:xfrm>
+          <a:prstGeom prst="rect">
+            <a:avLst/>
+          </a:prstGeom>
+          <a:noFill/>
+        </p:spPr>
+        <p:txBody>
+          <a:bodyPr wrap="none" rtlCol="0">
+            <a:spAutoFit/>
+          </a:bodyPr>
+          <a:lstStyle/>
+          <a:p>
+            <a:r>
+              <a:rPr lang="en-US" smtClean="0"/>
+              <a:t>conclusion</a:t>
+            </a:r>
+            <a:endParaRPr lang="en-US"/>
+          </a:p>
+        </p:txBody>
+      </p:sp>
+      <p:sp>
+        <p:nvSpPr>
+          <p:cNvPr id="22" name="Rectangle 21"/>
+          <p:cNvSpPr/>
+          <p:nvPr/>
+        </p:nvSpPr>
+        <p:spPr>
+          <a:xfrm>
+            <a:off x="488345" y="41033152"/>
+            <a:ext cx="14178199" cy="2045265"/>
+          </a:xfrm>
+          <a:prstGeom prst="rect">
+            <a:avLst/>
+          </a:prstGeom>
+          <a:noFill/>
+          <a:ln>
+            <a:solidFill>
+              <a:schemeClr val="tx1"/>
+            </a:solidFill>
+          </a:ln>
+        </p:spPr>
+        <p:style>
+          <a:lnRef idx="2">
+            <a:schemeClr val="accent1">
+              <a:shade val="50000"/>
+            </a:schemeClr>
+          </a:lnRef>
+          <a:fillRef idx="1">
+            <a:schemeClr val="accent1"/>
+          </a:fillRef>
+          <a:effectRef idx="0">
+            <a:schemeClr val="accent1"/>
+          </a:effectRef>
+          <a:fontRef idx="minor">
+            <a:schemeClr val="lt1"/>
+          </a:fontRef>
+        </p:style>
+        <p:txBody>
+          <a:bodyPr rtlCol="0" anchor="ctr"/>
+          <a:lstStyle/>
+          <a:p>
+            <a:pPr algn="ctr"/>
+            <a:endParaRPr lang="en-US"/>
+          </a:p>
+        </p:txBody>
+      </p:sp>
+      <p:sp>
+        <p:nvSpPr>
+          <p:cNvPr id="24" name="TextBox 23"/>
+          <p:cNvSpPr txBox="1"/>
+          <p:nvPr/>
+        </p:nvSpPr>
+        <p:spPr>
+          <a:xfrm>
+            <a:off x="908832" y="41655749"/>
+            <a:ext cx="4162230" cy="1209242"/>
+          </a:xfrm>
+          <a:prstGeom prst="rect">
+            <a:avLst/>
+          </a:prstGeom>
+          <a:noFill/>
+        </p:spPr>
+        <p:txBody>
+          <a:bodyPr wrap="none" rtlCol="0">
+            <a:spAutoFit/>
+          </a:bodyPr>
+          <a:lstStyle/>
+          <a:p>
+            <a:r>
+              <a:rPr lang="en-US" smtClean="0"/>
+              <a:t>references</a:t>
+            </a:r>
+            <a:endParaRPr lang="en-US"/>
+          </a:p>
+        </p:txBody>
+      </p:sp>
+    </p:spTree>
+    <p:extLst>
+      <p:ext uri="{BB962C8B-B14F-4D97-AF65-F5344CB8AC3E}">
+        <p14:creationId xmlns:p14="http://schemas.microsoft.com/office/powerpoint/2010/main" val="1610048694"/>
+      </p:ext>
+    </p:extLst>
+  </p:cSld>
+  <p:clrMapOvr>
+    <a:masterClrMapping/>
+  </p:clrMapOvr>
+</p:sld>
+</file>
+
+<file path=ppt/slides/slide3.xml><?xml version="1.0" encoding="utf-8"?>
+<p:sld xmlns:a="http://schemas.openxmlformats.org/drawingml/2006/main" xmlns:r="http://schemas.openxmlformats.org/officeDocument/2006/relationships" xmlns:p="http://schemas.openxmlformats.org/presentationml/2006/main">
+  <p:cSld>
+    <p:bg>
+      <p:bgPr>
+        <a:solidFill>
+          <a:schemeClr val="bg1"/>
+        </a:solidFill>
+        <a:effectLst/>
+      </p:bgPr>
+    </p:bg>
+    <p:spTree>
+      <p:nvGrpSpPr>
+        <p:cNvPr id="1" name=""/>
+        <p:cNvGrpSpPr/>
+        <p:nvPr/>
+      </p:nvGrpSpPr>
+      <p:grpSpPr>
+        <a:xfrm>
+          <a:off x="0" y="0"/>
+          <a:ext cx="0" cy="0"/>
+          <a:chOff x="0" y="0"/>
+          <a:chExt cx="0" cy="0"/>
+        </a:xfrm>
+      </p:grpSpPr>
+      <p:sp>
+        <p:nvSpPr>
+          <p:cNvPr id="15" name="Rectangle 14"/>
+          <p:cNvSpPr/>
+          <p:nvPr/>
+        </p:nvSpPr>
+        <p:spPr>
+          <a:xfrm>
+            <a:off x="808891" y="6020038"/>
+            <a:ext cx="15650308" cy="1431231"/>
+          </a:xfrm>
+          <a:prstGeom prst="rect">
+            <a:avLst/>
+          </a:prstGeom>
+          <a:solidFill>
+            <a:schemeClr val="accent2">
+              <a:lumMod val="75000"/>
+            </a:schemeClr>
+          </a:solidFill>
+          <a:ln>
+            <a:solidFill>
+              <a:schemeClr val="tx1"/>
+            </a:solidFill>
+          </a:ln>
+        </p:spPr>
+        <p:style>
+          <a:lnRef idx="2">
+            <a:schemeClr val="accent1">
+              <a:shade val="50000"/>
+            </a:schemeClr>
+          </a:lnRef>
+          <a:fillRef idx="1">
+            <a:schemeClr val="accent1"/>
+          </a:fillRef>
+          <a:effectRef idx="0">
+            <a:schemeClr val="accent1"/>
+          </a:effectRef>
+          <a:fontRef idx="minor">
+            <a:schemeClr val="lt1"/>
+          </a:fontRef>
+        </p:style>
+        <p:txBody>
+          <a:bodyPr rtlCol="0" anchor="ctr"/>
+          <a:lstStyle/>
+          <a:p>
+            <a:pPr algn="ctr"/>
+            <a:endParaRPr lang="en-US"/>
+          </a:p>
+        </p:txBody>
+      </p:sp>
+      <p:sp>
+        <p:nvSpPr>
+          <p:cNvPr id="2" name="Title 1"/>
+          <p:cNvSpPr>
+            <a:spLocks noGrp="1"/>
+          </p:cNvSpPr>
+          <p:nvPr>
+            <p:ph type="ctrTitle"/>
+          </p:nvPr>
+        </p:nvSpPr>
+        <p:spPr>
+          <a:xfrm>
+            <a:off x="2578784" y="1322877"/>
+            <a:ext cx="29196616" cy="2262381"/>
+          </a:xfrm>
+        </p:spPr>
+        <p:txBody>
+          <a:bodyPr>
+            <a:noAutofit/>
+          </a:bodyPr>
+          <a:lstStyle/>
+          <a:p>
+            <a:r>
+              <a:rPr lang="en-US" sz="8000" dirty="0"/>
+              <a:t>Alignment Quality Can Have An Effect on Phylogenetic Model Selection</a:t>
+            </a:r>
+          </a:p>
+        </p:txBody>
+      </p:sp>
+      <p:sp>
+        <p:nvSpPr>
+          <p:cNvPr id="4" name="Rectangle 3"/>
+          <p:cNvSpPr/>
+          <p:nvPr/>
+        </p:nvSpPr>
+        <p:spPr>
+          <a:xfrm>
+            <a:off x="5838091" y="3443332"/>
+            <a:ext cx="21242216" cy="1169551"/>
+          </a:xfrm>
+          <a:prstGeom prst="rect">
+            <a:avLst/>
+          </a:prstGeom>
+        </p:spPr>
+        <p:txBody>
+          <a:bodyPr wrap="square">
+            <a:spAutoFit/>
+          </a:bodyPr>
+          <a:lstStyle/>
+          <a:p>
+            <a:pPr algn="ctr"/>
+            <a:r>
+              <a:rPr lang="en-US" sz="7000" dirty="0" smtClean="0"/>
+              <a:t>Molly Miraglia¹, Stephanie J. Spielman²</a:t>
+            </a:r>
+            <a:endParaRPr lang="en-US" sz="7000" dirty="0"/>
+          </a:p>
+        </p:txBody>
+      </p:sp>
+      <p:sp>
+        <p:nvSpPr>
+          <p:cNvPr id="5" name="Rectangle 4"/>
+          <p:cNvSpPr/>
+          <p:nvPr/>
+        </p:nvSpPr>
+        <p:spPr>
+          <a:xfrm>
+            <a:off x="3630341" y="4296601"/>
+            <a:ext cx="27802159" cy="1092607"/>
+          </a:xfrm>
+          <a:prstGeom prst="rect">
+            <a:avLst/>
+          </a:prstGeom>
+        </p:spPr>
+        <p:txBody>
+          <a:bodyPr wrap="square">
+            <a:spAutoFit/>
+          </a:bodyPr>
+          <a:lstStyle/>
+          <a:p>
+            <a:r>
+              <a:rPr lang="en-US" sz="6500" i="1" dirty="0" smtClean="0"/>
+              <a:t>Department of Molecular and Cellular Biosciences, Rowan University, Glassboro NJ</a:t>
+            </a:r>
+            <a:endParaRPr lang="en-US" sz="6500" i="1" dirty="0"/>
+          </a:p>
+        </p:txBody>
+      </p:sp>
+      <p:pic>
+        <p:nvPicPr>
+          <p:cNvPr id="7" name="Picture 6"/>
+          <p:cNvPicPr>
+            <a:picLocks noChangeAspect="1"/>
+          </p:cNvPicPr>
+          <p:nvPr/>
+        </p:nvPicPr>
+        <p:blipFill>
+          <a:blip r:embed="rId2">
+            <a:extLst>
+              <a:ext uri="{28A0092B-C50C-407E-A947-70E740481C1C}">
+                <a14:useLocalDpi xmlns:a14="http://schemas.microsoft.com/office/drawing/2010/main" val="0"/>
+              </a:ext>
+            </a:extLst>
+          </a:blip>
+          <a:stretch>
+            <a:fillRect/>
+          </a:stretch>
+        </p:blipFill>
+        <p:spPr>
+          <a:xfrm>
+            <a:off x="25638073" y="240428"/>
+            <a:ext cx="6918960" cy="1760766"/>
+          </a:xfrm>
+          <a:prstGeom prst="rect">
+            <a:avLst/>
+          </a:prstGeom>
+        </p:spPr>
+      </p:pic>
+      <p:sp>
+        <p:nvSpPr>
+          <p:cNvPr id="9" name="TextBox 8"/>
+          <p:cNvSpPr txBox="1"/>
+          <p:nvPr/>
+        </p:nvSpPr>
+        <p:spPr>
+          <a:xfrm>
+            <a:off x="961290" y="7614616"/>
+            <a:ext cx="15650309" cy="9580764"/>
+          </a:xfrm>
+          <a:prstGeom prst="rect">
+            <a:avLst/>
+          </a:prstGeom>
+          <a:noFill/>
+        </p:spPr>
+        <p:txBody>
+          <a:bodyPr wrap="square" rtlCol="0">
+            <a:spAutoFit/>
+          </a:bodyPr>
+          <a:lstStyle/>
+          <a:p>
+            <a:r>
+              <a:rPr lang="en-US" sz="3400" dirty="0" smtClean="0"/>
+              <a:t>An </a:t>
+            </a:r>
+            <a:r>
+              <a:rPr lang="en-US" sz="3400" dirty="0"/>
+              <a:t>alignment is a character matrix containing DNA or amino acid sequences from several species. These sequences, known as </a:t>
+            </a:r>
+            <a:r>
+              <a:rPr lang="en-US" sz="3400" dirty="0" err="1"/>
+              <a:t>orthologs</a:t>
+            </a:r>
+            <a:r>
+              <a:rPr lang="en-US" sz="3400" dirty="0"/>
+              <a:t>, are genes in different species that evolved from a common ancestor. Alignments contain gaps which represent insertions and deletions in sequence evolution. Creating an alignment is the first step for comparing </a:t>
+            </a:r>
+            <a:r>
+              <a:rPr lang="en-US" sz="3400" dirty="0" err="1"/>
+              <a:t>orthologs</a:t>
+            </a:r>
+            <a:r>
+              <a:rPr lang="en-US" sz="3400" dirty="0"/>
+              <a:t> and building phylogenies. Producing phylogenies requires specification of a suitable model of sequence evolution. To determine these models, we often use model selection based using theoretic information criteria, such as </a:t>
+            </a:r>
+            <a:r>
+              <a:rPr lang="en-US" sz="3400" dirty="0" err="1"/>
+              <a:t>Akaike</a:t>
+            </a:r>
+            <a:r>
+              <a:rPr lang="en-US" sz="3400" dirty="0"/>
+              <a:t> Information Criterion (AIC). However, generating alignments is prone to error, and alignment quality is known to affect the quality of phylogenies. Here, we ask whether the alignment also affects finding the model that best fits the data. We generate a set of perturbed alignments for 200 protein and nucleotide datasets each from the </a:t>
+            </a:r>
+            <a:r>
+              <a:rPr lang="en-US" sz="3400" i="1" dirty="0"/>
+              <a:t>Selectome</a:t>
+            </a:r>
+            <a:r>
+              <a:rPr lang="en-US" sz="3400" dirty="0"/>
+              <a:t> database and analyze whether the best-fitting model is consistent for all alignment versions. We find that the alignment does have the potential to affect model selection, such that different models are identified as the best-fitting model for a given alignment version. Future work will examine how certain features of the data may further affect model selection.</a:t>
+            </a:r>
+          </a:p>
+          <a:p>
+            <a:endParaRPr lang="en-US" dirty="0"/>
+          </a:p>
+        </p:txBody>
+      </p:sp>
+      <p:sp>
+        <p:nvSpPr>
+          <p:cNvPr id="13" name="TextBox 12"/>
+          <p:cNvSpPr txBox="1"/>
+          <p:nvPr/>
+        </p:nvSpPr>
+        <p:spPr>
+          <a:xfrm>
+            <a:off x="6802537" y="6260676"/>
+            <a:ext cx="4220306" cy="1209242"/>
+          </a:xfrm>
+          <a:prstGeom prst="rect">
+            <a:avLst/>
+          </a:prstGeom>
+          <a:noFill/>
+        </p:spPr>
+        <p:txBody>
+          <a:bodyPr wrap="square" rtlCol="0">
+            <a:spAutoFit/>
+          </a:bodyPr>
+          <a:lstStyle/>
+          <a:p>
+            <a:r>
+              <a:rPr lang="en-US" smtClean="0"/>
+              <a:t>Abstract</a:t>
+            </a:r>
+            <a:endParaRPr lang="en-US"/>
+          </a:p>
+        </p:txBody>
+      </p:sp>
+      <p:sp>
+        <p:nvSpPr>
+          <p:cNvPr id="16" name="Rectangle 15"/>
+          <p:cNvSpPr/>
+          <p:nvPr/>
+        </p:nvSpPr>
+        <p:spPr>
+          <a:xfrm>
+            <a:off x="805581" y="7494831"/>
+            <a:ext cx="15650308" cy="8710012"/>
+          </a:xfrm>
+          <a:prstGeom prst="rect">
+            <a:avLst/>
+          </a:prstGeom>
+          <a:noFill/>
+        </p:spPr>
+        <p:style>
+          <a:lnRef idx="2">
+            <a:schemeClr val="accent1">
+              <a:shade val="50000"/>
+            </a:schemeClr>
+          </a:lnRef>
+          <a:fillRef idx="1">
+            <a:schemeClr val="accent1"/>
+          </a:fillRef>
+          <a:effectRef idx="0">
+            <a:schemeClr val="accent1"/>
+          </a:effectRef>
+          <a:fontRef idx="minor">
+            <a:schemeClr val="lt1"/>
+          </a:fontRef>
+        </p:style>
+        <p:txBody>
+          <a:bodyPr rtlCol="0" anchor="ctr"/>
+          <a:lstStyle/>
+          <a:p>
+            <a:pPr algn="ctr"/>
+            <a:endParaRPr lang="en-US"/>
+          </a:p>
+        </p:txBody>
+      </p:sp>
+      <p:sp>
+        <p:nvSpPr>
+          <p:cNvPr id="17" name="Rectangle 16"/>
+          <p:cNvSpPr/>
+          <p:nvPr/>
+        </p:nvSpPr>
+        <p:spPr>
+          <a:xfrm>
+            <a:off x="17177092" y="6020038"/>
+            <a:ext cx="15002752" cy="1449880"/>
+          </a:xfrm>
+          <a:prstGeom prst="rect">
+            <a:avLst/>
+          </a:prstGeom>
+          <a:solidFill>
+            <a:schemeClr val="accent2">
+              <a:lumMod val="75000"/>
+            </a:schemeClr>
+          </a:solidFill>
+        </p:spPr>
+        <p:style>
+          <a:lnRef idx="2">
+            <a:schemeClr val="accent1">
+              <a:shade val="50000"/>
+            </a:schemeClr>
+          </a:lnRef>
+          <a:fillRef idx="1">
+            <a:schemeClr val="accent1"/>
+          </a:fillRef>
+          <a:effectRef idx="0">
+            <a:schemeClr val="accent1"/>
+          </a:effectRef>
+          <a:fontRef idx="minor">
+            <a:schemeClr val="lt1"/>
+          </a:fontRef>
+        </p:style>
+        <p:txBody>
+          <a:bodyPr rtlCol="0" anchor="ctr"/>
+          <a:lstStyle/>
+          <a:p>
+            <a:pPr algn="ctr"/>
+            <a:endParaRPr lang="en-US" dirty="0"/>
+          </a:p>
+        </p:txBody>
+      </p:sp>
+      <p:sp>
+        <p:nvSpPr>
+          <p:cNvPr id="18" name="Rectangle 17"/>
+          <p:cNvSpPr/>
+          <p:nvPr/>
+        </p:nvSpPr>
+        <p:spPr>
+          <a:xfrm>
+            <a:off x="17177093" y="7494832"/>
+            <a:ext cx="15002751" cy="8710012"/>
+          </a:xfrm>
+          <a:prstGeom prst="rect">
+            <a:avLst/>
+          </a:prstGeom>
+          <a:noFill/>
+          <a:ln>
+            <a:solidFill>
+              <a:schemeClr val="tx1"/>
+            </a:solidFill>
+          </a:ln>
+        </p:spPr>
+        <p:style>
+          <a:lnRef idx="2">
+            <a:schemeClr val="accent1">
+              <a:shade val="50000"/>
+            </a:schemeClr>
+          </a:lnRef>
+          <a:fillRef idx="1">
+            <a:schemeClr val="accent1"/>
+          </a:fillRef>
+          <a:effectRef idx="0">
+            <a:schemeClr val="accent1"/>
+          </a:effectRef>
+          <a:fontRef idx="minor">
+            <a:schemeClr val="lt1"/>
+          </a:fontRef>
+        </p:style>
+        <p:txBody>
+          <a:bodyPr rtlCol="0" anchor="ctr"/>
+          <a:lstStyle/>
+          <a:p>
+            <a:pPr algn="ctr"/>
+            <a:endParaRPr lang="en-US"/>
+          </a:p>
+        </p:txBody>
+      </p:sp>
+      <p:graphicFrame>
+        <p:nvGraphicFramePr>
+          <p:cNvPr id="19" name="Diagram 18"/>
+          <p:cNvGraphicFramePr/>
+          <p:nvPr>
+            <p:extLst>
+              <p:ext uri="{D42A27DB-BD31-4B8C-83A1-F6EECF244321}">
+                <p14:modId xmlns:p14="http://schemas.microsoft.com/office/powerpoint/2010/main" val="1558784556"/>
+              </p:ext>
+            </p:extLst>
+          </p:nvPr>
+        </p:nvGraphicFramePr>
+        <p:xfrm>
+          <a:off x="17332803" y="7916492"/>
+          <a:ext cx="14442597" cy="7921027"/>
+        </p:xfrm>
+        <a:graphic>
+          <a:graphicData uri="http://schemas.openxmlformats.org/drawingml/2006/diagram">
+            <dgm:relIds xmlns:dgm="http://schemas.openxmlformats.org/drawingml/2006/diagram" xmlns:r="http://schemas.openxmlformats.org/officeDocument/2006/relationships" r:dm="rId3" r:lo="rId4" r:qs="rId5" r:cs="rId6"/>
+          </a:graphicData>
+        </a:graphic>
+      </p:graphicFrame>
+      <p:sp>
+        <p:nvSpPr>
+          <p:cNvPr id="20" name="TextBox 19"/>
+          <p:cNvSpPr txBox="1"/>
+          <p:nvPr/>
+        </p:nvSpPr>
+        <p:spPr>
+          <a:xfrm>
+            <a:off x="22551493" y="6260676"/>
+            <a:ext cx="4253948" cy="1209242"/>
+          </a:xfrm>
+          <a:prstGeom prst="rect">
+            <a:avLst/>
+          </a:prstGeom>
+          <a:noFill/>
+        </p:spPr>
+        <p:txBody>
+          <a:bodyPr wrap="square" rtlCol="0">
+            <a:spAutoFit/>
+          </a:bodyPr>
+          <a:lstStyle/>
+          <a:p>
+            <a:pPr algn="ctr"/>
+            <a:r>
+              <a:rPr lang="en-US" smtClean="0"/>
+              <a:t>Methods</a:t>
+            </a:r>
+            <a:endParaRPr lang="en-US"/>
+          </a:p>
+        </p:txBody>
+      </p:sp>
+      <p:pic>
+        <p:nvPicPr>
+          <p:cNvPr id="23" name="Picture 22"/>
+          <p:cNvPicPr>
+            <a:picLocks noChangeAspect="1"/>
+          </p:cNvPicPr>
+          <p:nvPr/>
+        </p:nvPicPr>
+        <p:blipFill>
+          <a:blip r:embed="rId8">
+            <a:extLst>
+              <a:ext uri="{28A0092B-C50C-407E-A947-70E740481C1C}">
+                <a14:useLocalDpi xmlns:a14="http://schemas.microsoft.com/office/drawing/2010/main" val="0"/>
+              </a:ext>
+            </a:extLst>
+          </a:blip>
+          <a:stretch>
+            <a:fillRect/>
+          </a:stretch>
+        </p:blipFill>
+        <p:spPr>
+          <a:xfrm>
+            <a:off x="183545" y="240428"/>
+            <a:ext cx="5654546" cy="2120455"/>
+          </a:xfrm>
+          <a:prstGeom prst="rect">
+            <a:avLst/>
+          </a:prstGeom>
+        </p:spPr>
+      </p:pic>
+      <p:sp>
+        <p:nvSpPr>
+          <p:cNvPr id="32" name="Rectangle 31"/>
+          <p:cNvSpPr/>
+          <p:nvPr/>
+        </p:nvSpPr>
+        <p:spPr>
+          <a:xfrm>
+            <a:off x="23161821" y="9996266"/>
+            <a:ext cx="2075503" cy="3443058"/>
+          </a:xfrm>
+          <a:prstGeom prst="rect">
+            <a:avLst/>
+          </a:prstGeom>
+        </p:spPr>
+        <p:txBody>
+          <a:bodyPr wrap="square">
+            <a:spAutoFit/>
+          </a:bodyPr>
+          <a:lstStyle/>
+          <a:p>
+            <a:pPr lvl="0"/>
+            <a:r>
+              <a:rPr lang="en-US" dirty="0" smtClean="0">
+                <a:latin typeface="Menlo" charset="0"/>
+                <a:ea typeface="Menlo" charset="0"/>
+                <a:cs typeface="Menlo" charset="0"/>
+              </a:rPr>
+              <a:t>CAT</a:t>
+            </a:r>
+          </a:p>
+          <a:p>
+            <a:pPr lvl="0"/>
+            <a:r>
+              <a:rPr lang="en-US" dirty="0" smtClean="0">
+                <a:latin typeface="Menlo" charset="0"/>
+                <a:ea typeface="Menlo" charset="0"/>
+                <a:cs typeface="Menlo" charset="0"/>
+              </a:rPr>
+              <a:t>CAG</a:t>
+            </a:r>
+          </a:p>
+          <a:p>
+            <a:pPr lvl="0"/>
+            <a:r>
+              <a:rPr lang="en-US" dirty="0" smtClean="0">
+                <a:latin typeface="Menlo" charset="0"/>
+                <a:ea typeface="Menlo" charset="0"/>
+                <a:cs typeface="Menlo" charset="0"/>
+              </a:rPr>
+              <a:t>CT</a:t>
+            </a:r>
+            <a:endParaRPr lang="en-US" dirty="0">
+              <a:latin typeface="Menlo" charset="0"/>
+              <a:ea typeface="Menlo" charset="0"/>
+              <a:cs typeface="Menlo" charset="0"/>
+            </a:endParaRPr>
+          </a:p>
+        </p:txBody>
+      </p:sp>
+      <p:sp>
+        <p:nvSpPr>
+          <p:cNvPr id="33" name="Rectangle 32"/>
+          <p:cNvSpPr/>
+          <p:nvPr/>
+        </p:nvSpPr>
+        <p:spPr>
+          <a:xfrm>
+            <a:off x="27923304" y="9963469"/>
+            <a:ext cx="2219238" cy="1754326"/>
+          </a:xfrm>
+          <a:prstGeom prst="rect">
+            <a:avLst/>
+          </a:prstGeom>
+        </p:spPr>
+        <p:txBody>
+          <a:bodyPr wrap="square">
+            <a:spAutoFit/>
+          </a:bodyPr>
+          <a:lstStyle/>
+          <a:p>
+            <a:pPr lvl="0"/>
+            <a:r>
+              <a:rPr lang="en-US" sz="3600" dirty="0" smtClean="0">
+                <a:latin typeface="Menlo" charset="0"/>
+                <a:ea typeface="Menlo" charset="0"/>
+                <a:cs typeface="Menlo" charset="0"/>
+              </a:rPr>
+              <a:t>CAT-</a:t>
+            </a:r>
+          </a:p>
+          <a:p>
+            <a:pPr lvl="0"/>
+            <a:r>
+              <a:rPr lang="en-US" sz="3600" dirty="0" smtClean="0">
+                <a:latin typeface="Menlo" charset="0"/>
+                <a:ea typeface="Menlo" charset="0"/>
+                <a:cs typeface="Menlo" charset="0"/>
+              </a:rPr>
+              <a:t>CA-G</a:t>
+            </a:r>
+          </a:p>
+          <a:p>
+            <a:pPr lvl="0"/>
+            <a:r>
+              <a:rPr lang="en-US" sz="3600" dirty="0" smtClean="0">
+                <a:latin typeface="Menlo" charset="0"/>
+                <a:ea typeface="Menlo" charset="0"/>
+                <a:cs typeface="Menlo" charset="0"/>
+              </a:rPr>
+              <a:t>CT--</a:t>
+            </a:r>
+            <a:endParaRPr lang="en-US" sz="3600" dirty="0">
+              <a:latin typeface="Menlo" charset="0"/>
+              <a:ea typeface="Menlo" charset="0"/>
+              <a:cs typeface="Menlo" charset="0"/>
+            </a:endParaRPr>
+          </a:p>
+        </p:txBody>
+      </p:sp>
+      <p:sp>
+        <p:nvSpPr>
+          <p:cNvPr id="34" name="Rectangle 33"/>
+          <p:cNvSpPr/>
+          <p:nvPr/>
+        </p:nvSpPr>
+        <p:spPr>
+          <a:xfrm>
+            <a:off x="27987934" y="11920731"/>
+            <a:ext cx="2219238" cy="1754326"/>
+          </a:xfrm>
+          <a:prstGeom prst="rect">
+            <a:avLst/>
+          </a:prstGeom>
+        </p:spPr>
+        <p:txBody>
+          <a:bodyPr wrap="square">
+            <a:spAutoFit/>
+          </a:bodyPr>
+          <a:lstStyle/>
+          <a:p>
+            <a:pPr lvl="0"/>
+            <a:r>
+              <a:rPr lang="en-US" sz="3600" dirty="0" smtClean="0">
+                <a:latin typeface="Menlo" charset="0"/>
+                <a:ea typeface="Menlo" charset="0"/>
+                <a:cs typeface="Menlo" charset="0"/>
+              </a:rPr>
+              <a:t>CA-T</a:t>
+            </a:r>
+          </a:p>
+          <a:p>
+            <a:pPr lvl="0"/>
+            <a:r>
+              <a:rPr lang="en-US" sz="3600" dirty="0" smtClean="0">
+                <a:latin typeface="Menlo" charset="0"/>
+                <a:ea typeface="Menlo" charset="0"/>
+                <a:cs typeface="Menlo" charset="0"/>
+              </a:rPr>
+              <a:t>CAG-</a:t>
+            </a:r>
+          </a:p>
+          <a:p>
+            <a:pPr lvl="0"/>
+            <a:r>
+              <a:rPr lang="en-US" sz="3600" dirty="0" smtClean="0">
+                <a:latin typeface="Menlo" charset="0"/>
+                <a:ea typeface="Menlo" charset="0"/>
+                <a:cs typeface="Menlo" charset="0"/>
+              </a:rPr>
+              <a:t>C--T</a:t>
+            </a:r>
+            <a:endParaRPr lang="en-US" sz="3600" dirty="0">
+              <a:latin typeface="Menlo" charset="0"/>
+              <a:ea typeface="Menlo" charset="0"/>
+              <a:cs typeface="Menlo" charset="0"/>
+            </a:endParaRPr>
+          </a:p>
+        </p:txBody>
+      </p:sp>
+      <p:sp>
+        <p:nvSpPr>
+          <p:cNvPr id="38" name="Right Arrow 37"/>
+          <p:cNvSpPr/>
+          <p:nvPr/>
+        </p:nvSpPr>
+        <p:spPr>
+          <a:xfrm rot="799790">
+            <a:off x="25646995" y="12502977"/>
+            <a:ext cx="1785113" cy="314794"/>
+          </a:xfrm>
+          <a:prstGeom prst="rightArrow">
+            <a:avLst/>
+          </a:prstGeom>
+        </p:spPr>
+        <p:style>
+          <a:lnRef idx="2">
+            <a:schemeClr val="accent1">
+              <a:shade val="50000"/>
+            </a:schemeClr>
+          </a:lnRef>
+          <a:fillRef idx="1">
+            <a:schemeClr val="accent1"/>
+          </a:fillRef>
+          <a:effectRef idx="0">
+            <a:schemeClr val="accent1"/>
+          </a:effectRef>
+          <a:fontRef idx="minor">
+            <a:schemeClr val="lt1"/>
+          </a:fontRef>
+        </p:style>
+        <p:txBody>
+          <a:bodyPr rtlCol="0" anchor="ctr"/>
+          <a:lstStyle/>
+          <a:p>
+            <a:pPr algn="ctr"/>
+            <a:endParaRPr lang="en-US"/>
+          </a:p>
+        </p:txBody>
+      </p:sp>
+      <p:sp>
+        <p:nvSpPr>
+          <p:cNvPr id="39" name="TextBox 38"/>
+          <p:cNvSpPr txBox="1"/>
+          <p:nvPr/>
+        </p:nvSpPr>
+        <p:spPr>
+          <a:xfrm>
+            <a:off x="19327571" y="8632906"/>
+            <a:ext cx="2438400" cy="2554545"/>
+          </a:xfrm>
+          <a:prstGeom prst="rect">
+            <a:avLst/>
+          </a:prstGeom>
+          <a:noFill/>
+        </p:spPr>
+        <p:txBody>
+          <a:bodyPr wrap="square" rtlCol="0">
+            <a:spAutoFit/>
+          </a:bodyPr>
+          <a:lstStyle/>
+          <a:p>
+            <a:r>
+              <a:rPr lang="en-US" sz="4000" dirty="0" smtClean="0"/>
+              <a:t>Collect Selectome Sequence Datasets</a:t>
+            </a:r>
+            <a:endParaRPr lang="en-US" sz="4000" dirty="0"/>
+          </a:p>
+        </p:txBody>
+      </p:sp>
+      <p:sp>
+        <p:nvSpPr>
+          <p:cNvPr id="40" name="TextBox 39"/>
+          <p:cNvSpPr txBox="1"/>
+          <p:nvPr/>
+        </p:nvSpPr>
+        <p:spPr>
+          <a:xfrm>
+            <a:off x="23345773" y="8742535"/>
+            <a:ext cx="6879121" cy="1323439"/>
+          </a:xfrm>
+          <a:prstGeom prst="rect">
+            <a:avLst/>
+          </a:prstGeom>
+          <a:noFill/>
+        </p:spPr>
+        <p:txBody>
+          <a:bodyPr wrap="square" rtlCol="0">
+            <a:spAutoFit/>
+          </a:bodyPr>
+          <a:lstStyle/>
+          <a:p>
+            <a:pPr algn="ctr"/>
+            <a:r>
+              <a:rPr lang="en-US" sz="4000" dirty="0" smtClean="0"/>
+              <a:t>Generate Different Alignments for Each Dataset</a:t>
+            </a:r>
+            <a:endParaRPr lang="en-US" sz="4000" dirty="0"/>
+          </a:p>
+        </p:txBody>
+      </p:sp>
+      <p:sp>
+        <p:nvSpPr>
+          <p:cNvPr id="41" name="Right Arrow 40"/>
+          <p:cNvSpPr/>
+          <p:nvPr/>
+        </p:nvSpPr>
+        <p:spPr>
+          <a:xfrm rot="20573900">
+            <a:off x="25641572" y="10956205"/>
+            <a:ext cx="1785113" cy="314794"/>
+          </a:xfrm>
+          <a:prstGeom prst="rightArrow">
+            <a:avLst/>
+          </a:prstGeom>
+        </p:spPr>
+        <p:style>
+          <a:lnRef idx="2">
+            <a:schemeClr val="accent1">
+              <a:shade val="50000"/>
+            </a:schemeClr>
+          </a:lnRef>
+          <a:fillRef idx="1">
+            <a:schemeClr val="accent1"/>
+          </a:fillRef>
+          <a:effectRef idx="0">
+            <a:schemeClr val="accent1"/>
+          </a:effectRef>
+          <a:fontRef idx="minor">
+            <a:schemeClr val="lt1"/>
+          </a:fontRef>
+        </p:style>
+        <p:txBody>
+          <a:bodyPr rtlCol="0" anchor="ctr"/>
+          <a:lstStyle/>
+          <a:p>
+            <a:pPr algn="ctr"/>
+            <a:endParaRPr lang="en-US"/>
+          </a:p>
+        </p:txBody>
+      </p:sp>
+      <p:sp>
+        <p:nvSpPr>
+          <p:cNvPr id="42" name="TextBox 41"/>
+          <p:cNvSpPr txBox="1"/>
+          <p:nvPr/>
+        </p:nvSpPr>
+        <p:spPr>
+          <a:xfrm>
+            <a:off x="18059821" y="13675057"/>
+            <a:ext cx="2604776" cy="1824795"/>
+          </a:xfrm>
+          <a:prstGeom prst="rect">
+            <a:avLst/>
+          </a:prstGeom>
+          <a:noFill/>
+        </p:spPr>
+        <p:txBody>
+          <a:bodyPr wrap="square" rtlCol="0">
+            <a:spAutoFit/>
+          </a:bodyPr>
+          <a:lstStyle/>
+          <a:p>
+            <a:pPr algn="ctr"/>
+            <a:r>
+              <a:rPr lang="en-US" sz="4000" dirty="0" smtClean="0"/>
+              <a:t>Run Model Selection</a:t>
+            </a:r>
+            <a:r>
+              <a:rPr lang="en-US" dirty="0" smtClean="0"/>
+              <a:t> </a:t>
+            </a:r>
+            <a:endParaRPr lang="en-US" dirty="0"/>
+          </a:p>
+        </p:txBody>
+      </p:sp>
+      <p:pic>
+        <p:nvPicPr>
+          <p:cNvPr id="3" name="Picture 2"/>
+          <p:cNvPicPr>
+            <a:picLocks noChangeAspect="1"/>
+          </p:cNvPicPr>
+          <p:nvPr/>
+        </p:nvPicPr>
+        <p:blipFill>
+          <a:blip r:embed="rId9">
+            <a:extLst>
+              <a:ext uri="{28A0092B-C50C-407E-A947-70E740481C1C}">
+                <a14:useLocalDpi xmlns:a14="http://schemas.microsoft.com/office/drawing/2010/main" val="0"/>
+              </a:ext>
+            </a:extLst>
+          </a:blip>
+          <a:stretch>
+            <a:fillRect/>
+          </a:stretch>
+        </p:blipFill>
+        <p:spPr>
+          <a:xfrm>
+            <a:off x="16923092" y="16626504"/>
+            <a:ext cx="15650308" cy="13751896"/>
+          </a:xfrm>
+          <a:prstGeom prst="rect">
+            <a:avLst/>
+          </a:prstGeom>
+        </p:spPr>
+      </p:pic>
+      <p:pic>
+        <p:nvPicPr>
+          <p:cNvPr id="6" name="Picture 5"/>
+          <p:cNvPicPr>
+            <a:picLocks noChangeAspect="1"/>
+          </p:cNvPicPr>
+          <p:nvPr/>
+        </p:nvPicPr>
+        <p:blipFill>
+          <a:blip r:embed="rId10">
+            <a:extLst>
+              <a:ext uri="{28A0092B-C50C-407E-A947-70E740481C1C}">
+                <a14:useLocalDpi xmlns:a14="http://schemas.microsoft.com/office/drawing/2010/main" val="0"/>
+              </a:ext>
+            </a:extLst>
+          </a:blip>
+          <a:stretch>
+            <a:fillRect/>
+          </a:stretch>
+        </p:blipFill>
+        <p:spPr>
+          <a:xfrm>
+            <a:off x="395796" y="17039322"/>
+            <a:ext cx="15802708" cy="13339078"/>
+          </a:xfrm>
+          <a:prstGeom prst="rect">
+            <a:avLst/>
+          </a:prstGeom>
+        </p:spPr>
+      </p:pic>
+      <p:sp>
+        <p:nvSpPr>
+          <p:cNvPr id="10" name="TextBox 9"/>
+          <p:cNvSpPr txBox="1"/>
+          <p:nvPr/>
+        </p:nvSpPr>
+        <p:spPr>
+          <a:xfrm>
+            <a:off x="1089644" y="30278661"/>
+            <a:ext cx="15082181" cy="1209242"/>
+          </a:xfrm>
+          <a:prstGeom prst="rect">
+            <a:avLst/>
+          </a:prstGeom>
+          <a:noFill/>
+        </p:spPr>
+        <p:txBody>
+          <a:bodyPr wrap="square" rtlCol="0">
+            <a:spAutoFit/>
+          </a:bodyPr>
+          <a:lstStyle/>
+          <a:p>
+            <a:r>
+              <a:rPr lang="en-US" smtClean="0"/>
+              <a:t>Figure description</a:t>
+            </a:r>
+            <a:endParaRPr lang="en-US" dirty="0"/>
+          </a:p>
+        </p:txBody>
+      </p:sp>
+      <p:sp>
+        <p:nvSpPr>
+          <p:cNvPr id="29" name="TextBox 28"/>
+          <p:cNvSpPr txBox="1"/>
+          <p:nvPr/>
+        </p:nvSpPr>
+        <p:spPr>
+          <a:xfrm>
+            <a:off x="18059821" y="30299781"/>
+            <a:ext cx="15082181" cy="1209242"/>
+          </a:xfrm>
+          <a:prstGeom prst="rect">
+            <a:avLst/>
+          </a:prstGeom>
+          <a:noFill/>
+        </p:spPr>
+        <p:txBody>
+          <a:bodyPr wrap="square" rtlCol="0">
+            <a:spAutoFit/>
+          </a:bodyPr>
+          <a:lstStyle/>
+          <a:p>
+            <a:r>
+              <a:rPr lang="en-US" smtClean="0"/>
+              <a:t>Figure description</a:t>
+            </a:r>
+            <a:endParaRPr lang="en-US" dirty="0"/>
+          </a:p>
+        </p:txBody>
+      </p:sp>
+      <p:sp>
+        <p:nvSpPr>
+          <p:cNvPr id="11" name="Rectangle 10"/>
+          <p:cNvSpPr/>
+          <p:nvPr/>
+        </p:nvSpPr>
+        <p:spPr>
+          <a:xfrm>
+            <a:off x="1089644" y="31800800"/>
+            <a:ext cx="30685756" cy="2895600"/>
+          </a:xfrm>
+          <a:prstGeom prst="rect">
+            <a:avLst/>
+          </a:prstGeom>
+          <a:noFill/>
+          <a:ln>
+            <a:solidFill>
+              <a:schemeClr val="tx1"/>
+            </a:solidFill>
+          </a:ln>
+        </p:spPr>
+        <p:style>
+          <a:lnRef idx="2">
+            <a:schemeClr val="accent1">
+              <a:shade val="50000"/>
+            </a:schemeClr>
+          </a:lnRef>
+          <a:fillRef idx="1">
+            <a:schemeClr val="accent1"/>
+          </a:fillRef>
+          <a:effectRef idx="0">
+            <a:schemeClr val="accent1"/>
+          </a:effectRef>
+          <a:fontRef idx="minor">
+            <a:schemeClr val="lt1"/>
+          </a:fontRef>
+        </p:style>
+        <p:txBody>
+          <a:bodyPr rtlCol="0" anchor="ctr"/>
+          <a:lstStyle/>
+          <a:p>
+            <a:pPr algn="ctr"/>
+            <a:r>
+              <a:rPr lang="en-US" dirty="0" smtClean="0">
+                <a:solidFill>
+                  <a:schemeClr val="tx1"/>
+                </a:solidFill>
+              </a:rPr>
+              <a:t>What is Information Criterion etc.</a:t>
+            </a:r>
+            <a:endParaRPr lang="en-US" dirty="0">
+              <a:solidFill>
+                <a:schemeClr val="tx1"/>
+              </a:solidFill>
+            </a:endParaRPr>
+          </a:p>
+        </p:txBody>
+      </p:sp>
+      <p:sp>
+        <p:nvSpPr>
+          <p:cNvPr id="21" name="Rectangle 20"/>
+          <p:cNvSpPr/>
+          <p:nvPr/>
+        </p:nvSpPr>
+        <p:spPr>
+          <a:xfrm>
+            <a:off x="1089644" y="35255200"/>
+            <a:ext cx="15082181" cy="8077200"/>
+          </a:xfrm>
+          <a:prstGeom prst="rect">
+            <a:avLst/>
+          </a:prstGeom>
+          <a:noFill/>
+          <a:ln>
+            <a:solidFill>
+              <a:schemeClr val="tx1"/>
+            </a:solidFill>
+          </a:ln>
+        </p:spPr>
+        <p:style>
+          <a:lnRef idx="2">
+            <a:schemeClr val="accent1">
+              <a:shade val="50000"/>
+            </a:schemeClr>
+          </a:lnRef>
+          <a:fillRef idx="1">
+            <a:schemeClr val="accent1"/>
+          </a:fillRef>
+          <a:effectRef idx="0">
+            <a:schemeClr val="accent1"/>
+          </a:effectRef>
+          <a:fontRef idx="minor">
+            <a:schemeClr val="lt1"/>
+          </a:fontRef>
+        </p:style>
+        <p:txBody>
+          <a:bodyPr rtlCol="0" anchor="ctr"/>
+          <a:lstStyle/>
+          <a:p>
+            <a:pPr algn="ctr"/>
+            <a:endParaRPr lang="en-US"/>
+          </a:p>
+        </p:txBody>
+      </p:sp>
+      <p:sp>
+        <p:nvSpPr>
+          <p:cNvPr id="22" name="TextBox 21"/>
+          <p:cNvSpPr txBox="1"/>
+          <p:nvPr/>
+        </p:nvSpPr>
+        <p:spPr>
+          <a:xfrm>
+            <a:off x="1767039" y="36118800"/>
+            <a:ext cx="9255804" cy="1209242"/>
+          </a:xfrm>
+          <a:prstGeom prst="rect">
+            <a:avLst/>
+          </a:prstGeom>
+          <a:noFill/>
+        </p:spPr>
+        <p:txBody>
+          <a:bodyPr wrap="none" rtlCol="0">
+            <a:spAutoFit/>
+          </a:bodyPr>
+          <a:lstStyle/>
+          <a:p>
+            <a:r>
+              <a:rPr lang="en-US" dirty="0" smtClean="0"/>
+              <a:t>Conclusion </a:t>
+            </a:r>
+            <a:r>
+              <a:rPr lang="en-US" smtClean="0"/>
+              <a:t>bullet points</a:t>
+            </a:r>
+            <a:endParaRPr lang="en-US"/>
+          </a:p>
+        </p:txBody>
+      </p:sp>
+      <p:sp>
+        <p:nvSpPr>
+          <p:cNvPr id="24" name="Rectangle 23"/>
+          <p:cNvSpPr/>
+          <p:nvPr/>
+        </p:nvSpPr>
+        <p:spPr>
+          <a:xfrm>
+            <a:off x="17531420" y="35255200"/>
+            <a:ext cx="13901080" cy="8077200"/>
+          </a:xfrm>
+          <a:prstGeom prst="rect">
+            <a:avLst/>
+          </a:prstGeom>
+          <a:noFill/>
+          <a:ln>
+            <a:solidFill>
+              <a:schemeClr val="tx1"/>
+            </a:solidFill>
+          </a:ln>
+        </p:spPr>
+        <p:style>
+          <a:lnRef idx="2">
+            <a:schemeClr val="accent1">
+              <a:shade val="50000"/>
+            </a:schemeClr>
+          </a:lnRef>
+          <a:fillRef idx="1">
+            <a:schemeClr val="accent1"/>
+          </a:fillRef>
+          <a:effectRef idx="0">
+            <a:schemeClr val="accent1"/>
+          </a:effectRef>
+          <a:fontRef idx="minor">
+            <a:schemeClr val="lt1"/>
+          </a:fontRef>
+        </p:style>
+        <p:txBody>
+          <a:bodyPr rtlCol="0" anchor="ctr"/>
+          <a:lstStyle/>
+          <a:p>
+            <a:pPr algn="ctr"/>
+            <a:endParaRPr lang="en-US"/>
+          </a:p>
+        </p:txBody>
+      </p:sp>
+    </p:spTree>
+    <p:extLst>
+      <p:ext uri="{BB962C8B-B14F-4D97-AF65-F5344CB8AC3E}">
+        <p14:creationId xmlns:p14="http://schemas.microsoft.com/office/powerpoint/2010/main" val="1605367121"/>
+      </p:ext>
+    </p:extLst>
+  </p:cSld>
+  <p:clrMapOvr>
+    <a:masterClrMapping/>
+  </p:clrMapOvr>
+</p:sld>
+</file>
+
+<file path=ppt/slides/slide4.xml><?xml version="1.0" encoding="utf-8"?>
 <p:sld xmlns:a="http://schemas.openxmlformats.org/drawingml/2006/main" xmlns:r="http://schemas.openxmlformats.org/officeDocument/2006/relationships" xmlns:p="http://schemas.openxmlformats.org/presentationml/2006/main">
   <p:cSld>
     <p:spTree>
